--- a/Презентация.pptx
+++ b/Презентация.pptx
@@ -10,7 +10,12 @@
     <p:sldId id="258" r:id="rId4"/>
     <p:sldId id="259" r:id="rId5"/>
     <p:sldId id="260" r:id="rId6"/>
-    <p:sldId id="261" r:id="rId7"/>
+    <p:sldId id="263" r:id="rId7"/>
+    <p:sldId id="267" r:id="rId8"/>
+    <p:sldId id="264" r:id="rId9"/>
+    <p:sldId id="266" r:id="rId10"/>
+    <p:sldId id="265" r:id="rId11"/>
+    <p:sldId id="261" r:id="rId12"/>
   </p:sldIdLst>
   <p:sldSz cx="12192000" cy="6858000"/>
   <p:notesSz cx="6858000" cy="9144000"/>
@@ -115,6 +120,18 @@
     </p:ext>
   </p:extLst>
 </p:presentation>
+</file>
+
+<file path=ppt/commentAuthors.xml><?xml version="1.0" encoding="utf-8"?>
+<p:cmAuthorLst xmlns:a="http://schemas.openxmlformats.org/drawingml/2006/main" xmlns:r="http://schemas.openxmlformats.org/officeDocument/2006/relationships" xmlns:p="http://schemas.openxmlformats.org/presentationml/2006/main">
+  <p:cmAuthor id="1" name="이 재호" initials="이재" lastIdx="1" clrIdx="0">
+    <p:extLst>
+      <p:ext uri="{19B8F6BF-5375-455C-9EA6-DF929625EA0E}">
+        <p15:presenceInfo xmlns:p15="http://schemas.microsoft.com/office/powerpoint/2012/main" userId="S-1-5-21-776058877-714501665-2436548573-3286" providerId="AD"/>
+      </p:ext>
+    </p:extLst>
+  </p:cmAuthor>
+</p:cmAuthorLst>
 </file>
 
 <file path=ppt/changesInfos/changesInfo1.xml><?xml version="1.0" encoding="utf-8"?>
@@ -572,6 +589,20 @@
 </pc:chgInfo>
 </file>
 
+<file path=ppt/comments/comment1.xml><?xml version="1.0" encoding="utf-8"?>
+<p:cmLst xmlns:a="http://schemas.openxmlformats.org/drawingml/2006/main" xmlns:r="http://schemas.openxmlformats.org/officeDocument/2006/relationships" xmlns:p="http://schemas.openxmlformats.org/presentationml/2006/main">
+  <p:cm authorId="1" dt="2018-12-17T23:41:21.845" idx="1">
+    <p:pos x="10" y="10"/>
+    <p:text/>
+    <p:extLst>
+      <p:ext uri="{C676402C-5697-4E1C-873F-D02D1690AC5C}">
+        <p15:threadingInfo xmlns:p15="http://schemas.microsoft.com/office/powerpoint/2012/main" timeZoneBias="-540"/>
+      </p:ext>
+    </p:extLst>
+  </p:cm>
+</p:cmLst>
+</file>
+
 <file path=ppt/slideLayouts/slideLayout1.xml><?xml version="1.0" encoding="utf-8"?>
 <p:sldLayout xmlns:a="http://schemas.openxmlformats.org/drawingml/2006/main" xmlns:r="http://schemas.openxmlformats.org/officeDocument/2006/relationships" xmlns:p="http://schemas.openxmlformats.org/presentationml/2006/main" type="title" preserve="1">
   <p:cSld name="Титульный слайд">
@@ -755,7 +786,7 @@
           <a:p>
             <a:fld id="{4AAD347D-5ACD-4C99-B74B-A9C85AD731AF}" type="datetimeFigureOut">
               <a:rPr lang="en-US" smtClean="0"/>
-              <a:t>12/17/2018</a:t>
+              <a:t>12/18/18</a:t>
             </a:fld>
             <a:endParaRPr lang="en-US" dirty="0"/>
           </a:p>
@@ -1030,7 +1061,7 @@
           <a:p>
             <a:fld id="{4509A250-FF31-4206-8172-F9D3106AACB1}" type="datetimeFigureOut">
               <a:rPr lang="en-US" smtClean="0"/>
-              <a:t>12/17/2018</a:t>
+              <a:t>12/18/18</a:t>
             </a:fld>
             <a:endParaRPr lang="en-US" dirty="0"/>
           </a:p>
@@ -1224,7 +1255,7 @@
           <a:p>
             <a:fld id="{4509A250-FF31-4206-8172-F9D3106AACB1}" type="datetimeFigureOut">
               <a:rPr lang="en-US" smtClean="0"/>
-              <a:t>12/17/2018</a:t>
+              <a:t>12/18/18</a:t>
             </a:fld>
             <a:endParaRPr lang="en-US" dirty="0"/>
           </a:p>
@@ -1492,7 +1523,7 @@
           <a:p>
             <a:fld id="{4509A250-FF31-4206-8172-F9D3106AACB1}" type="datetimeFigureOut">
               <a:rPr lang="en-US" smtClean="0"/>
-              <a:t>12/17/2018</a:t>
+              <a:t>12/18/18</a:t>
             </a:fld>
             <a:endParaRPr lang="en-US" dirty="0"/>
           </a:p>
@@ -1824,7 +1855,7 @@
           <a:p>
             <a:fld id="{4509A250-FF31-4206-8172-F9D3106AACB1}" type="datetimeFigureOut">
               <a:rPr lang="en-US" smtClean="0"/>
-              <a:t>12/17/2018</a:t>
+              <a:t>12/18/18</a:t>
             </a:fld>
             <a:endParaRPr lang="en-US" dirty="0"/>
           </a:p>
@@ -2434,7 +2465,7 @@
           <a:p>
             <a:fld id="{4509A250-FF31-4206-8172-F9D3106AACB1}" type="datetimeFigureOut">
               <a:rPr lang="en-US" smtClean="0"/>
-              <a:t>12/17/2018</a:t>
+              <a:t>12/18/18</a:t>
             </a:fld>
             <a:endParaRPr lang="en-US" dirty="0"/>
           </a:p>
@@ -3281,7 +3312,7 @@
           <a:p>
             <a:fld id="{4509A250-FF31-4206-8172-F9D3106AACB1}" type="datetimeFigureOut">
               <a:rPr lang="en-US" smtClean="0"/>
-              <a:t>12/17/2018</a:t>
+              <a:t>12/18/18</a:t>
             </a:fld>
             <a:endParaRPr lang="en-US" dirty="0"/>
           </a:p>
@@ -3451,7 +3482,7 @@
           <a:p>
             <a:fld id="{4509A250-FF31-4206-8172-F9D3106AACB1}" type="datetimeFigureOut">
               <a:rPr lang="en-US" smtClean="0"/>
-              <a:t>12/17/2018</a:t>
+              <a:t>12/18/18</a:t>
             </a:fld>
             <a:endParaRPr lang="en-US" dirty="0"/>
           </a:p>
@@ -3631,7 +3662,7 @@
           <a:p>
             <a:fld id="{4509A250-FF31-4206-8172-F9D3106AACB1}" type="datetimeFigureOut">
               <a:rPr lang="en-US" smtClean="0"/>
-              <a:t>12/17/2018</a:t>
+              <a:t>12/18/18</a:t>
             </a:fld>
             <a:endParaRPr lang="en-US" dirty="0"/>
           </a:p>
@@ -3801,7 +3832,7 @@
           <a:p>
             <a:fld id="{4509A250-FF31-4206-8172-F9D3106AACB1}" type="datetimeFigureOut">
               <a:rPr lang="en-US" smtClean="0"/>
-              <a:t>12/17/2018</a:t>
+              <a:t>12/18/18</a:t>
             </a:fld>
             <a:endParaRPr lang="en-US" dirty="0"/>
           </a:p>
@@ -4045,7 +4076,7 @@
           <a:p>
             <a:fld id="{9796027F-7875-4030-9381-8BD8C4F21935}" type="datetimeFigureOut">
               <a:rPr lang="en-US" smtClean="0"/>
-              <a:t>12/17/2018</a:t>
+              <a:t>12/18/18</a:t>
             </a:fld>
             <a:endParaRPr lang="en-US" dirty="0"/>
           </a:p>
@@ -4337,7 +4368,7 @@
           <a:p>
             <a:fld id="{9796027F-7875-4030-9381-8BD8C4F21935}" type="datetimeFigureOut">
               <a:rPr lang="en-US" smtClean="0"/>
-              <a:t>12/17/2018</a:t>
+              <a:t>12/18/18</a:t>
             </a:fld>
             <a:endParaRPr lang="en-US" dirty="0"/>
           </a:p>
@@ -4775,7 +4806,7 @@
           <a:p>
             <a:fld id="{9796027F-7875-4030-9381-8BD8C4F21935}" type="datetimeFigureOut">
               <a:rPr lang="en-US" smtClean="0"/>
-              <a:t>12/17/2018</a:t>
+              <a:t>12/18/18</a:t>
             </a:fld>
             <a:endParaRPr lang="en-US" dirty="0"/>
           </a:p>
@@ -4893,7 +4924,7 @@
           <a:p>
             <a:fld id="{4509A250-FF31-4206-8172-F9D3106AACB1}" type="datetimeFigureOut">
               <a:rPr lang="en-US" smtClean="0"/>
-              <a:t>12/17/2018</a:t>
+              <a:t>12/18/18</a:t>
             </a:fld>
             <a:endParaRPr lang="en-US" dirty="0"/>
           </a:p>
@@ -4988,7 +5019,7 @@
           <a:p>
             <a:fld id="{4509A250-FF31-4206-8172-F9D3106AACB1}" type="datetimeFigureOut">
               <a:rPr lang="en-US" smtClean="0"/>
-              <a:t>12/17/2018</a:t>
+              <a:t>12/18/18</a:t>
             </a:fld>
             <a:endParaRPr lang="en-US" dirty="0"/>
           </a:p>
@@ -5267,7 +5298,7 @@
           <a:p>
             <a:fld id="{4509A250-FF31-4206-8172-F9D3106AACB1}" type="datetimeFigureOut">
               <a:rPr lang="en-US" smtClean="0"/>
-              <a:t>12/17/2018</a:t>
+              <a:t>12/18/18</a:t>
             </a:fld>
             <a:endParaRPr lang="en-US" dirty="0"/>
           </a:p>
@@ -5542,7 +5573,7 @@
           <a:p>
             <a:fld id="{4509A250-FF31-4206-8172-F9D3106AACB1}" type="datetimeFigureOut">
               <a:rPr lang="en-US" smtClean="0"/>
-              <a:t>12/17/2018</a:t>
+              <a:t>12/18/18</a:t>
             </a:fld>
             <a:endParaRPr lang="en-US" dirty="0"/>
           </a:p>
@@ -5971,7 +6002,7 @@
           <a:p>
             <a:fld id="{4AAD347D-5ACD-4C99-B74B-A9C85AD731AF}" type="datetimeFigureOut">
               <a:rPr lang="en-US" smtClean="0"/>
-              <a:t>12/17/2018</a:t>
+              <a:t>12/18/18</a:t>
             </a:fld>
             <a:endParaRPr lang="en-US" dirty="0"/>
           </a:p>
@@ -6645,6 +6676,1099 @@
 </p:sld>
 </file>
 
+<file path=ppt/slides/slide10.xml><?xml version="1.0" encoding="utf-8"?>
+<p:sld xmlns:a="http://schemas.openxmlformats.org/drawingml/2006/main" xmlns:r="http://schemas.openxmlformats.org/officeDocument/2006/relationships" xmlns:p="http://schemas.openxmlformats.org/presentationml/2006/main">
+  <p:cSld>
+    <p:spTree>
+      <p:nvGrpSpPr>
+        <p:cNvPr id="1" name=""/>
+        <p:cNvGrpSpPr/>
+        <p:nvPr/>
+      </p:nvGrpSpPr>
+      <p:grpSpPr>
+        <a:xfrm>
+          <a:off x="0" y="0"/>
+          <a:ext cx="0" cy="0"/>
+          <a:chOff x="0" y="0"/>
+          <a:chExt cx="0" cy="0"/>
+        </a:xfrm>
+      </p:grpSpPr>
+      <p:sp>
+        <p:nvSpPr>
+          <p:cNvPr id="2" name="타원 1"/>
+          <p:cNvSpPr/>
+          <p:nvPr/>
+        </p:nvSpPr>
+        <p:spPr>
+          <a:xfrm>
+            <a:off x="7402881" y="-816429"/>
+            <a:ext cx="6998919" cy="8870665"/>
+          </a:xfrm>
+          <a:prstGeom prst="ellipse">
+            <a:avLst/>
+          </a:prstGeom>
+          <a:solidFill>
+            <a:schemeClr val="bg2">
+              <a:lumMod val="60000"/>
+              <a:lumOff val="40000"/>
+              <a:alpha val="27000"/>
+            </a:schemeClr>
+          </a:solidFill>
+          <a:ln>
+            <a:noFill/>
+          </a:ln>
+        </p:spPr>
+        <p:style>
+          <a:lnRef idx="2">
+            <a:schemeClr val="accent1">
+              <a:shade val="50000"/>
+            </a:schemeClr>
+          </a:lnRef>
+          <a:fillRef idx="1">
+            <a:schemeClr val="accent1"/>
+          </a:fillRef>
+          <a:effectRef idx="0">
+            <a:schemeClr val="accent1"/>
+          </a:effectRef>
+          <a:fontRef idx="minor">
+            <a:schemeClr val="lt1"/>
+          </a:fontRef>
+        </p:style>
+        <p:txBody>
+          <a:bodyPr rtlCol="0" anchor="ctr"/>
+          <a:lstStyle/>
+          <a:p>
+            <a:pPr algn="ctr"/>
+            <a:endParaRPr lang="ko-KR" altLang="en-US"/>
+          </a:p>
+        </p:txBody>
+      </p:sp>
+    </p:spTree>
+    <p:extLst>
+      <p:ext uri="{BB962C8B-B14F-4D97-AF65-F5344CB8AC3E}">
+        <p14:creationId xmlns:p14="http://schemas.microsoft.com/office/powerpoint/2010/main" val="1408952455"/>
+      </p:ext>
+    </p:extLst>
+  </p:cSld>
+  <p:clrMapOvr>
+    <a:masterClrMapping/>
+  </p:clrMapOvr>
+</p:sld>
+</file>
+
+<file path=ppt/slides/slide11.xml><?xml version="1.0" encoding="utf-8"?>
+<p:sld xmlns:a="http://schemas.openxmlformats.org/drawingml/2006/main" xmlns:r="http://schemas.openxmlformats.org/officeDocument/2006/relationships" xmlns:p="http://schemas.openxmlformats.org/presentationml/2006/main">
+  <p:cSld>
+    <p:bg>
+      <p:bgPr>
+        <a:blipFill rotWithShape="1">
+          <a:blip r:embed="rId2">
+            <a:duotone>
+              <a:schemeClr val="bg2">
+                <a:shade val="62000"/>
+                <a:hueMod val="108000"/>
+                <a:satMod val="164000"/>
+                <a:lumMod val="69000"/>
+              </a:schemeClr>
+              <a:schemeClr val="bg2">
+                <a:tint val="96000"/>
+                <a:hueMod val="90000"/>
+                <a:satMod val="130000"/>
+                <a:lumMod val="134000"/>
+              </a:schemeClr>
+            </a:duotone>
+            <a:extLst/>
+          </a:blip>
+          <a:stretch/>
+        </a:blipFill>
+        <a:effectLst/>
+      </p:bgPr>
+    </p:bg>
+    <p:spTree>
+      <p:nvGrpSpPr>
+        <p:cNvPr id="1" name=""/>
+        <p:cNvGrpSpPr/>
+        <p:nvPr/>
+      </p:nvGrpSpPr>
+      <p:grpSpPr>
+        <a:xfrm>
+          <a:off x="0" y="0"/>
+          <a:ext cx="0" cy="0"/>
+          <a:chOff x="0" y="0"/>
+          <a:chExt cx="0" cy="0"/>
+        </a:xfrm>
+      </p:grpSpPr>
+      <p:pic>
+        <p:nvPicPr>
+          <p:cNvPr id="9" name="Picture 8">
+            <a:extLst>
+              <a:ext uri="{FF2B5EF4-FFF2-40B4-BE49-F238E27FC236}">
+                <a16:creationId xmlns:a16="http://schemas.microsoft.com/office/drawing/2014/main" id="{7594FC8B-8CD2-407F-94F1-9C71F5AEC2B6}"/>
+              </a:ext>
+              <a:ext uri="{C183D7F6-B498-43B3-948B-1728B52AA6E4}">
+                <adec:decorative xmlns:adec="http://schemas.microsoft.com/office/drawing/2017/decorative" val="1"/>
+              </a:ext>
+            </a:extLst>
+          </p:cNvPr>
+          <p:cNvPicPr>
+            <a:picLocks noGrp="1" noRot="1" noChangeAspect="1" noMove="1" noResize="1" noEditPoints="1" noAdjustHandles="1" noChangeArrowheads="1" noChangeShapeType="1" noCrop="1"/>
+          </p:cNvPicPr>
+          <p:nvPr>
+            <p:extLst>
+              <p:ext uri="{386F3935-93C4-4BCD-93E2-E3B085C9AB24}">
+                <p16:designElem xmlns:p16="http://schemas.microsoft.com/office/powerpoint/2015/main" val="1"/>
+              </p:ext>
+            </p:extLst>
+          </p:nvPr>
+        </p:nvPicPr>
+        <p:blipFill rotWithShape="1">
+          <a:blip r:embed="rId3">
+            <a:extLst>
+              <a:ext uri="{28A0092B-C50C-407E-A947-70E740481C1C}">
+                <a14:useLocalDpi xmlns:a14="http://schemas.microsoft.com/office/drawing/2010/main" val="0"/>
+              </a:ext>
+            </a:extLst>
+          </a:blip>
+          <a:srcRect l="3613"/>
+          <a:stretch/>
+        </p:blipFill>
+        <p:spPr>
+          <a:xfrm>
+            <a:off x="0" y="2669685"/>
+            <a:ext cx="4037012" cy="4188315"/>
+          </a:xfrm>
+          <a:prstGeom prst="rect">
+            <a:avLst/>
+          </a:prstGeom>
+        </p:spPr>
+      </p:pic>
+      <p:pic>
+        <p:nvPicPr>
+          <p:cNvPr id="11" name="Picture 10">
+            <a:extLst>
+              <a:ext uri="{FF2B5EF4-FFF2-40B4-BE49-F238E27FC236}">
+                <a16:creationId xmlns:a16="http://schemas.microsoft.com/office/drawing/2014/main" id="{DBABC971-8D40-4A4F-AC60-28B9172789B9}"/>
+              </a:ext>
+              <a:ext uri="{C183D7F6-B498-43B3-948B-1728B52AA6E4}">
+                <adec:decorative xmlns:adec="http://schemas.microsoft.com/office/drawing/2017/decorative" val="1"/>
+              </a:ext>
+            </a:extLst>
+          </p:cNvPr>
+          <p:cNvPicPr>
+            <a:picLocks noGrp="1" noRot="1" noChangeAspect="1" noMove="1" noResize="1" noEditPoints="1" noAdjustHandles="1" noChangeArrowheads="1" noChangeShapeType="1" noCrop="1"/>
+          </p:cNvPicPr>
+          <p:nvPr>
+            <p:extLst>
+              <p:ext uri="{386F3935-93C4-4BCD-93E2-E3B085C9AB24}">
+                <p16:designElem xmlns:p16="http://schemas.microsoft.com/office/powerpoint/2015/main" val="1"/>
+              </p:ext>
+            </p:extLst>
+          </p:nvPr>
+        </p:nvPicPr>
+        <p:blipFill rotWithShape="1">
+          <a:blip r:embed="rId4">
+            <a:extLst>
+              <a:ext uri="{28A0092B-C50C-407E-A947-70E740481C1C}">
+                <a14:useLocalDpi xmlns:a14="http://schemas.microsoft.com/office/drawing/2010/main" val="0"/>
+              </a:ext>
+            </a:extLst>
+          </a:blip>
+          <a:srcRect l="35640"/>
+          <a:stretch/>
+        </p:blipFill>
+        <p:spPr>
+          <a:xfrm>
+            <a:off x="0" y="2892347"/>
+            <a:ext cx="1522412" cy="2365453"/>
+          </a:xfrm>
+          <a:prstGeom prst="rect">
+            <a:avLst/>
+          </a:prstGeom>
+        </p:spPr>
+      </p:pic>
+      <p:sp>
+        <p:nvSpPr>
+          <p:cNvPr id="13" name="Oval 12">
+            <a:extLst>
+              <a:ext uri="{FF2B5EF4-FFF2-40B4-BE49-F238E27FC236}">
+                <a16:creationId xmlns:a16="http://schemas.microsoft.com/office/drawing/2014/main" id="{B9C04DC5-313B-4FE4-B868-5672A376419F}"/>
+              </a:ext>
+              <a:ext uri="{C183D7F6-B498-43B3-948B-1728B52AA6E4}">
+                <adec:decorative xmlns:adec="http://schemas.microsoft.com/office/drawing/2017/decorative" val="1"/>
+              </a:ext>
+            </a:extLst>
+          </p:cNvPr>
+          <p:cNvSpPr>
+            <a:spLocks noGrp="1" noRot="1" noChangeAspect="1" noMove="1" noResize="1" noEditPoints="1" noAdjustHandles="1" noChangeArrowheads="1" noChangeShapeType="1" noTextEdit="1"/>
+          </p:cNvSpPr>
+          <p:nvPr>
+            <p:extLst>
+              <p:ext uri="{386F3935-93C4-4BCD-93E2-E3B085C9AB24}">
+                <p16:designElem xmlns:p16="http://schemas.microsoft.com/office/powerpoint/2015/main" val="1"/>
+              </p:ext>
+            </p:extLst>
+          </p:nvPr>
+        </p:nvSpPr>
+        <p:spPr>
+          <a:xfrm>
+            <a:off x="8609012" y="1676400"/>
+            <a:ext cx="2819400" cy="2819400"/>
+          </a:xfrm>
+          <a:prstGeom prst="ellipse">
+            <a:avLst/>
+          </a:prstGeom>
+          <a:gradFill flip="none" rotWithShape="1">
+            <a:gsLst>
+              <a:gs pos="0">
+                <a:schemeClr val="bg2">
+                  <a:lumMod val="40000"/>
+                  <a:lumOff val="60000"/>
+                  <a:alpha val="7000"/>
+                </a:schemeClr>
+              </a:gs>
+              <a:gs pos="69000">
+                <a:schemeClr val="bg2">
+                  <a:lumMod val="40000"/>
+                  <a:lumOff val="60000"/>
+                  <a:alpha val="0"/>
+                </a:schemeClr>
+              </a:gs>
+              <a:gs pos="36000">
+                <a:schemeClr val="bg2">
+                  <a:lumMod val="40000"/>
+                  <a:lumOff val="60000"/>
+                  <a:alpha val="6000"/>
+                </a:schemeClr>
+              </a:gs>
+            </a:gsLst>
+            <a:path path="circle">
+              <a:fillToRect l="50000" t="50000" r="50000" b="50000"/>
+            </a:path>
+            <a:tileRect/>
+          </a:gradFill>
+          <a:ln>
+            <a:noFill/>
+          </a:ln>
+          <a:effectLst/>
+        </p:spPr>
+        <p:style>
+          <a:lnRef idx="1">
+            <a:schemeClr val="accent1"/>
+          </a:lnRef>
+          <a:fillRef idx="3">
+            <a:schemeClr val="accent1"/>
+          </a:fillRef>
+          <a:effectRef idx="2">
+            <a:schemeClr val="accent1"/>
+          </a:effectRef>
+          <a:fontRef idx="minor">
+            <a:schemeClr val="lt1"/>
+          </a:fontRef>
+        </p:style>
+      </p:sp>
+      <p:pic>
+        <p:nvPicPr>
+          <p:cNvPr id="15" name="Picture 14">
+            <a:extLst>
+              <a:ext uri="{FF2B5EF4-FFF2-40B4-BE49-F238E27FC236}">
+                <a16:creationId xmlns:a16="http://schemas.microsoft.com/office/drawing/2014/main" id="{791AE23E-90C9-4963-96E2-8DADBFC3BC09}"/>
+              </a:ext>
+              <a:ext uri="{C183D7F6-B498-43B3-948B-1728B52AA6E4}">
+                <adec:decorative xmlns:adec="http://schemas.microsoft.com/office/drawing/2017/decorative" val="1"/>
+              </a:ext>
+            </a:extLst>
+          </p:cNvPr>
+          <p:cNvPicPr>
+            <a:picLocks noGrp="1" noRot="1" noChangeAspect="1" noMove="1" noResize="1" noEditPoints="1" noAdjustHandles="1" noChangeArrowheads="1" noChangeShapeType="1" noCrop="1"/>
+          </p:cNvPicPr>
+          <p:nvPr>
+            <p:extLst>
+              <p:ext uri="{386F3935-93C4-4BCD-93E2-E3B085C9AB24}">
+                <p16:designElem xmlns:p16="http://schemas.microsoft.com/office/powerpoint/2015/main" val="1"/>
+              </p:ext>
+            </p:extLst>
+          </p:nvPr>
+        </p:nvPicPr>
+        <p:blipFill rotWithShape="1">
+          <a:blip r:embed="rId5">
+            <a:extLst>
+              <a:ext uri="{28A0092B-C50C-407E-A947-70E740481C1C}">
+                <a14:useLocalDpi xmlns:a14="http://schemas.microsoft.com/office/drawing/2010/main" val="0"/>
+              </a:ext>
+            </a:extLst>
+          </a:blip>
+          <a:srcRect t="28813"/>
+          <a:stretch/>
+        </p:blipFill>
+        <p:spPr>
+          <a:xfrm>
+            <a:off x="7999412" y="0"/>
+            <a:ext cx="1603387" cy="1141407"/>
+          </a:xfrm>
+          <a:prstGeom prst="rect">
+            <a:avLst/>
+          </a:prstGeom>
+        </p:spPr>
+      </p:pic>
+      <p:pic>
+        <p:nvPicPr>
+          <p:cNvPr id="17" name="Picture 16">
+            <a:extLst>
+              <a:ext uri="{FF2B5EF4-FFF2-40B4-BE49-F238E27FC236}">
+                <a16:creationId xmlns:a16="http://schemas.microsoft.com/office/drawing/2014/main" id="{C5F93E90-4379-4AAC-B021-E5FA6D974AED}"/>
+              </a:ext>
+              <a:ext uri="{C183D7F6-B498-43B3-948B-1728B52AA6E4}">
+                <adec:decorative xmlns:adec="http://schemas.microsoft.com/office/drawing/2017/decorative" val="1"/>
+              </a:ext>
+            </a:extLst>
+          </p:cNvPr>
+          <p:cNvPicPr>
+            <a:picLocks noGrp="1" noRot="1" noChangeAspect="1" noMove="1" noResize="1" noEditPoints="1" noAdjustHandles="1" noChangeArrowheads="1" noChangeShapeType="1" noCrop="1"/>
+          </p:cNvPicPr>
+          <p:nvPr>
+            <p:extLst>
+              <p:ext uri="{386F3935-93C4-4BCD-93E2-E3B085C9AB24}">
+                <p16:designElem xmlns:p16="http://schemas.microsoft.com/office/powerpoint/2015/main" val="1"/>
+              </p:ext>
+            </p:extLst>
+          </p:nvPr>
+        </p:nvPicPr>
+        <p:blipFill rotWithShape="1">
+          <a:blip r:embed="rId6">
+            <a:extLst>
+              <a:ext uri="{28A0092B-C50C-407E-A947-70E740481C1C}">
+                <a14:useLocalDpi xmlns:a14="http://schemas.microsoft.com/office/drawing/2010/main" val="0"/>
+              </a:ext>
+            </a:extLst>
+          </a:blip>
+          <a:srcRect b="23320"/>
+          <a:stretch/>
+        </p:blipFill>
+        <p:spPr>
+          <a:xfrm>
+            <a:off x="8609012" y="6096000"/>
+            <a:ext cx="993734" cy="762000"/>
+          </a:xfrm>
+          <a:prstGeom prst="rect">
+            <a:avLst/>
+          </a:prstGeom>
+        </p:spPr>
+      </p:pic>
+      <p:sp>
+        <p:nvSpPr>
+          <p:cNvPr id="19" name="Rectangle 18">
+            <a:extLst>
+              <a:ext uri="{FF2B5EF4-FFF2-40B4-BE49-F238E27FC236}">
+                <a16:creationId xmlns:a16="http://schemas.microsoft.com/office/drawing/2014/main" id="{329FDD08-42D8-4AFF-90E5-5DAA5BC4CBD8}"/>
+              </a:ext>
+              <a:ext uri="{C183D7F6-B498-43B3-948B-1728B52AA6E4}">
+                <adec:decorative xmlns:adec="http://schemas.microsoft.com/office/drawing/2017/decorative" val="1"/>
+              </a:ext>
+            </a:extLst>
+          </p:cNvPr>
+          <p:cNvSpPr>
+            <a:spLocks noGrp="1" noRot="1" noChangeAspect="1" noMove="1" noResize="1" noEditPoints="1" noAdjustHandles="1" noChangeArrowheads="1" noChangeShapeType="1" noTextEdit="1"/>
+          </p:cNvSpPr>
+          <p:nvPr>
+            <p:extLst>
+              <p:ext uri="{386F3935-93C4-4BCD-93E2-E3B085C9AB24}">
+                <p16:designElem xmlns:p16="http://schemas.microsoft.com/office/powerpoint/2015/main" val="1"/>
+              </p:ext>
+            </p:extLst>
+          </p:nvPr>
+        </p:nvSpPr>
+        <p:spPr>
+          <a:xfrm>
+            <a:off x="10437812" y="0"/>
+            <a:ext cx="685800" cy="1143000"/>
+          </a:xfrm>
+          <a:prstGeom prst="rect">
+            <a:avLst/>
+          </a:prstGeom>
+          <a:solidFill>
+            <a:schemeClr val="accent1"/>
+          </a:solidFill>
+          <a:ln>
+            <a:noFill/>
+          </a:ln>
+        </p:spPr>
+        <p:style>
+          <a:lnRef idx="1">
+            <a:schemeClr val="accent1"/>
+          </a:lnRef>
+          <a:fillRef idx="3">
+            <a:schemeClr val="accent1"/>
+          </a:fillRef>
+          <a:effectRef idx="2">
+            <a:schemeClr val="accent1"/>
+          </a:effectRef>
+          <a:fontRef idx="minor">
+            <a:schemeClr val="lt1"/>
+          </a:fontRef>
+        </p:style>
+      </p:sp>
+      <p:sp>
+        <p:nvSpPr>
+          <p:cNvPr id="21" name="Rectangle 20">
+            <a:extLst>
+              <a:ext uri="{FF2B5EF4-FFF2-40B4-BE49-F238E27FC236}">
+                <a16:creationId xmlns:a16="http://schemas.microsoft.com/office/drawing/2014/main" id="{4C1E981B-F06E-48B4-9275-F4B261AFCAC0}"/>
+              </a:ext>
+              <a:ext uri="{C183D7F6-B498-43B3-948B-1728B52AA6E4}">
+                <adec:decorative xmlns:adec="http://schemas.microsoft.com/office/drawing/2017/decorative" val="1"/>
+              </a:ext>
+            </a:extLst>
+          </p:cNvPr>
+          <p:cNvSpPr>
+            <a:spLocks noGrp="1" noRot="1" noChangeAspect="1" noMove="1" noResize="1" noEditPoints="1" noAdjustHandles="1" noChangeArrowheads="1" noChangeShapeType="1" noTextEdit="1"/>
+          </p:cNvSpPr>
+          <p:nvPr>
+            <p:extLst>
+              <p:ext uri="{386F3935-93C4-4BCD-93E2-E3B085C9AB24}">
+                <p16:designElem xmlns:p16="http://schemas.microsoft.com/office/powerpoint/2015/main" val="1"/>
+              </p:ext>
+            </p:extLst>
+          </p:nvPr>
+        </p:nvSpPr>
+        <p:spPr>
+          <a:xfrm>
+            <a:off x="0" y="0"/>
+            <a:ext cx="7157124" cy="6858000"/>
+          </a:xfrm>
+          <a:prstGeom prst="rect">
+            <a:avLst/>
+          </a:prstGeom>
+          <a:solidFill>
+            <a:srgbClr val="FFFFFF"/>
+          </a:solidFill>
+          <a:ln>
+            <a:noFill/>
+          </a:ln>
+        </p:spPr>
+        <p:style>
+          <a:lnRef idx="2">
+            <a:schemeClr val="accent1">
+              <a:shade val="50000"/>
+            </a:schemeClr>
+          </a:lnRef>
+          <a:fillRef idx="1">
+            <a:schemeClr val="accent1"/>
+          </a:fillRef>
+          <a:effectRef idx="0">
+            <a:schemeClr val="accent1"/>
+          </a:effectRef>
+          <a:fontRef idx="minor">
+            <a:schemeClr val="lt1"/>
+          </a:fontRef>
+        </p:style>
+        <p:txBody>
+          <a:bodyPr rtlCol="0" anchor="ctr"/>
+          <a:lstStyle/>
+          <a:p>
+            <a:pPr algn="ctr"/>
+            <a:endParaRPr lang="en-US"/>
+          </a:p>
+        </p:txBody>
+      </p:sp>
+      <p:sp>
+        <p:nvSpPr>
+          <p:cNvPr id="23" name="Freeform 36">
+            <a:extLst>
+              <a:ext uri="{FF2B5EF4-FFF2-40B4-BE49-F238E27FC236}">
+                <a16:creationId xmlns:a16="http://schemas.microsoft.com/office/drawing/2014/main" id="{312E2C24-0CD2-4071-8CE2-B059993A99EF}"/>
+              </a:ext>
+              <a:ext uri="{C183D7F6-B498-43B3-948B-1728B52AA6E4}">
+                <adec:decorative xmlns:adec="http://schemas.microsoft.com/office/drawing/2017/decorative" val="1"/>
+              </a:ext>
+            </a:extLst>
+          </p:cNvPr>
+          <p:cNvSpPr>
+            <a:spLocks noGrp="1" noRot="1" noChangeAspect="1" noMove="1" noResize="1" noEditPoints="1" noAdjustHandles="1" noChangeArrowheads="1" noChangeShapeType="1" noTextEdit="1"/>
+          </p:cNvSpPr>
+          <p:nvPr>
+            <p:extLst>
+              <p:ext uri="{386F3935-93C4-4BCD-93E2-E3B085C9AB24}">
+                <p16:designElem xmlns:p16="http://schemas.microsoft.com/office/powerpoint/2015/main" val="1"/>
+              </p:ext>
+            </p:extLst>
+          </p:nvPr>
+        </p:nvSpPr>
+        <p:spPr>
+          <a:xfrm flipH="1">
+            <a:off x="7463681" y="-1"/>
+            <a:ext cx="559472" cy="3709642"/>
+          </a:xfrm>
+          <a:custGeom>
+            <a:avLst/>
+            <a:gdLst>
+              <a:gd name="connsiteX0" fmla="*/ 0 w 559472"/>
+              <a:gd name="connsiteY0" fmla="*/ 0 h 3709642"/>
+              <a:gd name="connsiteX1" fmla="*/ 473952 w 559472"/>
+              <a:gd name="connsiteY1" fmla="*/ 0 h 3709642"/>
+              <a:gd name="connsiteX2" fmla="*/ 485840 w 559472"/>
+              <a:gd name="connsiteY2" fmla="*/ 161194 h 3709642"/>
+              <a:gd name="connsiteX3" fmla="*/ 523949 w 559472"/>
+              <a:gd name="connsiteY3" fmla="*/ 3672197 h 3709642"/>
+              <a:gd name="connsiteX4" fmla="*/ 454748 w 559472"/>
+              <a:gd name="connsiteY4" fmla="*/ 3709642 h 3709642"/>
+              <a:gd name="connsiteX5" fmla="*/ 448224 w 559472"/>
+              <a:gd name="connsiteY5" fmla="*/ 3510471 h 3709642"/>
+              <a:gd name="connsiteX6" fmla="*/ 443564 w 559472"/>
+              <a:gd name="connsiteY6" fmla="*/ 3408563 h 3709642"/>
+              <a:gd name="connsiteX7" fmla="*/ 438902 w 559472"/>
+              <a:gd name="connsiteY7" fmla="*/ 3304407 h 3709642"/>
+              <a:gd name="connsiteX8" fmla="*/ 433941 w 559472"/>
+              <a:gd name="connsiteY8" fmla="*/ 3198777 h 3709642"/>
+              <a:gd name="connsiteX9" fmla="*/ 427584 w 559472"/>
+              <a:gd name="connsiteY9" fmla="*/ 3092510 h 3709642"/>
+              <a:gd name="connsiteX10" fmla="*/ 420988 w 559472"/>
+              <a:gd name="connsiteY10" fmla="*/ 2984390 h 3709642"/>
+              <a:gd name="connsiteX11" fmla="*/ 414330 w 559472"/>
+              <a:gd name="connsiteY11" fmla="*/ 2874401 h 3709642"/>
+              <a:gd name="connsiteX12" fmla="*/ 406840 w 559472"/>
+              <a:gd name="connsiteY12" fmla="*/ 2762980 h 3709642"/>
+              <a:gd name="connsiteX13" fmla="*/ 397745 w 559472"/>
+              <a:gd name="connsiteY13" fmla="*/ 2650566 h 3709642"/>
+              <a:gd name="connsiteX14" fmla="*/ 389154 w 559472"/>
+              <a:gd name="connsiteY14" fmla="*/ 2536612 h 3709642"/>
+              <a:gd name="connsiteX15" fmla="*/ 379225 w 559472"/>
+              <a:gd name="connsiteY15" fmla="*/ 2421642 h 3709642"/>
+              <a:gd name="connsiteX16" fmla="*/ 368316 w 559472"/>
+              <a:gd name="connsiteY16" fmla="*/ 2305627 h 3709642"/>
+              <a:gd name="connsiteX17" fmla="*/ 357466 w 559472"/>
+              <a:gd name="connsiteY17" fmla="*/ 2189233 h 3709642"/>
+              <a:gd name="connsiteX18" fmla="*/ 344982 w 559472"/>
+              <a:gd name="connsiteY18" fmla="*/ 2071473 h 3709642"/>
+              <a:gd name="connsiteX19" fmla="*/ 332466 w 559472"/>
+              <a:gd name="connsiteY19" fmla="*/ 1952216 h 3709642"/>
+              <a:gd name="connsiteX20" fmla="*/ 319121 w 559472"/>
+              <a:gd name="connsiteY20" fmla="*/ 1833776 h 3709642"/>
+              <a:gd name="connsiteX21" fmla="*/ 304408 w 559472"/>
+              <a:gd name="connsiteY21" fmla="*/ 1713948 h 3709642"/>
+              <a:gd name="connsiteX22" fmla="*/ 288685 w 559472"/>
+              <a:gd name="connsiteY22" fmla="*/ 1592703 h 3709642"/>
+              <a:gd name="connsiteX23" fmla="*/ 273050 w 559472"/>
+              <a:gd name="connsiteY23" fmla="*/ 1471451 h 3709642"/>
+              <a:gd name="connsiteX24" fmla="*/ 255813 w 559472"/>
+              <a:gd name="connsiteY24" fmla="*/ 1350328 h 3709642"/>
+              <a:gd name="connsiteX25" fmla="*/ 237060 w 559472"/>
+              <a:gd name="connsiteY25" fmla="*/ 1227080 h 3709642"/>
+              <a:gd name="connsiteX26" fmla="*/ 218488 w 559472"/>
+              <a:gd name="connsiteY26" fmla="*/ 1106065 h 3709642"/>
+              <a:gd name="connsiteX27" fmla="*/ 198221 w 559472"/>
+              <a:gd name="connsiteY27" fmla="*/ 982940 h 3709642"/>
+              <a:gd name="connsiteX28" fmla="*/ 177152 w 559472"/>
+              <a:gd name="connsiteY28" fmla="*/ 858755 h 3709642"/>
+              <a:gd name="connsiteX29" fmla="*/ 155551 w 559472"/>
+              <a:gd name="connsiteY29" fmla="*/ 736861 h 3709642"/>
+              <a:gd name="connsiteX30" fmla="*/ 131782 w 559472"/>
+              <a:gd name="connsiteY30" fmla="*/ 613645 h 3709642"/>
+              <a:gd name="connsiteX31" fmla="*/ 107123 w 559472"/>
+              <a:gd name="connsiteY31" fmla="*/ 490500 h 3709642"/>
+              <a:gd name="connsiteX32" fmla="*/ 82552 w 559472"/>
+              <a:gd name="connsiteY32" fmla="*/ 367348 h 3709642"/>
+              <a:gd name="connsiteX33" fmla="*/ 55608 w 559472"/>
+              <a:gd name="connsiteY33" fmla="*/ 244762 h 3709642"/>
+              <a:gd name="connsiteX34" fmla="*/ 28130 w 559472"/>
+              <a:gd name="connsiteY34" fmla="*/ 122220 h 3709642"/>
+              <a:gd name="connsiteX35" fmla="*/ 0 w 559472"/>
+              <a:gd name="connsiteY35" fmla="*/ 0 h 3709642"/>
+            </a:gdLst>
+            <a:ahLst/>
+            <a:cxnLst>
+              <a:cxn ang="0">
+                <a:pos x="connsiteX0" y="connsiteY0"/>
+              </a:cxn>
+              <a:cxn ang="0">
+                <a:pos x="connsiteX1" y="connsiteY1"/>
+              </a:cxn>
+              <a:cxn ang="0">
+                <a:pos x="connsiteX2" y="connsiteY2"/>
+              </a:cxn>
+              <a:cxn ang="0">
+                <a:pos x="connsiteX3" y="connsiteY3"/>
+              </a:cxn>
+              <a:cxn ang="0">
+                <a:pos x="connsiteX4" y="connsiteY4"/>
+              </a:cxn>
+              <a:cxn ang="0">
+                <a:pos x="connsiteX5" y="connsiteY5"/>
+              </a:cxn>
+              <a:cxn ang="0">
+                <a:pos x="connsiteX6" y="connsiteY6"/>
+              </a:cxn>
+              <a:cxn ang="0">
+                <a:pos x="connsiteX7" y="connsiteY7"/>
+              </a:cxn>
+              <a:cxn ang="0">
+                <a:pos x="connsiteX8" y="connsiteY8"/>
+              </a:cxn>
+              <a:cxn ang="0">
+                <a:pos x="connsiteX9" y="connsiteY9"/>
+              </a:cxn>
+              <a:cxn ang="0">
+                <a:pos x="connsiteX10" y="connsiteY10"/>
+              </a:cxn>
+              <a:cxn ang="0">
+                <a:pos x="connsiteX11" y="connsiteY11"/>
+              </a:cxn>
+              <a:cxn ang="0">
+                <a:pos x="connsiteX12" y="connsiteY12"/>
+              </a:cxn>
+              <a:cxn ang="0">
+                <a:pos x="connsiteX13" y="connsiteY13"/>
+              </a:cxn>
+              <a:cxn ang="0">
+                <a:pos x="connsiteX14" y="connsiteY14"/>
+              </a:cxn>
+              <a:cxn ang="0">
+                <a:pos x="connsiteX15" y="connsiteY15"/>
+              </a:cxn>
+              <a:cxn ang="0">
+                <a:pos x="connsiteX16" y="connsiteY16"/>
+              </a:cxn>
+              <a:cxn ang="0">
+                <a:pos x="connsiteX17" y="connsiteY17"/>
+              </a:cxn>
+              <a:cxn ang="0">
+                <a:pos x="connsiteX18" y="connsiteY18"/>
+              </a:cxn>
+              <a:cxn ang="0">
+                <a:pos x="connsiteX19" y="connsiteY19"/>
+              </a:cxn>
+              <a:cxn ang="0">
+                <a:pos x="connsiteX20" y="connsiteY20"/>
+              </a:cxn>
+              <a:cxn ang="0">
+                <a:pos x="connsiteX21" y="connsiteY21"/>
+              </a:cxn>
+              <a:cxn ang="0">
+                <a:pos x="connsiteX22" y="connsiteY22"/>
+              </a:cxn>
+              <a:cxn ang="0">
+                <a:pos x="connsiteX23" y="connsiteY23"/>
+              </a:cxn>
+              <a:cxn ang="0">
+                <a:pos x="connsiteX24" y="connsiteY24"/>
+              </a:cxn>
+              <a:cxn ang="0">
+                <a:pos x="connsiteX25" y="connsiteY25"/>
+              </a:cxn>
+              <a:cxn ang="0">
+                <a:pos x="connsiteX26" y="connsiteY26"/>
+              </a:cxn>
+              <a:cxn ang="0">
+                <a:pos x="connsiteX27" y="connsiteY27"/>
+              </a:cxn>
+              <a:cxn ang="0">
+                <a:pos x="connsiteX28" y="connsiteY28"/>
+              </a:cxn>
+              <a:cxn ang="0">
+                <a:pos x="connsiteX29" y="connsiteY29"/>
+              </a:cxn>
+              <a:cxn ang="0">
+                <a:pos x="connsiteX30" y="connsiteY30"/>
+              </a:cxn>
+              <a:cxn ang="0">
+                <a:pos x="connsiteX31" y="connsiteY31"/>
+              </a:cxn>
+              <a:cxn ang="0">
+                <a:pos x="connsiteX32" y="connsiteY32"/>
+              </a:cxn>
+              <a:cxn ang="0">
+                <a:pos x="connsiteX33" y="connsiteY33"/>
+              </a:cxn>
+              <a:cxn ang="0">
+                <a:pos x="connsiteX34" y="connsiteY34"/>
+              </a:cxn>
+              <a:cxn ang="0">
+                <a:pos x="connsiteX35" y="connsiteY35"/>
+              </a:cxn>
+            </a:cxnLst>
+            <a:rect l="l" t="t" r="r" b="b"/>
+            <a:pathLst>
+              <a:path w="559472" h="3709642">
+                <a:moveTo>
+                  <a:pt x="0" y="0"/>
+                </a:moveTo>
+                <a:lnTo>
+                  <a:pt x="473952" y="0"/>
+                </a:lnTo>
+                <a:lnTo>
+                  <a:pt x="485840" y="161194"/>
+                </a:lnTo>
+                <a:cubicBezTo>
+                  <a:pt x="552063" y="1147770"/>
+                  <a:pt x="592441" y="3086737"/>
+                  <a:pt x="523949" y="3672197"/>
+                </a:cubicBezTo>
+                <a:cubicBezTo>
+                  <a:pt x="500842" y="3684557"/>
+                  <a:pt x="477855" y="3697282"/>
+                  <a:pt x="454748" y="3709642"/>
+                </a:cubicBezTo>
+                <a:lnTo>
+                  <a:pt x="448224" y="3510471"/>
+                </a:lnTo>
+                <a:lnTo>
+                  <a:pt x="443564" y="3408563"/>
+                </a:lnTo>
+                <a:lnTo>
+                  <a:pt x="438902" y="3304407"/>
+                </a:lnTo>
+                <a:lnTo>
+                  <a:pt x="433941" y="3198777"/>
+                </a:lnTo>
+                <a:lnTo>
+                  <a:pt x="427584" y="3092510"/>
+                </a:lnTo>
+                <a:lnTo>
+                  <a:pt x="420988" y="2984390"/>
+                </a:lnTo>
+                <a:lnTo>
+                  <a:pt x="414330" y="2874401"/>
+                </a:lnTo>
+                <a:lnTo>
+                  <a:pt x="406840" y="2762980"/>
+                </a:lnTo>
+                <a:lnTo>
+                  <a:pt x="397745" y="2650566"/>
+                </a:lnTo>
+                <a:lnTo>
+                  <a:pt x="389154" y="2536612"/>
+                </a:lnTo>
+                <a:lnTo>
+                  <a:pt x="379225" y="2421642"/>
+                </a:lnTo>
+                <a:lnTo>
+                  <a:pt x="368316" y="2305627"/>
+                </a:lnTo>
+                <a:lnTo>
+                  <a:pt x="357466" y="2189233"/>
+                </a:lnTo>
+                <a:lnTo>
+                  <a:pt x="344982" y="2071473"/>
+                </a:lnTo>
+                <a:lnTo>
+                  <a:pt x="332466" y="1952216"/>
+                </a:lnTo>
+                <a:lnTo>
+                  <a:pt x="319121" y="1833776"/>
+                </a:lnTo>
+                <a:lnTo>
+                  <a:pt x="304408" y="1713948"/>
+                </a:lnTo>
+                <a:lnTo>
+                  <a:pt x="288685" y="1592703"/>
+                </a:lnTo>
+                <a:lnTo>
+                  <a:pt x="273050" y="1471451"/>
+                </a:lnTo>
+                <a:lnTo>
+                  <a:pt x="255813" y="1350328"/>
+                </a:lnTo>
+                <a:lnTo>
+                  <a:pt x="237060" y="1227080"/>
+                </a:lnTo>
+                <a:lnTo>
+                  <a:pt x="218488" y="1106065"/>
+                </a:lnTo>
+                <a:lnTo>
+                  <a:pt x="198221" y="982940"/>
+                </a:lnTo>
+                <a:lnTo>
+                  <a:pt x="177152" y="858755"/>
+                </a:lnTo>
+                <a:lnTo>
+                  <a:pt x="155551" y="736861"/>
+                </a:lnTo>
+                <a:lnTo>
+                  <a:pt x="131782" y="613645"/>
+                </a:lnTo>
+                <a:lnTo>
+                  <a:pt x="107123" y="490500"/>
+                </a:lnTo>
+                <a:lnTo>
+                  <a:pt x="82552" y="367348"/>
+                </a:lnTo>
+                <a:lnTo>
+                  <a:pt x="55608" y="244762"/>
+                </a:lnTo>
+                <a:lnTo>
+                  <a:pt x="28130" y="122220"/>
+                </a:lnTo>
+                <a:lnTo>
+                  <a:pt x="0" y="0"/>
+                </a:lnTo>
+                <a:close/>
+              </a:path>
+            </a:pathLst>
+          </a:custGeom>
+          <a:solidFill>
+            <a:schemeClr val="tx1">
+              <a:alpha val="20000"/>
+            </a:schemeClr>
+          </a:solidFill>
+          <a:ln>
+            <a:noFill/>
+          </a:ln>
+        </p:spPr>
+        <p:txBody>
+          <a:bodyPr rtlCol="0" anchor="ctr"/>
+          <a:lstStyle/>
+          <a:p>
+            <a:pPr algn="ctr"/>
+            <a:endParaRPr lang="en-US"/>
+          </a:p>
+        </p:txBody>
+      </p:sp>
+      <p:sp>
+        <p:nvSpPr>
+          <p:cNvPr id="25" name="Freeform 5">
+            <a:extLst>
+              <a:ext uri="{FF2B5EF4-FFF2-40B4-BE49-F238E27FC236}">
+                <a16:creationId xmlns:a16="http://schemas.microsoft.com/office/drawing/2014/main" id="{24F1DC13-C830-4B86-A9C6-927F5C55DBD7}"/>
+              </a:ext>
+              <a:ext uri="{C183D7F6-B498-43B3-948B-1728B52AA6E4}">
+                <adec:decorative xmlns:adec="http://schemas.microsoft.com/office/drawing/2017/decorative" val="1"/>
+              </a:ext>
+            </a:extLst>
+          </p:cNvPr>
+          <p:cNvSpPr>
+            <a:spLocks noGrp="1" noRot="1" noChangeAspect="1" noMove="1" noResize="1" noEditPoints="1" noAdjustHandles="1" noChangeArrowheads="1" noChangeShapeType="1" noTextEdit="1"/>
+          </p:cNvSpPr>
+          <p:nvPr>
+            <p:extLst>
+              <p:ext uri="{386F3935-93C4-4BCD-93E2-E3B085C9AB24}">
+                <p16:designElem xmlns:p16="http://schemas.microsoft.com/office/powerpoint/2015/main" val="1"/>
+              </p:ext>
+            </p:extLst>
+          </p:nvPr>
+        </p:nvSpPr>
+        <p:spPr bwMode="gray">
+          <a:xfrm rot="5400000" flipH="1">
+            <a:off x="3708596" y="2756642"/>
+            <a:ext cx="6858000" cy="1344715"/>
+          </a:xfrm>
+          <a:custGeom>
+            <a:avLst/>
+            <a:gdLst/>
+            <a:ahLst/>
+            <a:cxnLst/>
+            <a:rect l="l" t="t" r="r" b="b"/>
+            <a:pathLst>
+              <a:path w="10000" h="8000">
+                <a:moveTo>
+                  <a:pt x="0" y="0"/>
+                </a:moveTo>
+                <a:lnTo>
+                  <a:pt x="0" y="7970"/>
+                </a:lnTo>
+                <a:lnTo>
+                  <a:pt x="10000" y="8000"/>
+                </a:lnTo>
+                <a:lnTo>
+                  <a:pt x="10000" y="7"/>
+                </a:lnTo>
+                <a:lnTo>
+                  <a:pt x="10000" y="7"/>
+                </a:lnTo>
+                <a:lnTo>
+                  <a:pt x="9773" y="156"/>
+                </a:lnTo>
+                <a:lnTo>
+                  <a:pt x="9547" y="298"/>
+                </a:lnTo>
+                <a:lnTo>
+                  <a:pt x="9320" y="437"/>
+                </a:lnTo>
+                <a:lnTo>
+                  <a:pt x="9092" y="556"/>
+                </a:lnTo>
+                <a:lnTo>
+                  <a:pt x="8865" y="676"/>
+                </a:lnTo>
+                <a:lnTo>
+                  <a:pt x="8637" y="788"/>
+                </a:lnTo>
+                <a:lnTo>
+                  <a:pt x="8412" y="884"/>
+                </a:lnTo>
+                <a:lnTo>
+                  <a:pt x="8184" y="975"/>
+                </a:lnTo>
+                <a:lnTo>
+                  <a:pt x="7957" y="1058"/>
+                </a:lnTo>
+                <a:lnTo>
+                  <a:pt x="7734" y="1130"/>
+                </a:lnTo>
+                <a:lnTo>
+                  <a:pt x="7508" y="1202"/>
+                </a:lnTo>
+                <a:lnTo>
+                  <a:pt x="7285" y="1262"/>
+                </a:lnTo>
+                <a:lnTo>
+                  <a:pt x="7062" y="1309"/>
+                </a:lnTo>
+                <a:lnTo>
+                  <a:pt x="6840" y="1358"/>
+                </a:lnTo>
+                <a:lnTo>
+                  <a:pt x="6620" y="1399"/>
+                </a:lnTo>
+                <a:lnTo>
+                  <a:pt x="6402" y="1428"/>
+                </a:lnTo>
+                <a:lnTo>
+                  <a:pt x="6184" y="1453"/>
+                </a:lnTo>
+                <a:lnTo>
+                  <a:pt x="5968" y="1477"/>
+                </a:lnTo>
+                <a:lnTo>
+                  <a:pt x="5755" y="1488"/>
+                </a:lnTo>
+                <a:lnTo>
+                  <a:pt x="5542" y="1500"/>
+                </a:lnTo>
+                <a:lnTo>
+                  <a:pt x="5332" y="1506"/>
+                </a:lnTo>
+                <a:lnTo>
+                  <a:pt x="5124" y="1500"/>
+                </a:lnTo>
+                <a:lnTo>
+                  <a:pt x="4918" y="1500"/>
+                </a:lnTo>
+                <a:lnTo>
+                  <a:pt x="4714" y="1488"/>
+                </a:lnTo>
+                <a:lnTo>
+                  <a:pt x="4514" y="1470"/>
+                </a:lnTo>
+                <a:lnTo>
+                  <a:pt x="4316" y="1453"/>
+                </a:lnTo>
+                <a:lnTo>
+                  <a:pt x="4122" y="1434"/>
+                </a:lnTo>
+                <a:lnTo>
+                  <a:pt x="3929" y="1405"/>
+                </a:lnTo>
+                <a:lnTo>
+                  <a:pt x="3739" y="1374"/>
+                </a:lnTo>
+                <a:lnTo>
+                  <a:pt x="3553" y="1346"/>
+                </a:lnTo>
+                <a:lnTo>
+                  <a:pt x="3190" y="1267"/>
+                </a:lnTo>
+                <a:lnTo>
+                  <a:pt x="2842" y="1183"/>
+                </a:lnTo>
+                <a:lnTo>
+                  <a:pt x="2508" y="1095"/>
+                </a:lnTo>
+                <a:lnTo>
+                  <a:pt x="2192" y="998"/>
+                </a:lnTo>
+                <a:lnTo>
+                  <a:pt x="1890" y="897"/>
+                </a:lnTo>
+                <a:lnTo>
+                  <a:pt x="1610" y="788"/>
+                </a:lnTo>
+                <a:lnTo>
+                  <a:pt x="1347" y="681"/>
+                </a:lnTo>
+                <a:lnTo>
+                  <a:pt x="1105" y="574"/>
+                </a:lnTo>
+                <a:lnTo>
+                  <a:pt x="883" y="473"/>
+                </a:lnTo>
+                <a:lnTo>
+                  <a:pt x="686" y="377"/>
+                </a:lnTo>
+                <a:lnTo>
+                  <a:pt x="508" y="286"/>
+                </a:lnTo>
+                <a:lnTo>
+                  <a:pt x="358" y="210"/>
+                </a:lnTo>
+                <a:lnTo>
+                  <a:pt x="232" y="138"/>
+                </a:lnTo>
+                <a:lnTo>
+                  <a:pt x="59" y="35"/>
+                </a:lnTo>
+                <a:lnTo>
+                  <a:pt x="0" y="0"/>
+                </a:lnTo>
+                <a:lnTo>
+                  <a:pt x="0" y="0"/>
+                </a:lnTo>
+                <a:close/>
+              </a:path>
+            </a:pathLst>
+          </a:custGeom>
+          <a:solidFill>
+            <a:srgbClr val="FFFFFF"/>
+          </a:solidFill>
+          <a:ln>
+            <a:noFill/>
+          </a:ln>
+        </p:spPr>
+      </p:sp>
+      <p:pic>
+        <p:nvPicPr>
+          <p:cNvPr id="4" name="Рисунок 4">
+            <a:extLst>
+              <a:ext uri="{FF2B5EF4-FFF2-40B4-BE49-F238E27FC236}">
+                <a16:creationId xmlns:a16="http://schemas.microsoft.com/office/drawing/2014/main" id="{8D898F17-3DF5-4129-B119-CCE93332C35D}"/>
+              </a:ext>
+            </a:extLst>
+          </p:cNvPr>
+          <p:cNvPicPr>
+            <a:picLocks noGrp="1" noChangeAspect="1"/>
+          </p:cNvPicPr>
+          <p:nvPr>
+            <p:ph idx="1"/>
+          </p:nvPr>
+        </p:nvPicPr>
+        <p:blipFill>
+          <a:blip r:embed="rId7"/>
+          <a:stretch>
+            <a:fillRect/>
+          </a:stretch>
+        </p:blipFill>
+        <p:spPr>
+          <a:xfrm>
+            <a:off x="643854" y="1335932"/>
+            <a:ext cx="6270662" cy="4185670"/>
+          </a:xfrm>
+          <a:prstGeom prst="rect">
+            <a:avLst/>
+          </a:prstGeom>
+          <a:effectLst/>
+        </p:spPr>
+      </p:pic>
+    </p:spTree>
+    <p:extLst>
+      <p:ext uri="{BB962C8B-B14F-4D97-AF65-F5344CB8AC3E}">
+        <p14:creationId xmlns:p14="http://schemas.microsoft.com/office/powerpoint/2010/main" val="2760753889"/>
+      </p:ext>
+    </p:extLst>
+  </p:cSld>
+  <p:clrMapOvr>
+    <a:masterClrMapping/>
+  </p:clrMapOvr>
+</p:sld>
+</file>
+
 <file path=ppt/slides/slide2.xml><?xml version="1.0" encoding="utf-8"?>
 <p:sld xmlns:a="http://schemas.openxmlformats.org/drawingml/2006/main" xmlns:r="http://schemas.openxmlformats.org/officeDocument/2006/relationships" xmlns:p="http://schemas.openxmlformats.org/presentationml/2006/main">
   <p:cSld>
@@ -9061,31 +10185,6 @@
 <file path=ppt/slides/slide6.xml><?xml version="1.0" encoding="utf-8"?>
 <p:sld xmlns:a="http://schemas.openxmlformats.org/drawingml/2006/main" xmlns:r="http://schemas.openxmlformats.org/officeDocument/2006/relationships" xmlns:p="http://schemas.openxmlformats.org/presentationml/2006/main">
   <p:cSld>
-    <p:bg>
-      <p:bgPr>
-        <a:blipFill rotWithShape="1">
-          <a:blip r:embed="rId2">
-            <a:duotone>
-              <a:schemeClr val="bg2">
-                <a:shade val="62000"/>
-                <a:hueMod val="108000"/>
-                <a:satMod val="164000"/>
-                <a:lumMod val="69000"/>
-              </a:schemeClr>
-              <a:schemeClr val="bg2">
-                <a:tint val="96000"/>
-                <a:hueMod val="90000"/>
-                <a:satMod val="130000"/>
-                <a:lumMod val="134000"/>
-              </a:schemeClr>
-            </a:duotone>
-            <a:extLst/>
-          </a:blip>
-          <a:stretch/>
-        </a:blipFill>
-        <a:effectLst/>
-      </p:bgPr>
-    </p:bg>
     <p:spTree>
       <p:nvGrpSpPr>
         <p:cNvPr id="1" name=""/>
@@ -9100,348 +10199,570 @@
           <a:chExt cx="0" cy="0"/>
         </a:xfrm>
       </p:grpSpPr>
+      <p:grpSp>
+        <p:nvGrpSpPr>
+          <p:cNvPr id="10" name="그룹 9"/>
+          <p:cNvGrpSpPr/>
+          <p:nvPr/>
+        </p:nvGrpSpPr>
+        <p:grpSpPr>
+          <a:xfrm>
+            <a:off x="1351764" y="2154665"/>
+            <a:ext cx="2455102" cy="2693096"/>
+            <a:chOff x="3294345" y="1302707"/>
+            <a:chExt cx="2455102" cy="2693096"/>
+          </a:xfrm>
+        </p:grpSpPr>
+        <p:sp>
+          <p:nvSpPr>
+            <p:cNvPr id="2" name="직사각형 1"/>
+            <p:cNvSpPr/>
+            <p:nvPr/>
+          </p:nvSpPr>
+          <p:spPr>
+            <a:xfrm>
+              <a:off x="3294345" y="1302707"/>
+              <a:ext cx="2455102" cy="2693096"/>
+            </a:xfrm>
+            <a:prstGeom prst="rect">
+              <a:avLst/>
+            </a:prstGeom>
+          </p:spPr>
+          <p:style>
+            <a:lnRef idx="2">
+              <a:schemeClr val="accent1">
+                <a:shade val="50000"/>
+              </a:schemeClr>
+            </a:lnRef>
+            <a:fillRef idx="1">
+              <a:schemeClr val="accent1"/>
+            </a:fillRef>
+            <a:effectRef idx="0">
+              <a:schemeClr val="accent1"/>
+            </a:effectRef>
+            <a:fontRef idx="minor">
+              <a:schemeClr val="lt1"/>
+            </a:fontRef>
+          </p:style>
+          <p:txBody>
+            <a:bodyPr rtlCol="0" anchor="ctr"/>
+            <a:lstStyle/>
+            <a:p>
+              <a:pPr algn="ctr"/>
+              <a:endParaRPr lang="ko-KR" altLang="en-US" dirty="0"/>
+            </a:p>
+          </p:txBody>
+        </p:sp>
+        <p:sp>
+          <p:nvSpPr>
+            <p:cNvPr id="4" name="TextBox 3"/>
+            <p:cNvSpPr txBox="1"/>
+            <p:nvPr/>
+          </p:nvSpPr>
+          <p:spPr>
+            <a:xfrm>
+              <a:off x="3638811" y="1302707"/>
+              <a:ext cx="1766170" cy="369332"/>
+            </a:xfrm>
+            <a:prstGeom prst="rect">
+              <a:avLst/>
+            </a:prstGeom>
+            <a:noFill/>
+          </p:spPr>
+          <p:txBody>
+            <a:bodyPr wrap="square" rtlCol="0">
+              <a:spAutoFit/>
+            </a:bodyPr>
+            <a:lstStyle/>
+            <a:p>
+              <a:pPr algn="ctr"/>
+              <a:r>
+                <a:rPr lang="en-US" altLang="ko-KR" dirty="0" err="1"/>
+                <a:t>coord</a:t>
+              </a:r>
+              <a:endParaRPr lang="ko-KR" altLang="en-US" dirty="0"/>
+            </a:p>
+          </p:txBody>
+        </p:sp>
+        <p:sp>
+          <p:nvSpPr>
+            <p:cNvPr id="5" name="직사각형 4"/>
+            <p:cNvSpPr/>
+            <p:nvPr/>
+          </p:nvSpPr>
+          <p:spPr>
+            <a:xfrm>
+              <a:off x="3682652" y="2229633"/>
+              <a:ext cx="1628384" cy="419622"/>
+            </a:xfrm>
+            <a:prstGeom prst="rect">
+              <a:avLst/>
+            </a:prstGeom>
+            <a:solidFill>
+              <a:schemeClr val="accent2"/>
+            </a:solidFill>
+          </p:spPr>
+          <p:style>
+            <a:lnRef idx="2">
+              <a:schemeClr val="accent1">
+                <a:shade val="50000"/>
+              </a:schemeClr>
+            </a:lnRef>
+            <a:fillRef idx="1">
+              <a:schemeClr val="accent1"/>
+            </a:fillRef>
+            <a:effectRef idx="0">
+              <a:schemeClr val="accent1"/>
+            </a:effectRef>
+            <a:fontRef idx="minor">
+              <a:schemeClr val="lt1"/>
+            </a:fontRef>
+          </p:style>
+          <p:txBody>
+            <a:bodyPr rtlCol="0" anchor="ctr"/>
+            <a:lstStyle/>
+            <a:p>
+              <a:pPr algn="ctr"/>
+              <a:r>
+                <a:rPr lang="en-US" altLang="ko-KR" dirty="0"/>
+                <a:t>x</a:t>
+              </a:r>
+              <a:endParaRPr lang="ko-KR" altLang="en-US" dirty="0"/>
+            </a:p>
+          </p:txBody>
+        </p:sp>
+        <p:sp>
+          <p:nvSpPr>
+            <p:cNvPr id="6" name="직사각형 5"/>
+            <p:cNvSpPr/>
+            <p:nvPr/>
+          </p:nvSpPr>
+          <p:spPr>
+            <a:xfrm>
+              <a:off x="3682652" y="2997038"/>
+              <a:ext cx="1628384" cy="419622"/>
+            </a:xfrm>
+            <a:prstGeom prst="rect">
+              <a:avLst/>
+            </a:prstGeom>
+            <a:solidFill>
+              <a:schemeClr val="accent2"/>
+            </a:solidFill>
+          </p:spPr>
+          <p:style>
+            <a:lnRef idx="2">
+              <a:schemeClr val="accent1">
+                <a:shade val="50000"/>
+              </a:schemeClr>
+            </a:lnRef>
+            <a:fillRef idx="1">
+              <a:schemeClr val="accent1"/>
+            </a:fillRef>
+            <a:effectRef idx="0">
+              <a:schemeClr val="accent1"/>
+            </a:effectRef>
+            <a:fontRef idx="minor">
+              <a:schemeClr val="lt1"/>
+            </a:fontRef>
+          </p:style>
+          <p:txBody>
+            <a:bodyPr rtlCol="0" anchor="ctr"/>
+            <a:lstStyle/>
+            <a:p>
+              <a:pPr algn="ctr"/>
+              <a:r>
+                <a:rPr lang="en-US" altLang="ko-KR" dirty="0"/>
+                <a:t>y</a:t>
+              </a:r>
+              <a:endParaRPr lang="ko-KR" altLang="en-US" dirty="0"/>
+            </a:p>
+          </p:txBody>
+        </p:sp>
+      </p:grpSp>
+      <p:grpSp>
+        <p:nvGrpSpPr>
+          <p:cNvPr id="11" name="그룹 10"/>
+          <p:cNvGrpSpPr/>
+          <p:nvPr/>
+        </p:nvGrpSpPr>
+        <p:grpSpPr>
+          <a:xfrm>
+            <a:off x="4635554" y="2268684"/>
+            <a:ext cx="2455102" cy="2693096"/>
+            <a:chOff x="3294345" y="1302707"/>
+            <a:chExt cx="2455102" cy="2693096"/>
+          </a:xfrm>
+        </p:grpSpPr>
+        <p:sp>
+          <p:nvSpPr>
+            <p:cNvPr id="12" name="직사각형 11"/>
+            <p:cNvSpPr/>
+            <p:nvPr/>
+          </p:nvSpPr>
+          <p:spPr>
+            <a:xfrm>
+              <a:off x="3294345" y="1302707"/>
+              <a:ext cx="2455102" cy="2693096"/>
+            </a:xfrm>
+            <a:prstGeom prst="rect">
+              <a:avLst/>
+            </a:prstGeom>
+          </p:spPr>
+          <p:style>
+            <a:lnRef idx="2">
+              <a:schemeClr val="accent1">
+                <a:shade val="50000"/>
+              </a:schemeClr>
+            </a:lnRef>
+            <a:fillRef idx="1">
+              <a:schemeClr val="accent1"/>
+            </a:fillRef>
+            <a:effectRef idx="0">
+              <a:schemeClr val="accent1"/>
+            </a:effectRef>
+            <a:fontRef idx="minor">
+              <a:schemeClr val="lt1"/>
+            </a:fontRef>
+          </p:style>
+          <p:txBody>
+            <a:bodyPr rtlCol="0" anchor="ctr"/>
+            <a:lstStyle/>
+            <a:p>
+              <a:pPr algn="ctr"/>
+              <a:endParaRPr lang="ko-KR" altLang="en-US" dirty="0"/>
+            </a:p>
+          </p:txBody>
+        </p:sp>
+        <p:sp>
+          <p:nvSpPr>
+            <p:cNvPr id="13" name="TextBox 12"/>
+            <p:cNvSpPr txBox="1"/>
+            <p:nvPr/>
+          </p:nvSpPr>
+          <p:spPr>
+            <a:xfrm>
+              <a:off x="3638811" y="1302707"/>
+              <a:ext cx="1766170" cy="369332"/>
+            </a:xfrm>
+            <a:prstGeom prst="rect">
+              <a:avLst/>
+            </a:prstGeom>
+            <a:noFill/>
+          </p:spPr>
+          <p:txBody>
+            <a:bodyPr wrap="square" rtlCol="0">
+              <a:spAutoFit/>
+            </a:bodyPr>
+            <a:lstStyle/>
+            <a:p>
+              <a:pPr algn="ctr"/>
+              <a:r>
+                <a:rPr lang="en-US" altLang="ko-KR" dirty="0"/>
+                <a:t>node</a:t>
+              </a:r>
+              <a:endParaRPr lang="ko-KR" altLang="en-US" dirty="0"/>
+            </a:p>
+          </p:txBody>
+        </p:sp>
+        <p:sp>
+          <p:nvSpPr>
+            <p:cNvPr id="14" name="직사각형 13"/>
+            <p:cNvSpPr/>
+            <p:nvPr/>
+          </p:nvSpPr>
+          <p:spPr>
+            <a:xfrm>
+              <a:off x="3682652" y="1751799"/>
+              <a:ext cx="1628384" cy="419622"/>
+            </a:xfrm>
+            <a:prstGeom prst="rect">
+              <a:avLst/>
+            </a:prstGeom>
+            <a:solidFill>
+              <a:schemeClr val="accent2"/>
+            </a:solidFill>
+          </p:spPr>
+          <p:style>
+            <a:lnRef idx="2">
+              <a:schemeClr val="accent1">
+                <a:shade val="50000"/>
+              </a:schemeClr>
+            </a:lnRef>
+            <a:fillRef idx="1">
+              <a:schemeClr val="accent1"/>
+            </a:fillRef>
+            <a:effectRef idx="0">
+              <a:schemeClr val="accent1"/>
+            </a:effectRef>
+            <a:fontRef idx="minor">
+              <a:schemeClr val="lt1"/>
+            </a:fontRef>
+          </p:style>
+          <p:txBody>
+            <a:bodyPr rtlCol="0" anchor="ctr"/>
+            <a:lstStyle/>
+            <a:p>
+              <a:pPr algn="ctr"/>
+              <a:r>
+                <a:rPr lang="en-US" altLang="ko-KR" dirty="0"/>
+                <a:t>x</a:t>
+              </a:r>
+              <a:endParaRPr lang="ko-KR" altLang="en-US" dirty="0"/>
+            </a:p>
+          </p:txBody>
+        </p:sp>
+        <p:sp>
+          <p:nvSpPr>
+            <p:cNvPr id="15" name="직사각형 14"/>
+            <p:cNvSpPr/>
+            <p:nvPr/>
+          </p:nvSpPr>
+          <p:spPr>
+            <a:xfrm>
+              <a:off x="3682652" y="2340159"/>
+              <a:ext cx="1628384" cy="419622"/>
+            </a:xfrm>
+            <a:prstGeom prst="rect">
+              <a:avLst/>
+            </a:prstGeom>
+            <a:solidFill>
+              <a:schemeClr val="accent2"/>
+            </a:solidFill>
+          </p:spPr>
+          <p:style>
+            <a:lnRef idx="2">
+              <a:schemeClr val="accent1">
+                <a:shade val="50000"/>
+              </a:schemeClr>
+            </a:lnRef>
+            <a:fillRef idx="1">
+              <a:schemeClr val="accent1"/>
+            </a:fillRef>
+            <a:effectRef idx="0">
+              <a:schemeClr val="accent1"/>
+            </a:effectRef>
+            <a:fontRef idx="minor">
+              <a:schemeClr val="lt1"/>
+            </a:fontRef>
+          </p:style>
+          <p:txBody>
+            <a:bodyPr rtlCol="0" anchor="ctr"/>
+            <a:lstStyle/>
+            <a:p>
+              <a:pPr algn="ctr"/>
+              <a:r>
+                <a:rPr lang="en-US" altLang="ko-KR" dirty="0"/>
+                <a:t>y</a:t>
+              </a:r>
+              <a:endParaRPr lang="ko-KR" altLang="en-US" dirty="0"/>
+            </a:p>
+          </p:txBody>
+        </p:sp>
+        <p:sp>
+          <p:nvSpPr>
+            <p:cNvPr id="21" name="직사각형 20"/>
+            <p:cNvSpPr/>
+            <p:nvPr/>
+          </p:nvSpPr>
+          <p:spPr>
+            <a:xfrm>
+              <a:off x="3682652" y="2905024"/>
+              <a:ext cx="1628384" cy="419622"/>
+            </a:xfrm>
+            <a:prstGeom prst="rect">
+              <a:avLst/>
+            </a:prstGeom>
+            <a:solidFill>
+              <a:schemeClr val="accent2"/>
+            </a:solidFill>
+          </p:spPr>
+          <p:style>
+            <a:lnRef idx="2">
+              <a:schemeClr val="accent1">
+                <a:shade val="50000"/>
+              </a:schemeClr>
+            </a:lnRef>
+            <a:fillRef idx="1">
+              <a:schemeClr val="accent1"/>
+            </a:fillRef>
+            <a:effectRef idx="0">
+              <a:schemeClr val="accent1"/>
+            </a:effectRef>
+            <a:fontRef idx="minor">
+              <a:schemeClr val="lt1"/>
+            </a:fontRef>
+          </p:style>
+          <p:txBody>
+            <a:bodyPr rtlCol="0" anchor="ctr"/>
+            <a:lstStyle/>
+            <a:p>
+              <a:pPr algn="ctr"/>
+              <a:r>
+                <a:rPr lang="en-US" altLang="ko-KR" dirty="0"/>
+                <a:t>pre</a:t>
+              </a:r>
+              <a:endParaRPr lang="ko-KR" altLang="en-US" dirty="0"/>
+            </a:p>
+          </p:txBody>
+        </p:sp>
+        <p:sp>
+          <p:nvSpPr>
+            <p:cNvPr id="22" name="직사각형 21"/>
+            <p:cNvSpPr/>
+            <p:nvPr/>
+          </p:nvSpPr>
+          <p:spPr>
+            <a:xfrm>
+              <a:off x="3682652" y="3462162"/>
+              <a:ext cx="1628384" cy="419622"/>
+            </a:xfrm>
+            <a:prstGeom prst="rect">
+              <a:avLst/>
+            </a:prstGeom>
+            <a:solidFill>
+              <a:schemeClr val="accent2"/>
+            </a:solidFill>
+          </p:spPr>
+          <p:style>
+            <a:lnRef idx="2">
+              <a:schemeClr val="accent1">
+                <a:shade val="50000"/>
+              </a:schemeClr>
+            </a:lnRef>
+            <a:fillRef idx="1">
+              <a:schemeClr val="accent1"/>
+            </a:fillRef>
+            <a:effectRef idx="0">
+              <a:schemeClr val="accent1"/>
+            </a:effectRef>
+            <a:fontRef idx="minor">
+              <a:schemeClr val="lt1"/>
+            </a:fontRef>
+          </p:style>
+          <p:txBody>
+            <a:bodyPr rtlCol="0" anchor="ctr"/>
+            <a:lstStyle/>
+            <a:p>
+              <a:pPr algn="ctr"/>
+              <a:r>
+                <a:rPr lang="en-US" altLang="ko-KR" dirty="0"/>
+                <a:t>next</a:t>
+              </a:r>
+              <a:endParaRPr lang="ko-KR" altLang="en-US" dirty="0"/>
+            </a:p>
+          </p:txBody>
+        </p:sp>
+      </p:grpSp>
       <p:pic>
         <p:nvPicPr>
-          <p:cNvPr id="9" name="Picture 8">
-            <a:extLst>
-              <a:ext uri="{FF2B5EF4-FFF2-40B4-BE49-F238E27FC236}">
-                <a16:creationId xmlns:a16="http://schemas.microsoft.com/office/drawing/2014/main" id="{7594FC8B-8CD2-407F-94F1-9C71F5AEC2B6}"/>
-              </a:ext>
-              <a:ext uri="{C183D7F6-B498-43B3-948B-1728B52AA6E4}">
-                <adec:decorative xmlns:adec="http://schemas.microsoft.com/office/drawing/2017/decorative" val="1"/>
-              </a:ext>
-            </a:extLst>
-          </p:cNvPr>
+          <p:cNvPr id="23" name="그림 22"/>
           <p:cNvPicPr>
-            <a:picLocks noGrp="1" noRot="1" noChangeAspect="1" noMove="1" noResize="1" noEditPoints="1" noAdjustHandles="1" noChangeArrowheads="1" noChangeShapeType="1" noCrop="1"/>
+            <a:picLocks noChangeAspect="1"/>
           </p:cNvPicPr>
-          <p:nvPr>
-            <p:extLst>
-              <p:ext uri="{386F3935-93C4-4BCD-93E2-E3B085C9AB24}">
-                <p16:designElem xmlns:p16="http://schemas.microsoft.com/office/powerpoint/2015/main" val="1"/>
-              </p:ext>
-            </p:extLst>
-          </p:nvPr>
+          <p:nvPr/>
         </p:nvPicPr>
-        <p:blipFill rotWithShape="1">
-          <a:blip r:embed="rId3">
+        <p:blipFill>
+          <a:blip r:embed="rId2">
             <a:extLst>
               <a:ext uri="{28A0092B-C50C-407E-A947-70E740481C1C}">
                 <a14:useLocalDpi xmlns:a14="http://schemas.microsoft.com/office/drawing/2010/main" val="0"/>
               </a:ext>
             </a:extLst>
           </a:blip>
-          <a:srcRect l="3613"/>
-          <a:stretch/>
+          <a:stretch>
+            <a:fillRect/>
+          </a:stretch>
         </p:blipFill>
         <p:spPr>
           <a:xfrm>
-            <a:off x="0" y="2669685"/>
-            <a:ext cx="4037012" cy="4188315"/>
+            <a:off x="8343735" y="2268684"/>
+            <a:ext cx="2362530" cy="2229161"/>
           </a:xfrm>
           <a:prstGeom prst="rect">
             <a:avLst/>
           </a:prstGeom>
         </p:spPr>
       </p:pic>
-      <p:pic>
-        <p:nvPicPr>
-          <p:cNvPr id="11" name="Picture 10">
-            <a:extLst>
-              <a:ext uri="{FF2B5EF4-FFF2-40B4-BE49-F238E27FC236}">
-                <a16:creationId xmlns:a16="http://schemas.microsoft.com/office/drawing/2014/main" id="{DBABC971-8D40-4A4F-AC60-28B9172789B9}"/>
-              </a:ext>
-              <a:ext uri="{C183D7F6-B498-43B3-948B-1728B52AA6E4}">
-                <adec:decorative xmlns:adec="http://schemas.microsoft.com/office/drawing/2017/decorative" val="1"/>
-              </a:ext>
-            </a:extLst>
-          </p:cNvPr>
-          <p:cNvPicPr>
-            <a:picLocks noGrp="1" noRot="1" noChangeAspect="1" noMove="1" noResize="1" noEditPoints="1" noAdjustHandles="1" noChangeArrowheads="1" noChangeShapeType="1" noCrop="1"/>
-          </p:cNvPicPr>
-          <p:nvPr>
-            <p:extLst>
-              <p:ext uri="{386F3935-93C4-4BCD-93E2-E3B085C9AB24}">
-                <p16:designElem xmlns:p16="http://schemas.microsoft.com/office/powerpoint/2015/main" val="1"/>
-              </p:ext>
-            </p:extLst>
-          </p:nvPr>
-        </p:nvPicPr>
-        <p:blipFill rotWithShape="1">
-          <a:blip r:embed="rId4">
-            <a:extLst>
-              <a:ext uri="{28A0092B-C50C-407E-A947-70E740481C1C}">
-                <a14:useLocalDpi xmlns:a14="http://schemas.microsoft.com/office/drawing/2010/main" val="0"/>
-              </a:ext>
-            </a:extLst>
-          </a:blip>
-          <a:srcRect l="35640"/>
-          <a:stretch/>
-        </p:blipFill>
+    </p:spTree>
+    <p:extLst>
+      <p:ext uri="{BB962C8B-B14F-4D97-AF65-F5344CB8AC3E}">
+        <p14:creationId xmlns:p14="http://schemas.microsoft.com/office/powerpoint/2010/main" val="1262464479"/>
+      </p:ext>
+    </p:extLst>
+  </p:cSld>
+  <p:clrMapOvr>
+    <a:masterClrMapping/>
+  </p:clrMapOvr>
+</p:sld>
+</file>
+
+<file path=ppt/slides/slide7.xml><?xml version="1.0" encoding="utf-8"?>
+<p:sld xmlns:a="http://schemas.openxmlformats.org/drawingml/2006/main" xmlns:r="http://schemas.openxmlformats.org/officeDocument/2006/relationships" xmlns:p="http://schemas.openxmlformats.org/presentationml/2006/main">
+  <p:cSld>
+    <p:spTree>
+      <p:nvGrpSpPr>
+        <p:cNvPr id="1" name=""/>
+        <p:cNvGrpSpPr/>
+        <p:nvPr/>
+      </p:nvGrpSpPr>
+      <p:grpSpPr>
+        <a:xfrm>
+          <a:off x="0" y="0"/>
+          <a:ext cx="0" cy="0"/>
+          <a:chOff x="0" y="0"/>
+          <a:chExt cx="0" cy="0"/>
+        </a:xfrm>
+      </p:grpSpPr>
+    </p:spTree>
+    <p:extLst>
+      <p:ext uri="{BB962C8B-B14F-4D97-AF65-F5344CB8AC3E}">
+        <p14:creationId xmlns:p14="http://schemas.microsoft.com/office/powerpoint/2010/main" val="4244630367"/>
+      </p:ext>
+    </p:extLst>
+  </p:cSld>
+  <p:clrMapOvr>
+    <a:masterClrMapping/>
+  </p:clrMapOvr>
+</p:sld>
+</file>
+
+<file path=ppt/slides/slide8.xml><?xml version="1.0" encoding="utf-8"?>
+<p:sld xmlns:a="http://schemas.openxmlformats.org/drawingml/2006/main" xmlns:r="http://schemas.openxmlformats.org/officeDocument/2006/relationships" xmlns:p="http://schemas.openxmlformats.org/presentationml/2006/main">
+  <p:cSld>
+    <p:spTree>
+      <p:nvGrpSpPr>
+        <p:cNvPr id="1" name=""/>
+        <p:cNvGrpSpPr/>
+        <p:nvPr/>
+      </p:nvGrpSpPr>
+      <p:grpSpPr>
+        <a:xfrm>
+          <a:off x="0" y="0"/>
+          <a:ext cx="0" cy="0"/>
+          <a:chOff x="0" y="0"/>
+          <a:chExt cx="0" cy="0"/>
+        </a:xfrm>
+      </p:grpSpPr>
+      <p:sp>
+        <p:nvSpPr>
+          <p:cNvPr id="2" name="타원 1"/>
+          <p:cNvSpPr/>
+          <p:nvPr/>
+        </p:nvSpPr>
         <p:spPr>
           <a:xfrm>
-            <a:off x="0" y="2892347"/>
-            <a:ext cx="1522412" cy="2365453"/>
-          </a:xfrm>
-          <a:prstGeom prst="rect">
-            <a:avLst/>
-          </a:prstGeom>
-        </p:spPr>
-      </p:pic>
-      <p:sp>
-        <p:nvSpPr>
-          <p:cNvPr id="13" name="Oval 12">
-            <a:extLst>
-              <a:ext uri="{FF2B5EF4-FFF2-40B4-BE49-F238E27FC236}">
-                <a16:creationId xmlns:a16="http://schemas.microsoft.com/office/drawing/2014/main" id="{B9C04DC5-313B-4FE4-B868-5672A376419F}"/>
-              </a:ext>
-              <a:ext uri="{C183D7F6-B498-43B3-948B-1728B52AA6E4}">
-                <adec:decorative xmlns:adec="http://schemas.microsoft.com/office/drawing/2017/decorative" val="1"/>
-              </a:ext>
-            </a:extLst>
-          </p:cNvPr>
-          <p:cNvSpPr>
-            <a:spLocks noGrp="1" noRot="1" noChangeAspect="1" noMove="1" noResize="1" noEditPoints="1" noAdjustHandles="1" noChangeArrowheads="1" noChangeShapeType="1" noTextEdit="1"/>
-          </p:cNvSpPr>
-          <p:nvPr>
-            <p:extLst>
-              <p:ext uri="{386F3935-93C4-4BCD-93E2-E3B085C9AB24}">
-                <p16:designElem xmlns:p16="http://schemas.microsoft.com/office/powerpoint/2015/main" val="1"/>
-              </p:ext>
-            </p:extLst>
-          </p:nvPr>
-        </p:nvSpPr>
-        <p:spPr>
-          <a:xfrm>
-            <a:off x="8609012" y="1676400"/>
-            <a:ext cx="2819400" cy="2819400"/>
+            <a:off x="7402881" y="-816429"/>
+            <a:ext cx="6998919" cy="8870665"/>
           </a:xfrm>
           <a:prstGeom prst="ellipse">
             <a:avLst/>
           </a:prstGeom>
-          <a:gradFill flip="none" rotWithShape="1">
-            <a:gsLst>
-              <a:gs pos="0">
-                <a:schemeClr val="bg2">
-                  <a:lumMod val="40000"/>
-                  <a:lumOff val="60000"/>
-                  <a:alpha val="7000"/>
-                </a:schemeClr>
-              </a:gs>
-              <a:gs pos="69000">
-                <a:schemeClr val="bg2">
-                  <a:lumMod val="40000"/>
-                  <a:lumOff val="60000"/>
-                  <a:alpha val="0"/>
-                </a:schemeClr>
-              </a:gs>
-              <a:gs pos="36000">
-                <a:schemeClr val="bg2">
-                  <a:lumMod val="40000"/>
-                  <a:lumOff val="60000"/>
-                  <a:alpha val="6000"/>
-                </a:schemeClr>
-              </a:gs>
-            </a:gsLst>
-            <a:path path="circle">
-              <a:fillToRect l="50000" t="50000" r="50000" b="50000"/>
-            </a:path>
-            <a:tileRect/>
-          </a:gradFill>
-          <a:ln>
-            <a:noFill/>
-          </a:ln>
-          <a:effectLst/>
-        </p:spPr>
-        <p:style>
-          <a:lnRef idx="1">
-            <a:schemeClr val="accent1"/>
-          </a:lnRef>
-          <a:fillRef idx="3">
-            <a:schemeClr val="accent1"/>
-          </a:fillRef>
-          <a:effectRef idx="2">
-            <a:schemeClr val="accent1"/>
-          </a:effectRef>
-          <a:fontRef idx="minor">
-            <a:schemeClr val="lt1"/>
-          </a:fontRef>
-        </p:style>
-      </p:sp>
-      <p:pic>
-        <p:nvPicPr>
-          <p:cNvPr id="15" name="Picture 14">
-            <a:extLst>
-              <a:ext uri="{FF2B5EF4-FFF2-40B4-BE49-F238E27FC236}">
-                <a16:creationId xmlns:a16="http://schemas.microsoft.com/office/drawing/2014/main" id="{791AE23E-90C9-4963-96E2-8DADBFC3BC09}"/>
-              </a:ext>
-              <a:ext uri="{C183D7F6-B498-43B3-948B-1728B52AA6E4}">
-                <adec:decorative xmlns:adec="http://schemas.microsoft.com/office/drawing/2017/decorative" val="1"/>
-              </a:ext>
-            </a:extLst>
-          </p:cNvPr>
-          <p:cNvPicPr>
-            <a:picLocks noGrp="1" noRot="1" noChangeAspect="1" noMove="1" noResize="1" noEditPoints="1" noAdjustHandles="1" noChangeArrowheads="1" noChangeShapeType="1" noCrop="1"/>
-          </p:cNvPicPr>
-          <p:nvPr>
-            <p:extLst>
-              <p:ext uri="{386F3935-93C4-4BCD-93E2-E3B085C9AB24}">
-                <p16:designElem xmlns:p16="http://schemas.microsoft.com/office/powerpoint/2015/main" val="1"/>
-              </p:ext>
-            </p:extLst>
-          </p:nvPr>
-        </p:nvPicPr>
-        <p:blipFill rotWithShape="1">
-          <a:blip r:embed="rId5">
-            <a:extLst>
-              <a:ext uri="{28A0092B-C50C-407E-A947-70E740481C1C}">
-                <a14:useLocalDpi xmlns:a14="http://schemas.microsoft.com/office/drawing/2010/main" val="0"/>
-              </a:ext>
-            </a:extLst>
-          </a:blip>
-          <a:srcRect t="28813"/>
-          <a:stretch/>
-        </p:blipFill>
-        <p:spPr>
-          <a:xfrm>
-            <a:off x="7999412" y="0"/>
-            <a:ext cx="1603387" cy="1141407"/>
-          </a:xfrm>
-          <a:prstGeom prst="rect">
-            <a:avLst/>
-          </a:prstGeom>
-        </p:spPr>
-      </p:pic>
-      <p:pic>
-        <p:nvPicPr>
-          <p:cNvPr id="17" name="Picture 16">
-            <a:extLst>
-              <a:ext uri="{FF2B5EF4-FFF2-40B4-BE49-F238E27FC236}">
-                <a16:creationId xmlns:a16="http://schemas.microsoft.com/office/drawing/2014/main" id="{C5F93E90-4379-4AAC-B021-E5FA6D974AED}"/>
-              </a:ext>
-              <a:ext uri="{C183D7F6-B498-43B3-948B-1728B52AA6E4}">
-                <adec:decorative xmlns:adec="http://schemas.microsoft.com/office/drawing/2017/decorative" val="1"/>
-              </a:ext>
-            </a:extLst>
-          </p:cNvPr>
-          <p:cNvPicPr>
-            <a:picLocks noGrp="1" noRot="1" noChangeAspect="1" noMove="1" noResize="1" noEditPoints="1" noAdjustHandles="1" noChangeArrowheads="1" noChangeShapeType="1" noCrop="1"/>
-          </p:cNvPicPr>
-          <p:nvPr>
-            <p:extLst>
-              <p:ext uri="{386F3935-93C4-4BCD-93E2-E3B085C9AB24}">
-                <p16:designElem xmlns:p16="http://schemas.microsoft.com/office/powerpoint/2015/main" val="1"/>
-              </p:ext>
-            </p:extLst>
-          </p:nvPr>
-        </p:nvPicPr>
-        <p:blipFill rotWithShape="1">
-          <a:blip r:embed="rId6">
-            <a:extLst>
-              <a:ext uri="{28A0092B-C50C-407E-A947-70E740481C1C}">
-                <a14:useLocalDpi xmlns:a14="http://schemas.microsoft.com/office/drawing/2010/main" val="0"/>
-              </a:ext>
-            </a:extLst>
-          </a:blip>
-          <a:srcRect b="23320"/>
-          <a:stretch/>
-        </p:blipFill>
-        <p:spPr>
-          <a:xfrm>
-            <a:off x="8609012" y="6096000"/>
-            <a:ext cx="993734" cy="762000"/>
-          </a:xfrm>
-          <a:prstGeom prst="rect">
-            <a:avLst/>
-          </a:prstGeom>
-        </p:spPr>
-      </p:pic>
-      <p:sp>
-        <p:nvSpPr>
-          <p:cNvPr id="19" name="Rectangle 18">
-            <a:extLst>
-              <a:ext uri="{FF2B5EF4-FFF2-40B4-BE49-F238E27FC236}">
-                <a16:creationId xmlns:a16="http://schemas.microsoft.com/office/drawing/2014/main" id="{329FDD08-42D8-4AFF-90E5-5DAA5BC4CBD8}"/>
-              </a:ext>
-              <a:ext uri="{C183D7F6-B498-43B3-948B-1728B52AA6E4}">
-                <adec:decorative xmlns:adec="http://schemas.microsoft.com/office/drawing/2017/decorative" val="1"/>
-              </a:ext>
-            </a:extLst>
-          </p:cNvPr>
-          <p:cNvSpPr>
-            <a:spLocks noGrp="1" noRot="1" noChangeAspect="1" noMove="1" noResize="1" noEditPoints="1" noAdjustHandles="1" noChangeArrowheads="1" noChangeShapeType="1" noTextEdit="1"/>
-          </p:cNvSpPr>
-          <p:nvPr>
-            <p:extLst>
-              <p:ext uri="{386F3935-93C4-4BCD-93E2-E3B085C9AB24}">
-                <p16:designElem xmlns:p16="http://schemas.microsoft.com/office/powerpoint/2015/main" val="1"/>
-              </p:ext>
-            </p:extLst>
-          </p:nvPr>
-        </p:nvSpPr>
-        <p:spPr>
-          <a:xfrm>
-            <a:off x="10437812" y="0"/>
-            <a:ext cx="685800" cy="1143000"/>
-          </a:xfrm>
-          <a:prstGeom prst="rect">
-            <a:avLst/>
-          </a:prstGeom>
           <a:solidFill>
-            <a:schemeClr val="accent1"/>
-          </a:solidFill>
-          <a:ln>
-            <a:noFill/>
-          </a:ln>
-        </p:spPr>
-        <p:style>
-          <a:lnRef idx="1">
-            <a:schemeClr val="accent1"/>
-          </a:lnRef>
-          <a:fillRef idx="3">
-            <a:schemeClr val="accent1"/>
-          </a:fillRef>
-          <a:effectRef idx="2">
-            <a:schemeClr val="accent1"/>
-          </a:effectRef>
-          <a:fontRef idx="minor">
-            <a:schemeClr val="lt1"/>
-          </a:fontRef>
-        </p:style>
-      </p:sp>
-      <p:sp>
-        <p:nvSpPr>
-          <p:cNvPr id="21" name="Rectangle 20">
-            <a:extLst>
-              <a:ext uri="{FF2B5EF4-FFF2-40B4-BE49-F238E27FC236}">
-                <a16:creationId xmlns:a16="http://schemas.microsoft.com/office/drawing/2014/main" id="{4C1E981B-F06E-48B4-9275-F4B261AFCAC0}"/>
-              </a:ext>
-              <a:ext uri="{C183D7F6-B498-43B3-948B-1728B52AA6E4}">
-                <adec:decorative xmlns:adec="http://schemas.microsoft.com/office/drawing/2017/decorative" val="1"/>
-              </a:ext>
-            </a:extLst>
-          </p:cNvPr>
-          <p:cNvSpPr>
-            <a:spLocks noGrp="1" noRot="1" noChangeAspect="1" noMove="1" noResize="1" noEditPoints="1" noAdjustHandles="1" noChangeArrowheads="1" noChangeShapeType="1" noTextEdit="1"/>
-          </p:cNvSpPr>
-          <p:nvPr>
-            <p:extLst>
-              <p:ext uri="{386F3935-93C4-4BCD-93E2-E3B085C9AB24}">
-                <p16:designElem xmlns:p16="http://schemas.microsoft.com/office/powerpoint/2015/main" val="1"/>
-              </p:ext>
-            </p:extLst>
-          </p:nvPr>
-        </p:nvSpPr>
-        <p:spPr>
-          <a:xfrm>
-            <a:off x="0" y="0"/>
-            <a:ext cx="7157124" cy="6858000"/>
-          </a:xfrm>
-          <a:prstGeom prst="rect">
-            <a:avLst/>
-          </a:prstGeom>
-          <a:solidFill>
-            <a:srgbClr val="FFFFFF"/>
+            <a:schemeClr val="bg2">
+              <a:lumMod val="60000"/>
+              <a:lumOff val="40000"/>
+              <a:alpha val="27000"/>
+            </a:schemeClr>
           </a:solidFill>
           <a:ln>
             <a:noFill/>
@@ -9468,600 +10789,104 @@
           <a:lstStyle/>
           <a:p>
             <a:pPr algn="ctr"/>
-            <a:endParaRPr lang="en-US"/>
-          </a:p>
-        </p:txBody>
-      </p:sp>
-      <p:sp>
-        <p:nvSpPr>
-          <p:cNvPr id="23" name="Freeform 36">
+            <a:endParaRPr lang="ko-KR" altLang="en-US"/>
+          </a:p>
+        </p:txBody>
+      </p:sp>
+      <p:pic>
+        <p:nvPicPr>
+          <p:cNvPr id="3" name="그림 2"/>
+          <p:cNvPicPr>
+            <a:picLocks noChangeAspect="1"/>
+          </p:cNvPicPr>
+          <p:nvPr/>
+        </p:nvPicPr>
+        <p:blipFill>
+          <a:blip r:embed="rId2">
             <a:extLst>
-              <a:ext uri="{FF2B5EF4-FFF2-40B4-BE49-F238E27FC236}">
-                <a16:creationId xmlns:a16="http://schemas.microsoft.com/office/drawing/2014/main" id="{312E2C24-0CD2-4071-8CE2-B059993A99EF}"/>
-              </a:ext>
-              <a:ext uri="{C183D7F6-B498-43B3-948B-1728B52AA6E4}">
-                <adec:decorative xmlns:adec="http://schemas.microsoft.com/office/drawing/2017/decorative" val="1"/>
+              <a:ext uri="{28A0092B-C50C-407E-A947-70E740481C1C}">
+                <a14:useLocalDpi xmlns:a14="http://schemas.microsoft.com/office/drawing/2010/main" val="0"/>
               </a:ext>
             </a:extLst>
-          </p:cNvPr>
-          <p:cNvSpPr>
-            <a:spLocks noGrp="1" noRot="1" noChangeAspect="1" noMove="1" noResize="1" noEditPoints="1" noAdjustHandles="1" noChangeArrowheads="1" noChangeShapeType="1" noTextEdit="1"/>
-          </p:cNvSpPr>
-          <p:nvPr>
-            <p:extLst>
-              <p:ext uri="{386F3935-93C4-4BCD-93E2-E3B085C9AB24}">
-                <p16:designElem xmlns:p16="http://schemas.microsoft.com/office/powerpoint/2015/main" val="1"/>
-              </p:ext>
-            </p:extLst>
-          </p:nvPr>
-        </p:nvSpPr>
-        <p:spPr>
-          <a:xfrm flipH="1">
-            <a:off x="7463681" y="-1"/>
-            <a:ext cx="559472" cy="3709642"/>
-          </a:xfrm>
-          <a:custGeom>
-            <a:avLst/>
-            <a:gdLst>
-              <a:gd name="connsiteX0" fmla="*/ 0 w 559472"/>
-              <a:gd name="connsiteY0" fmla="*/ 0 h 3709642"/>
-              <a:gd name="connsiteX1" fmla="*/ 473952 w 559472"/>
-              <a:gd name="connsiteY1" fmla="*/ 0 h 3709642"/>
-              <a:gd name="connsiteX2" fmla="*/ 485840 w 559472"/>
-              <a:gd name="connsiteY2" fmla="*/ 161194 h 3709642"/>
-              <a:gd name="connsiteX3" fmla="*/ 523949 w 559472"/>
-              <a:gd name="connsiteY3" fmla="*/ 3672197 h 3709642"/>
-              <a:gd name="connsiteX4" fmla="*/ 454748 w 559472"/>
-              <a:gd name="connsiteY4" fmla="*/ 3709642 h 3709642"/>
-              <a:gd name="connsiteX5" fmla="*/ 448224 w 559472"/>
-              <a:gd name="connsiteY5" fmla="*/ 3510471 h 3709642"/>
-              <a:gd name="connsiteX6" fmla="*/ 443564 w 559472"/>
-              <a:gd name="connsiteY6" fmla="*/ 3408563 h 3709642"/>
-              <a:gd name="connsiteX7" fmla="*/ 438902 w 559472"/>
-              <a:gd name="connsiteY7" fmla="*/ 3304407 h 3709642"/>
-              <a:gd name="connsiteX8" fmla="*/ 433941 w 559472"/>
-              <a:gd name="connsiteY8" fmla="*/ 3198777 h 3709642"/>
-              <a:gd name="connsiteX9" fmla="*/ 427584 w 559472"/>
-              <a:gd name="connsiteY9" fmla="*/ 3092510 h 3709642"/>
-              <a:gd name="connsiteX10" fmla="*/ 420988 w 559472"/>
-              <a:gd name="connsiteY10" fmla="*/ 2984390 h 3709642"/>
-              <a:gd name="connsiteX11" fmla="*/ 414330 w 559472"/>
-              <a:gd name="connsiteY11" fmla="*/ 2874401 h 3709642"/>
-              <a:gd name="connsiteX12" fmla="*/ 406840 w 559472"/>
-              <a:gd name="connsiteY12" fmla="*/ 2762980 h 3709642"/>
-              <a:gd name="connsiteX13" fmla="*/ 397745 w 559472"/>
-              <a:gd name="connsiteY13" fmla="*/ 2650566 h 3709642"/>
-              <a:gd name="connsiteX14" fmla="*/ 389154 w 559472"/>
-              <a:gd name="connsiteY14" fmla="*/ 2536612 h 3709642"/>
-              <a:gd name="connsiteX15" fmla="*/ 379225 w 559472"/>
-              <a:gd name="connsiteY15" fmla="*/ 2421642 h 3709642"/>
-              <a:gd name="connsiteX16" fmla="*/ 368316 w 559472"/>
-              <a:gd name="connsiteY16" fmla="*/ 2305627 h 3709642"/>
-              <a:gd name="connsiteX17" fmla="*/ 357466 w 559472"/>
-              <a:gd name="connsiteY17" fmla="*/ 2189233 h 3709642"/>
-              <a:gd name="connsiteX18" fmla="*/ 344982 w 559472"/>
-              <a:gd name="connsiteY18" fmla="*/ 2071473 h 3709642"/>
-              <a:gd name="connsiteX19" fmla="*/ 332466 w 559472"/>
-              <a:gd name="connsiteY19" fmla="*/ 1952216 h 3709642"/>
-              <a:gd name="connsiteX20" fmla="*/ 319121 w 559472"/>
-              <a:gd name="connsiteY20" fmla="*/ 1833776 h 3709642"/>
-              <a:gd name="connsiteX21" fmla="*/ 304408 w 559472"/>
-              <a:gd name="connsiteY21" fmla="*/ 1713948 h 3709642"/>
-              <a:gd name="connsiteX22" fmla="*/ 288685 w 559472"/>
-              <a:gd name="connsiteY22" fmla="*/ 1592703 h 3709642"/>
-              <a:gd name="connsiteX23" fmla="*/ 273050 w 559472"/>
-              <a:gd name="connsiteY23" fmla="*/ 1471451 h 3709642"/>
-              <a:gd name="connsiteX24" fmla="*/ 255813 w 559472"/>
-              <a:gd name="connsiteY24" fmla="*/ 1350328 h 3709642"/>
-              <a:gd name="connsiteX25" fmla="*/ 237060 w 559472"/>
-              <a:gd name="connsiteY25" fmla="*/ 1227080 h 3709642"/>
-              <a:gd name="connsiteX26" fmla="*/ 218488 w 559472"/>
-              <a:gd name="connsiteY26" fmla="*/ 1106065 h 3709642"/>
-              <a:gd name="connsiteX27" fmla="*/ 198221 w 559472"/>
-              <a:gd name="connsiteY27" fmla="*/ 982940 h 3709642"/>
-              <a:gd name="connsiteX28" fmla="*/ 177152 w 559472"/>
-              <a:gd name="connsiteY28" fmla="*/ 858755 h 3709642"/>
-              <a:gd name="connsiteX29" fmla="*/ 155551 w 559472"/>
-              <a:gd name="connsiteY29" fmla="*/ 736861 h 3709642"/>
-              <a:gd name="connsiteX30" fmla="*/ 131782 w 559472"/>
-              <a:gd name="connsiteY30" fmla="*/ 613645 h 3709642"/>
-              <a:gd name="connsiteX31" fmla="*/ 107123 w 559472"/>
-              <a:gd name="connsiteY31" fmla="*/ 490500 h 3709642"/>
-              <a:gd name="connsiteX32" fmla="*/ 82552 w 559472"/>
-              <a:gd name="connsiteY32" fmla="*/ 367348 h 3709642"/>
-              <a:gd name="connsiteX33" fmla="*/ 55608 w 559472"/>
-              <a:gd name="connsiteY33" fmla="*/ 244762 h 3709642"/>
-              <a:gd name="connsiteX34" fmla="*/ 28130 w 559472"/>
-              <a:gd name="connsiteY34" fmla="*/ 122220 h 3709642"/>
-              <a:gd name="connsiteX35" fmla="*/ 0 w 559472"/>
-              <a:gd name="connsiteY35" fmla="*/ 0 h 3709642"/>
-            </a:gdLst>
-            <a:ahLst/>
-            <a:cxnLst>
-              <a:cxn ang="0">
-                <a:pos x="connsiteX0" y="connsiteY0"/>
-              </a:cxn>
-              <a:cxn ang="0">
-                <a:pos x="connsiteX1" y="connsiteY1"/>
-              </a:cxn>
-              <a:cxn ang="0">
-                <a:pos x="connsiteX2" y="connsiteY2"/>
-              </a:cxn>
-              <a:cxn ang="0">
-                <a:pos x="connsiteX3" y="connsiteY3"/>
-              </a:cxn>
-              <a:cxn ang="0">
-                <a:pos x="connsiteX4" y="connsiteY4"/>
-              </a:cxn>
-              <a:cxn ang="0">
-                <a:pos x="connsiteX5" y="connsiteY5"/>
-              </a:cxn>
-              <a:cxn ang="0">
-                <a:pos x="connsiteX6" y="connsiteY6"/>
-              </a:cxn>
-              <a:cxn ang="0">
-                <a:pos x="connsiteX7" y="connsiteY7"/>
-              </a:cxn>
-              <a:cxn ang="0">
-                <a:pos x="connsiteX8" y="connsiteY8"/>
-              </a:cxn>
-              <a:cxn ang="0">
-                <a:pos x="connsiteX9" y="connsiteY9"/>
-              </a:cxn>
-              <a:cxn ang="0">
-                <a:pos x="connsiteX10" y="connsiteY10"/>
-              </a:cxn>
-              <a:cxn ang="0">
-                <a:pos x="connsiteX11" y="connsiteY11"/>
-              </a:cxn>
-              <a:cxn ang="0">
-                <a:pos x="connsiteX12" y="connsiteY12"/>
-              </a:cxn>
-              <a:cxn ang="0">
-                <a:pos x="connsiteX13" y="connsiteY13"/>
-              </a:cxn>
-              <a:cxn ang="0">
-                <a:pos x="connsiteX14" y="connsiteY14"/>
-              </a:cxn>
-              <a:cxn ang="0">
-                <a:pos x="connsiteX15" y="connsiteY15"/>
-              </a:cxn>
-              <a:cxn ang="0">
-                <a:pos x="connsiteX16" y="connsiteY16"/>
-              </a:cxn>
-              <a:cxn ang="0">
-                <a:pos x="connsiteX17" y="connsiteY17"/>
-              </a:cxn>
-              <a:cxn ang="0">
-                <a:pos x="connsiteX18" y="connsiteY18"/>
-              </a:cxn>
-              <a:cxn ang="0">
-                <a:pos x="connsiteX19" y="connsiteY19"/>
-              </a:cxn>
-              <a:cxn ang="0">
-                <a:pos x="connsiteX20" y="connsiteY20"/>
-              </a:cxn>
-              <a:cxn ang="0">
-                <a:pos x="connsiteX21" y="connsiteY21"/>
-              </a:cxn>
-              <a:cxn ang="0">
-                <a:pos x="connsiteX22" y="connsiteY22"/>
-              </a:cxn>
-              <a:cxn ang="0">
-                <a:pos x="connsiteX23" y="connsiteY23"/>
-              </a:cxn>
-              <a:cxn ang="0">
-                <a:pos x="connsiteX24" y="connsiteY24"/>
-              </a:cxn>
-              <a:cxn ang="0">
-                <a:pos x="connsiteX25" y="connsiteY25"/>
-              </a:cxn>
-              <a:cxn ang="0">
-                <a:pos x="connsiteX26" y="connsiteY26"/>
-              </a:cxn>
-              <a:cxn ang="0">
-                <a:pos x="connsiteX27" y="connsiteY27"/>
-              </a:cxn>
-              <a:cxn ang="0">
-                <a:pos x="connsiteX28" y="connsiteY28"/>
-              </a:cxn>
-              <a:cxn ang="0">
-                <a:pos x="connsiteX29" y="connsiteY29"/>
-              </a:cxn>
-              <a:cxn ang="0">
-                <a:pos x="connsiteX30" y="connsiteY30"/>
-              </a:cxn>
-              <a:cxn ang="0">
-                <a:pos x="connsiteX31" y="connsiteY31"/>
-              </a:cxn>
-              <a:cxn ang="0">
-                <a:pos x="connsiteX32" y="connsiteY32"/>
-              </a:cxn>
-              <a:cxn ang="0">
-                <a:pos x="connsiteX33" y="connsiteY33"/>
-              </a:cxn>
-              <a:cxn ang="0">
-                <a:pos x="connsiteX34" y="connsiteY34"/>
-              </a:cxn>
-              <a:cxn ang="0">
-                <a:pos x="connsiteX35" y="connsiteY35"/>
-              </a:cxn>
-            </a:cxnLst>
-            <a:rect l="l" t="t" r="r" b="b"/>
-            <a:pathLst>
-              <a:path w="559472" h="3709642">
-                <a:moveTo>
-                  <a:pt x="0" y="0"/>
-                </a:moveTo>
-                <a:lnTo>
-                  <a:pt x="473952" y="0"/>
-                </a:lnTo>
-                <a:lnTo>
-                  <a:pt x="485840" y="161194"/>
-                </a:lnTo>
-                <a:cubicBezTo>
-                  <a:pt x="552063" y="1147770"/>
-                  <a:pt x="592441" y="3086737"/>
-                  <a:pt x="523949" y="3672197"/>
-                </a:cubicBezTo>
-                <a:cubicBezTo>
-                  <a:pt x="500842" y="3684557"/>
-                  <a:pt x="477855" y="3697282"/>
-                  <a:pt x="454748" y="3709642"/>
-                </a:cubicBezTo>
-                <a:lnTo>
-                  <a:pt x="448224" y="3510471"/>
-                </a:lnTo>
-                <a:lnTo>
-                  <a:pt x="443564" y="3408563"/>
-                </a:lnTo>
-                <a:lnTo>
-                  <a:pt x="438902" y="3304407"/>
-                </a:lnTo>
-                <a:lnTo>
-                  <a:pt x="433941" y="3198777"/>
-                </a:lnTo>
-                <a:lnTo>
-                  <a:pt x="427584" y="3092510"/>
-                </a:lnTo>
-                <a:lnTo>
-                  <a:pt x="420988" y="2984390"/>
-                </a:lnTo>
-                <a:lnTo>
-                  <a:pt x="414330" y="2874401"/>
-                </a:lnTo>
-                <a:lnTo>
-                  <a:pt x="406840" y="2762980"/>
-                </a:lnTo>
-                <a:lnTo>
-                  <a:pt x="397745" y="2650566"/>
-                </a:lnTo>
-                <a:lnTo>
-                  <a:pt x="389154" y="2536612"/>
-                </a:lnTo>
-                <a:lnTo>
-                  <a:pt x="379225" y="2421642"/>
-                </a:lnTo>
-                <a:lnTo>
-                  <a:pt x="368316" y="2305627"/>
-                </a:lnTo>
-                <a:lnTo>
-                  <a:pt x="357466" y="2189233"/>
-                </a:lnTo>
-                <a:lnTo>
-                  <a:pt x="344982" y="2071473"/>
-                </a:lnTo>
-                <a:lnTo>
-                  <a:pt x="332466" y="1952216"/>
-                </a:lnTo>
-                <a:lnTo>
-                  <a:pt x="319121" y="1833776"/>
-                </a:lnTo>
-                <a:lnTo>
-                  <a:pt x="304408" y="1713948"/>
-                </a:lnTo>
-                <a:lnTo>
-                  <a:pt x="288685" y="1592703"/>
-                </a:lnTo>
-                <a:lnTo>
-                  <a:pt x="273050" y="1471451"/>
-                </a:lnTo>
-                <a:lnTo>
-                  <a:pt x="255813" y="1350328"/>
-                </a:lnTo>
-                <a:lnTo>
-                  <a:pt x="237060" y="1227080"/>
-                </a:lnTo>
-                <a:lnTo>
-                  <a:pt x="218488" y="1106065"/>
-                </a:lnTo>
-                <a:lnTo>
-                  <a:pt x="198221" y="982940"/>
-                </a:lnTo>
-                <a:lnTo>
-                  <a:pt x="177152" y="858755"/>
-                </a:lnTo>
-                <a:lnTo>
-                  <a:pt x="155551" y="736861"/>
-                </a:lnTo>
-                <a:lnTo>
-                  <a:pt x="131782" y="613645"/>
-                </a:lnTo>
-                <a:lnTo>
-                  <a:pt x="107123" y="490500"/>
-                </a:lnTo>
-                <a:lnTo>
-                  <a:pt x="82552" y="367348"/>
-                </a:lnTo>
-                <a:lnTo>
-                  <a:pt x="55608" y="244762"/>
-                </a:lnTo>
-                <a:lnTo>
-                  <a:pt x="28130" y="122220"/>
-                </a:lnTo>
-                <a:lnTo>
-                  <a:pt x="0" y="0"/>
-                </a:lnTo>
-                <a:close/>
-              </a:path>
-            </a:pathLst>
-          </a:custGeom>
-          <a:solidFill>
-            <a:schemeClr val="tx1">
-              <a:alpha val="20000"/>
-            </a:schemeClr>
-          </a:solidFill>
-          <a:ln>
-            <a:noFill/>
-          </a:ln>
-        </p:spPr>
-        <p:txBody>
-          <a:bodyPr rtlCol="0" anchor="ctr"/>
-          <a:lstStyle/>
-          <a:p>
-            <a:pPr algn="ctr"/>
-            <a:endParaRPr lang="en-US"/>
-          </a:p>
-        </p:txBody>
-      </p:sp>
-      <p:sp>
-        <p:nvSpPr>
-          <p:cNvPr id="25" name="Freeform 5">
-            <a:extLst>
-              <a:ext uri="{FF2B5EF4-FFF2-40B4-BE49-F238E27FC236}">
-                <a16:creationId xmlns:a16="http://schemas.microsoft.com/office/drawing/2014/main" id="{24F1DC13-C830-4B86-A9C6-927F5C55DBD7}"/>
-              </a:ext>
-              <a:ext uri="{C183D7F6-B498-43B3-948B-1728B52AA6E4}">
-                <adec:decorative xmlns:adec="http://schemas.microsoft.com/office/drawing/2017/decorative" val="1"/>
-              </a:ext>
-            </a:extLst>
-          </p:cNvPr>
-          <p:cNvSpPr>
-            <a:spLocks noGrp="1" noRot="1" noChangeAspect="1" noMove="1" noResize="1" noEditPoints="1" noAdjustHandles="1" noChangeArrowheads="1" noChangeShapeType="1" noTextEdit="1"/>
-          </p:cNvSpPr>
-          <p:nvPr>
-            <p:extLst>
-              <p:ext uri="{386F3935-93C4-4BCD-93E2-E3B085C9AB24}">
-                <p16:designElem xmlns:p16="http://schemas.microsoft.com/office/powerpoint/2015/main" val="1"/>
-              </p:ext>
-            </p:extLst>
-          </p:nvPr>
-        </p:nvSpPr>
-        <p:spPr bwMode="gray">
-          <a:xfrm rot="5400000" flipH="1">
-            <a:off x="3708596" y="2756642"/>
-            <a:ext cx="6858000" cy="1344715"/>
-          </a:xfrm>
-          <a:custGeom>
-            <a:avLst/>
-            <a:gdLst/>
-            <a:ahLst/>
-            <a:cxnLst/>
-            <a:rect l="l" t="t" r="r" b="b"/>
-            <a:pathLst>
-              <a:path w="10000" h="8000">
-                <a:moveTo>
-                  <a:pt x="0" y="0"/>
-                </a:moveTo>
-                <a:lnTo>
-                  <a:pt x="0" y="7970"/>
-                </a:lnTo>
-                <a:lnTo>
-                  <a:pt x="10000" y="8000"/>
-                </a:lnTo>
-                <a:lnTo>
-                  <a:pt x="10000" y="7"/>
-                </a:lnTo>
-                <a:lnTo>
-                  <a:pt x="10000" y="7"/>
-                </a:lnTo>
-                <a:lnTo>
-                  <a:pt x="9773" y="156"/>
-                </a:lnTo>
-                <a:lnTo>
-                  <a:pt x="9547" y="298"/>
-                </a:lnTo>
-                <a:lnTo>
-                  <a:pt x="9320" y="437"/>
-                </a:lnTo>
-                <a:lnTo>
-                  <a:pt x="9092" y="556"/>
-                </a:lnTo>
-                <a:lnTo>
-                  <a:pt x="8865" y="676"/>
-                </a:lnTo>
-                <a:lnTo>
-                  <a:pt x="8637" y="788"/>
-                </a:lnTo>
-                <a:lnTo>
-                  <a:pt x="8412" y="884"/>
-                </a:lnTo>
-                <a:lnTo>
-                  <a:pt x="8184" y="975"/>
-                </a:lnTo>
-                <a:lnTo>
-                  <a:pt x="7957" y="1058"/>
-                </a:lnTo>
-                <a:lnTo>
-                  <a:pt x="7734" y="1130"/>
-                </a:lnTo>
-                <a:lnTo>
-                  <a:pt x="7508" y="1202"/>
-                </a:lnTo>
-                <a:lnTo>
-                  <a:pt x="7285" y="1262"/>
-                </a:lnTo>
-                <a:lnTo>
-                  <a:pt x="7062" y="1309"/>
-                </a:lnTo>
-                <a:lnTo>
-                  <a:pt x="6840" y="1358"/>
-                </a:lnTo>
-                <a:lnTo>
-                  <a:pt x="6620" y="1399"/>
-                </a:lnTo>
-                <a:lnTo>
-                  <a:pt x="6402" y="1428"/>
-                </a:lnTo>
-                <a:lnTo>
-                  <a:pt x="6184" y="1453"/>
-                </a:lnTo>
-                <a:lnTo>
-                  <a:pt x="5968" y="1477"/>
-                </a:lnTo>
-                <a:lnTo>
-                  <a:pt x="5755" y="1488"/>
-                </a:lnTo>
-                <a:lnTo>
-                  <a:pt x="5542" y="1500"/>
-                </a:lnTo>
-                <a:lnTo>
-                  <a:pt x="5332" y="1506"/>
-                </a:lnTo>
-                <a:lnTo>
-                  <a:pt x="5124" y="1500"/>
-                </a:lnTo>
-                <a:lnTo>
-                  <a:pt x="4918" y="1500"/>
-                </a:lnTo>
-                <a:lnTo>
-                  <a:pt x="4714" y="1488"/>
-                </a:lnTo>
-                <a:lnTo>
-                  <a:pt x="4514" y="1470"/>
-                </a:lnTo>
-                <a:lnTo>
-                  <a:pt x="4316" y="1453"/>
-                </a:lnTo>
-                <a:lnTo>
-                  <a:pt x="4122" y="1434"/>
-                </a:lnTo>
-                <a:lnTo>
-                  <a:pt x="3929" y="1405"/>
-                </a:lnTo>
-                <a:lnTo>
-                  <a:pt x="3739" y="1374"/>
-                </a:lnTo>
-                <a:lnTo>
-                  <a:pt x="3553" y="1346"/>
-                </a:lnTo>
-                <a:lnTo>
-                  <a:pt x="3190" y="1267"/>
-                </a:lnTo>
-                <a:lnTo>
-                  <a:pt x="2842" y="1183"/>
-                </a:lnTo>
-                <a:lnTo>
-                  <a:pt x="2508" y="1095"/>
-                </a:lnTo>
-                <a:lnTo>
-                  <a:pt x="2192" y="998"/>
-                </a:lnTo>
-                <a:lnTo>
-                  <a:pt x="1890" y="897"/>
-                </a:lnTo>
-                <a:lnTo>
-                  <a:pt x="1610" y="788"/>
-                </a:lnTo>
-                <a:lnTo>
-                  <a:pt x="1347" y="681"/>
-                </a:lnTo>
-                <a:lnTo>
-                  <a:pt x="1105" y="574"/>
-                </a:lnTo>
-                <a:lnTo>
-                  <a:pt x="883" y="473"/>
-                </a:lnTo>
-                <a:lnTo>
-                  <a:pt x="686" y="377"/>
-                </a:lnTo>
-                <a:lnTo>
-                  <a:pt x="508" y="286"/>
-                </a:lnTo>
-                <a:lnTo>
-                  <a:pt x="358" y="210"/>
-                </a:lnTo>
-                <a:lnTo>
-                  <a:pt x="232" y="138"/>
-                </a:lnTo>
-                <a:lnTo>
-                  <a:pt x="59" y="35"/>
-                </a:lnTo>
-                <a:lnTo>
-                  <a:pt x="0" y="0"/>
-                </a:lnTo>
-                <a:lnTo>
-                  <a:pt x="0" y="0"/>
-                </a:lnTo>
-                <a:close/>
-              </a:path>
-            </a:pathLst>
-          </a:custGeom>
-          <a:solidFill>
-            <a:srgbClr val="FFFFFF"/>
-          </a:solidFill>
-          <a:ln>
-            <a:noFill/>
-          </a:ln>
-        </p:spPr>
-      </p:sp>
-      <p:pic>
-        <p:nvPicPr>
-          <p:cNvPr id="4" name="Рисунок 4">
-            <a:extLst>
-              <a:ext uri="{FF2B5EF4-FFF2-40B4-BE49-F238E27FC236}">
-                <a16:creationId xmlns:a16="http://schemas.microsoft.com/office/drawing/2014/main" id="{8D898F17-3DF5-4129-B119-CCE93332C35D}"/>
-              </a:ext>
-            </a:extLst>
-          </p:cNvPr>
-          <p:cNvPicPr>
-            <a:picLocks noGrp="1" noChangeAspect="1"/>
-          </p:cNvPicPr>
-          <p:nvPr>
-            <p:ph idx="1"/>
-          </p:nvPr>
-        </p:nvPicPr>
-        <p:blipFill>
-          <a:blip r:embed="rId7"/>
+          </a:blip>
           <a:stretch>
             <a:fillRect/>
           </a:stretch>
         </p:blipFill>
         <p:spPr>
           <a:xfrm>
-            <a:off x="643854" y="1335932"/>
-            <a:ext cx="6270662" cy="4185670"/>
+            <a:off x="820698" y="1583872"/>
+            <a:ext cx="4163006" cy="1848108"/>
           </a:xfrm>
           <a:prstGeom prst="rect">
             <a:avLst/>
           </a:prstGeom>
-          <a:effectLst/>
+        </p:spPr>
+      </p:pic>
+      <p:pic>
+        <p:nvPicPr>
+          <p:cNvPr id="5" name="Picture 4">
+            <a:extLst>
+              <a:ext uri="{FF2B5EF4-FFF2-40B4-BE49-F238E27FC236}">
+                <a16:creationId xmlns:a16="http://schemas.microsoft.com/office/drawing/2014/main" id="{5072B950-9C36-1347-A1E1-D81BB763A13A}"/>
+              </a:ext>
+            </a:extLst>
+          </p:cNvPr>
+          <p:cNvPicPr>
+            <a:picLocks noChangeAspect="1"/>
+          </p:cNvPicPr>
+          <p:nvPr/>
+        </p:nvPicPr>
+        <p:blipFill>
+          <a:blip r:embed="rId3"/>
+          <a:stretch>
+            <a:fillRect/>
+          </a:stretch>
+        </p:blipFill>
+        <p:spPr>
+          <a:xfrm>
+            <a:off x="5509909" y="1583872"/>
+            <a:ext cx="5257800" cy="4546600"/>
+          </a:xfrm>
+          <a:prstGeom prst="rect">
+            <a:avLst/>
+          </a:prstGeom>
         </p:spPr>
       </p:pic>
     </p:spTree>
     <p:extLst>
       <p:ext uri="{BB962C8B-B14F-4D97-AF65-F5344CB8AC3E}">
-        <p14:creationId xmlns:p14="http://schemas.microsoft.com/office/powerpoint/2010/main" val="2760753889"/>
+        <p14:creationId xmlns:p14="http://schemas.microsoft.com/office/powerpoint/2010/main" val="825894679"/>
+      </p:ext>
+    </p:extLst>
+  </p:cSld>
+  <p:clrMapOvr>
+    <a:masterClrMapping/>
+  </p:clrMapOvr>
+</p:sld>
+</file>
+
+<file path=ppt/slides/slide9.xml><?xml version="1.0" encoding="utf-8"?>
+<p:sld xmlns:a="http://schemas.openxmlformats.org/drawingml/2006/main" xmlns:r="http://schemas.openxmlformats.org/officeDocument/2006/relationships" xmlns:p="http://schemas.openxmlformats.org/presentationml/2006/main">
+  <p:cSld>
+    <p:spTree>
+      <p:nvGrpSpPr>
+        <p:cNvPr id="1" name=""/>
+        <p:cNvGrpSpPr/>
+        <p:nvPr/>
+      </p:nvGrpSpPr>
+      <p:grpSpPr>
+        <a:xfrm>
+          <a:off x="0" y="0"/>
+          <a:ext cx="0" cy="0"/>
+          <a:chOff x="0" y="0"/>
+          <a:chExt cx="0" cy="0"/>
+        </a:xfrm>
+      </p:grpSpPr>
+    </p:spTree>
+    <p:extLst>
+      <p:ext uri="{BB962C8B-B14F-4D97-AF65-F5344CB8AC3E}">
+        <p14:creationId xmlns:p14="http://schemas.microsoft.com/office/powerpoint/2010/main" val="1176609989"/>
       </p:ext>
     </p:extLst>
   </p:cSld>

--- a/Презентация.pptx
+++ b/Презентация.pptx
@@ -11,11 +11,16 @@
     <p:sldId id="259" r:id="rId5"/>
     <p:sldId id="260" r:id="rId6"/>
     <p:sldId id="263" r:id="rId7"/>
-    <p:sldId id="267" r:id="rId8"/>
-    <p:sldId id="264" r:id="rId9"/>
-    <p:sldId id="266" r:id="rId10"/>
+    <p:sldId id="264" r:id="rId8"/>
+    <p:sldId id="266" r:id="rId9"/>
+    <p:sldId id="268" r:id="rId10"/>
     <p:sldId id="265" r:id="rId11"/>
-    <p:sldId id="261" r:id="rId12"/>
+    <p:sldId id="269" r:id="rId12"/>
+    <p:sldId id="270" r:id="rId13"/>
+    <p:sldId id="271" r:id="rId14"/>
+    <p:sldId id="272" r:id="rId15"/>
+    <p:sldId id="273" r:id="rId16"/>
+    <p:sldId id="261" r:id="rId17"/>
   </p:sldIdLst>
   <p:sldSz cx="12192000" cy="6858000"/>
   <p:notesSz cx="6858000" cy="9144000"/>
@@ -115,6 +120,30 @@
     </a:lvl9pPr>
   </p:defaultTextStyle>
   <p:extLst>
+    <p:ext uri="{521415D9-36F7-43E2-AB2F-B90AF26B5E84}">
+      <p14:sectionLst xmlns:p14="http://schemas.microsoft.com/office/powerpoint/2010/main">
+        <p14:section name="Default Section" id="{71E8C573-9E14-F04D-A0FA-0F5E38065F95}">
+          <p14:sldIdLst>
+            <p14:sldId id="256"/>
+            <p14:sldId id="257"/>
+            <p14:sldId id="258"/>
+            <p14:sldId id="259"/>
+            <p14:sldId id="260"/>
+            <p14:sldId id="263"/>
+            <p14:sldId id="264"/>
+            <p14:sldId id="266"/>
+            <p14:sldId id="268"/>
+            <p14:sldId id="265"/>
+            <p14:sldId id="269"/>
+            <p14:sldId id="270"/>
+            <p14:sldId id="271"/>
+            <p14:sldId id="272"/>
+            <p14:sldId id="273"/>
+            <p14:sldId id="261"/>
+          </p14:sldIdLst>
+        </p14:section>
+      </p14:sectionLst>
+    </p:ext>
     <p:ext uri="{EFAFB233-063F-42B5-8137-9DF3F51BA10A}">
       <p15:sldGuideLst xmlns:p15="http://schemas.microsoft.com/office/powerpoint/2012/main"/>
     </p:ext>
@@ -6679,6 +6708,14 @@
 <file path=ppt/slides/slide10.xml><?xml version="1.0" encoding="utf-8"?>
 <p:sld xmlns:a="http://schemas.openxmlformats.org/drawingml/2006/main" xmlns:r="http://schemas.openxmlformats.org/officeDocument/2006/relationships" xmlns:p="http://schemas.openxmlformats.org/presentationml/2006/main">
   <p:cSld>
+    <p:bg>
+      <p:bgPr>
+        <a:solidFill>
+          <a:schemeClr val="bg1"/>
+        </a:solidFill>
+        <a:effectLst/>
+      </p:bgPr>
+    </p:bg>
     <p:spTree>
       <p:nvGrpSpPr>
         <p:cNvPr id="1" name=""/>
@@ -6695,23 +6732,39 @@
       </p:grpSpPr>
       <p:sp>
         <p:nvSpPr>
-          <p:cNvPr id="2" name="타원 1"/>
-          <p:cNvSpPr/>
-          <p:nvPr/>
-        </p:nvSpPr>
-        <p:spPr>
-          <a:xfrm>
-            <a:off x="7402881" y="-816429"/>
-            <a:ext cx="6998919" cy="8870665"/>
-          </a:xfrm>
-          <a:prstGeom prst="ellipse">
+          <p:cNvPr id="37" name="Rectangle 36">
+            <a:extLst>
+              <a:ext uri="{FF2B5EF4-FFF2-40B4-BE49-F238E27FC236}">
+                <a16:creationId xmlns:a16="http://schemas.microsoft.com/office/drawing/2014/main" id="{56827C3C-D52F-46CE-A441-3CD6A1A6A0A2}"/>
+              </a:ext>
+              <a:ext uri="{C183D7F6-B498-43B3-948B-1728B52AA6E4}">
+                <adec:decorative xmlns:adec="http://schemas.microsoft.com/office/drawing/2017/decorative" val="1"/>
+              </a:ext>
+            </a:extLst>
+          </p:cNvPr>
+          <p:cNvSpPr>
+            <a:spLocks noGrp="1" noRot="1" noChangeAspect="1" noMove="1" noResize="1" noEditPoints="1" noAdjustHandles="1" noChangeArrowheads="1" noChangeShapeType="1" noTextEdit="1"/>
+          </p:cNvSpPr>
+          <p:nvPr>
+            <p:extLst>
+              <p:ext uri="{386F3935-93C4-4BCD-93E2-E3B085C9AB24}">
+                <p16:designElem xmlns:p16="http://schemas.microsoft.com/office/powerpoint/2015/main" val="1"/>
+              </p:ext>
+            </p:extLst>
+          </p:nvPr>
+        </p:nvSpPr>
+        <p:spPr>
+          <a:xfrm>
+            <a:off x="3137" y="0"/>
+            <a:ext cx="12192000" cy="6858000"/>
+          </a:xfrm>
+          <a:prstGeom prst="rect">
             <a:avLst/>
           </a:prstGeom>
           <a:solidFill>
-            <a:schemeClr val="bg2">
-              <a:lumMod val="60000"/>
-              <a:lumOff val="40000"/>
-              <a:alpha val="27000"/>
+            <a:schemeClr val="bg1">
+              <a:lumMod val="85000"/>
+              <a:alpha val="90000"/>
             </a:schemeClr>
           </a:solidFill>
           <a:ln>
@@ -6739,10 +6792,310 @@
           <a:lstStyle/>
           <a:p>
             <a:pPr algn="ctr"/>
-            <a:endParaRPr lang="ko-KR" altLang="en-US"/>
-          </a:p>
-        </p:txBody>
-      </p:sp>
+            <a:endParaRPr lang="en-US"/>
+          </a:p>
+        </p:txBody>
+      </p:sp>
+      <p:sp>
+        <p:nvSpPr>
+          <p:cNvPr id="39" name="Rectangle 38">
+            <a:extLst>
+              <a:ext uri="{FF2B5EF4-FFF2-40B4-BE49-F238E27FC236}">
+                <a16:creationId xmlns:a16="http://schemas.microsoft.com/office/drawing/2014/main" id="{F52A8B51-0A89-497B-B882-6658E029A3F9}"/>
+              </a:ext>
+              <a:ext uri="{C183D7F6-B498-43B3-948B-1728B52AA6E4}">
+                <adec:decorative xmlns:adec="http://schemas.microsoft.com/office/drawing/2017/decorative" val="1"/>
+              </a:ext>
+            </a:extLst>
+          </p:cNvPr>
+          <p:cNvSpPr>
+            <a:spLocks noGrp="1" noRot="1" noChangeAspect="1" noMove="1" noResize="1" noEditPoints="1" noAdjustHandles="1" noChangeArrowheads="1" noChangeShapeType="1" noTextEdit="1"/>
+          </p:cNvSpPr>
+          <p:nvPr>
+            <p:extLst>
+              <p:ext uri="{386F3935-93C4-4BCD-93E2-E3B085C9AB24}">
+                <p16:designElem xmlns:p16="http://schemas.microsoft.com/office/powerpoint/2015/main" val="1"/>
+              </p:ext>
+            </p:extLst>
+          </p:nvPr>
+        </p:nvSpPr>
+        <p:spPr>
+          <a:xfrm>
+            <a:off x="643467" y="643466"/>
+            <a:ext cx="3522548" cy="5571067"/>
+          </a:xfrm>
+          <a:prstGeom prst="rect">
+            <a:avLst/>
+          </a:prstGeom>
+          <a:solidFill>
+            <a:srgbClr val="FFFFFF"/>
+          </a:solidFill>
+          <a:ln w="9525">
+            <a:noFill/>
+          </a:ln>
+          <a:effectLst>
+            <a:outerShdw blurRad="63500" dist="17780" dir="5400000" algn="t" rotWithShape="0">
+              <a:prstClr val="black">
+                <a:alpha val="43000"/>
+              </a:prstClr>
+            </a:outerShdw>
+          </a:effectLst>
+        </p:spPr>
+        <p:style>
+          <a:lnRef idx="2">
+            <a:schemeClr val="accent1">
+              <a:shade val="50000"/>
+            </a:schemeClr>
+          </a:lnRef>
+          <a:fillRef idx="1">
+            <a:schemeClr val="accent1"/>
+          </a:fillRef>
+          <a:effectRef idx="0">
+            <a:schemeClr val="accent1"/>
+          </a:effectRef>
+          <a:fontRef idx="minor">
+            <a:schemeClr val="lt1"/>
+          </a:fontRef>
+        </p:style>
+        <p:txBody>
+          <a:bodyPr rtlCol="0" anchor="ctr"/>
+          <a:lstStyle/>
+          <a:p>
+            <a:pPr algn="ctr"/>
+            <a:endParaRPr lang="en-US"/>
+          </a:p>
+        </p:txBody>
+      </p:sp>
+      <p:pic>
+        <p:nvPicPr>
+          <p:cNvPr id="6" name="Picture 5">
+            <a:extLst>
+              <a:ext uri="{FF2B5EF4-FFF2-40B4-BE49-F238E27FC236}">
+                <a16:creationId xmlns:a16="http://schemas.microsoft.com/office/drawing/2014/main" id="{A26BCB0B-E42B-914F-BF5D-3F764CD076F5}"/>
+              </a:ext>
+            </a:extLst>
+          </p:cNvPr>
+          <p:cNvPicPr>
+            <a:picLocks noChangeAspect="1"/>
+          </p:cNvPicPr>
+          <p:nvPr/>
+        </p:nvPicPr>
+        <p:blipFill>
+          <a:blip r:embed="rId2"/>
+          <a:stretch>
+            <a:fillRect/>
+          </a:stretch>
+        </p:blipFill>
+        <p:spPr>
+          <a:xfrm>
+            <a:off x="1579368" y="965199"/>
+            <a:ext cx="1650746" cy="4927601"/>
+          </a:xfrm>
+          <a:prstGeom prst="rect">
+            <a:avLst/>
+          </a:prstGeom>
+        </p:spPr>
+      </p:pic>
+      <p:sp>
+        <p:nvSpPr>
+          <p:cNvPr id="44" name="Rectangle 40">
+            <a:extLst>
+              <a:ext uri="{FF2B5EF4-FFF2-40B4-BE49-F238E27FC236}">
+                <a16:creationId xmlns:a16="http://schemas.microsoft.com/office/drawing/2014/main" id="{EB1CEFBF-6F09-4052-862B-E219DA15757E}"/>
+              </a:ext>
+              <a:ext uri="{C183D7F6-B498-43B3-948B-1728B52AA6E4}">
+                <adec:decorative xmlns:adec="http://schemas.microsoft.com/office/drawing/2017/decorative" val="1"/>
+              </a:ext>
+            </a:extLst>
+          </p:cNvPr>
+          <p:cNvSpPr>
+            <a:spLocks noGrp="1" noRot="1" noChangeAspect="1" noMove="1" noResize="1" noEditPoints="1" noAdjustHandles="1" noChangeArrowheads="1" noChangeShapeType="1" noTextEdit="1"/>
+          </p:cNvSpPr>
+          <p:nvPr>
+            <p:extLst>
+              <p:ext uri="{386F3935-93C4-4BCD-93E2-E3B085C9AB24}">
+                <p16:designElem xmlns:p16="http://schemas.microsoft.com/office/powerpoint/2015/main" val="1"/>
+              </p:ext>
+            </p:extLst>
+          </p:nvPr>
+        </p:nvSpPr>
+        <p:spPr>
+          <a:xfrm>
+            <a:off x="4326882" y="643466"/>
+            <a:ext cx="3522548" cy="5571067"/>
+          </a:xfrm>
+          <a:prstGeom prst="rect">
+            <a:avLst/>
+          </a:prstGeom>
+          <a:solidFill>
+            <a:srgbClr val="FFFFFF"/>
+          </a:solidFill>
+          <a:ln w="9525">
+            <a:noFill/>
+          </a:ln>
+          <a:effectLst>
+            <a:outerShdw blurRad="63500" dist="17780" dir="5400000" algn="t" rotWithShape="0">
+              <a:prstClr val="black">
+                <a:alpha val="43000"/>
+              </a:prstClr>
+            </a:outerShdw>
+          </a:effectLst>
+        </p:spPr>
+        <p:style>
+          <a:lnRef idx="2">
+            <a:schemeClr val="accent1">
+              <a:shade val="50000"/>
+            </a:schemeClr>
+          </a:lnRef>
+          <a:fillRef idx="1">
+            <a:schemeClr val="accent1"/>
+          </a:fillRef>
+          <a:effectRef idx="0">
+            <a:schemeClr val="accent1"/>
+          </a:effectRef>
+          <a:fontRef idx="minor">
+            <a:schemeClr val="lt1"/>
+          </a:fontRef>
+        </p:style>
+        <p:txBody>
+          <a:bodyPr rtlCol="0" anchor="ctr"/>
+          <a:lstStyle/>
+          <a:p>
+            <a:pPr algn="ctr"/>
+            <a:endParaRPr lang="en-US"/>
+          </a:p>
+        </p:txBody>
+      </p:sp>
+      <p:pic>
+        <p:nvPicPr>
+          <p:cNvPr id="4" name="Picture 3">
+            <a:extLst>
+              <a:ext uri="{FF2B5EF4-FFF2-40B4-BE49-F238E27FC236}">
+                <a16:creationId xmlns:a16="http://schemas.microsoft.com/office/drawing/2014/main" id="{66A15A2C-BA73-5540-BAF2-2475C2358809}"/>
+              </a:ext>
+            </a:extLst>
+          </p:cNvPr>
+          <p:cNvPicPr>
+            <a:picLocks noChangeAspect="1"/>
+          </p:cNvPicPr>
+          <p:nvPr/>
+        </p:nvPicPr>
+        <p:blipFill>
+          <a:blip r:embed="rId3"/>
+          <a:stretch>
+            <a:fillRect/>
+          </a:stretch>
+        </p:blipFill>
+        <p:spPr>
+          <a:xfrm>
+            <a:off x="4647976" y="2298966"/>
+            <a:ext cx="2880360" cy="2261081"/>
+          </a:xfrm>
+          <a:prstGeom prst="rect">
+            <a:avLst/>
+          </a:prstGeom>
+        </p:spPr>
+      </p:pic>
+      <p:sp>
+        <p:nvSpPr>
+          <p:cNvPr id="43" name="Rectangle 42">
+            <a:extLst>
+              <a:ext uri="{FF2B5EF4-FFF2-40B4-BE49-F238E27FC236}">
+                <a16:creationId xmlns:a16="http://schemas.microsoft.com/office/drawing/2014/main" id="{BCB5D417-2A71-445D-B4C7-9E814D633D33}"/>
+              </a:ext>
+              <a:ext uri="{C183D7F6-B498-43B3-948B-1728B52AA6E4}">
+                <adec:decorative xmlns:adec="http://schemas.microsoft.com/office/drawing/2017/decorative" val="1"/>
+              </a:ext>
+            </a:extLst>
+          </p:cNvPr>
+          <p:cNvSpPr>
+            <a:spLocks noGrp="1" noRot="1" noChangeAspect="1" noMove="1" noResize="1" noEditPoints="1" noAdjustHandles="1" noChangeArrowheads="1" noChangeShapeType="1" noTextEdit="1"/>
+          </p:cNvSpPr>
+          <p:nvPr>
+            <p:extLst>
+              <p:ext uri="{386F3935-93C4-4BCD-93E2-E3B085C9AB24}">
+                <p16:designElem xmlns:p16="http://schemas.microsoft.com/office/powerpoint/2015/main" val="1"/>
+              </p:ext>
+            </p:extLst>
+          </p:nvPr>
+        </p:nvSpPr>
+        <p:spPr>
+          <a:xfrm>
+            <a:off x="8022847" y="643466"/>
+            <a:ext cx="3522548" cy="5571067"/>
+          </a:xfrm>
+          <a:prstGeom prst="rect">
+            <a:avLst/>
+          </a:prstGeom>
+          <a:solidFill>
+            <a:srgbClr val="FFFFFF"/>
+          </a:solidFill>
+          <a:ln w="9525">
+            <a:noFill/>
+          </a:ln>
+          <a:effectLst>
+            <a:outerShdw blurRad="63500" dist="17780" dir="5400000" algn="t" rotWithShape="0">
+              <a:prstClr val="black">
+                <a:alpha val="43000"/>
+              </a:prstClr>
+            </a:outerShdw>
+          </a:effectLst>
+        </p:spPr>
+        <p:style>
+          <a:lnRef idx="2">
+            <a:schemeClr val="accent1">
+              <a:shade val="50000"/>
+            </a:schemeClr>
+          </a:lnRef>
+          <a:fillRef idx="1">
+            <a:schemeClr val="accent1"/>
+          </a:fillRef>
+          <a:effectRef idx="0">
+            <a:schemeClr val="accent1"/>
+          </a:effectRef>
+          <a:fontRef idx="minor">
+            <a:schemeClr val="lt1"/>
+          </a:fontRef>
+        </p:style>
+        <p:txBody>
+          <a:bodyPr rtlCol="0" anchor="ctr"/>
+          <a:lstStyle/>
+          <a:p>
+            <a:pPr algn="ctr"/>
+            <a:endParaRPr lang="en-US"/>
+          </a:p>
+        </p:txBody>
+      </p:sp>
+      <p:pic>
+        <p:nvPicPr>
+          <p:cNvPr id="8" name="Picture 7">
+            <a:extLst>
+              <a:ext uri="{FF2B5EF4-FFF2-40B4-BE49-F238E27FC236}">
+                <a16:creationId xmlns:a16="http://schemas.microsoft.com/office/drawing/2014/main" id="{06B7F516-1EEE-9143-86EF-666C15096938}"/>
+              </a:ext>
+            </a:extLst>
+          </p:cNvPr>
+          <p:cNvPicPr>
+            <a:picLocks noChangeAspect="1"/>
+          </p:cNvPicPr>
+          <p:nvPr/>
+        </p:nvPicPr>
+        <p:blipFill>
+          <a:blip r:embed="rId4"/>
+          <a:stretch>
+            <a:fillRect/>
+          </a:stretch>
+        </p:blipFill>
+        <p:spPr>
+          <a:xfrm>
+            <a:off x="8343941" y="2892532"/>
+            <a:ext cx="2880360" cy="1072934"/>
+          </a:xfrm>
+          <a:prstGeom prst="rect">
+            <a:avLst/>
+          </a:prstGeom>
+        </p:spPr>
+      </p:pic>
     </p:spTree>
     <p:extLst>
       <p:ext uri="{BB962C8B-B14F-4D97-AF65-F5344CB8AC3E}">
@@ -6757,6 +7110,1541 @@
 </file>
 
 <file path=ppt/slides/slide11.xml><?xml version="1.0" encoding="utf-8"?>
+<p:sld xmlns:a="http://schemas.openxmlformats.org/drawingml/2006/main" xmlns:r="http://schemas.openxmlformats.org/officeDocument/2006/relationships" xmlns:p="http://schemas.openxmlformats.org/presentationml/2006/main">
+  <p:cSld>
+    <p:bg>
+      <p:bgPr>
+        <a:blipFill rotWithShape="1">
+          <a:blip r:embed="rId2">
+            <a:duotone>
+              <a:schemeClr val="bg2">
+                <a:shade val="69000"/>
+                <a:hueMod val="108000"/>
+                <a:satMod val="164000"/>
+                <a:lumMod val="74000"/>
+              </a:schemeClr>
+              <a:schemeClr val="bg2">
+                <a:tint val="96000"/>
+                <a:hueMod val="88000"/>
+                <a:satMod val="140000"/>
+                <a:lumMod val="132000"/>
+              </a:schemeClr>
+            </a:duotone>
+            <a:extLst/>
+          </a:blip>
+          <a:stretch/>
+        </a:blipFill>
+        <a:effectLst/>
+      </p:bgPr>
+    </p:bg>
+    <p:spTree>
+      <p:nvGrpSpPr>
+        <p:cNvPr id="1" name=""/>
+        <p:cNvGrpSpPr/>
+        <p:nvPr/>
+      </p:nvGrpSpPr>
+      <p:grpSpPr>
+        <a:xfrm>
+          <a:off x="0" y="0"/>
+          <a:ext cx="0" cy="0"/>
+          <a:chOff x="0" y="0"/>
+          <a:chExt cx="0" cy="0"/>
+        </a:xfrm>
+      </p:grpSpPr>
+      <p:sp>
+        <p:nvSpPr>
+          <p:cNvPr id="10" name="Rectangle 9">
+            <a:extLst>
+              <a:ext uri="{FF2B5EF4-FFF2-40B4-BE49-F238E27FC236}">
+                <a16:creationId xmlns:a16="http://schemas.microsoft.com/office/drawing/2014/main" id="{B77F70CF-51B7-4A07-A16B-70DFA49427F9}"/>
+              </a:ext>
+              <a:ext uri="{C183D7F6-B498-43B3-948B-1728B52AA6E4}">
+                <adec:decorative xmlns:adec="http://schemas.microsoft.com/office/drawing/2017/decorative" val="1"/>
+              </a:ext>
+            </a:extLst>
+          </p:cNvPr>
+          <p:cNvSpPr>
+            <a:spLocks noGrp="1" noRot="1" noChangeAspect="1" noMove="1" noResize="1" noEditPoints="1" noAdjustHandles="1" noChangeArrowheads="1" noChangeShapeType="1" noTextEdit="1"/>
+          </p:cNvSpPr>
+          <p:nvPr>
+            <p:extLst>
+              <p:ext uri="{386F3935-93C4-4BCD-93E2-E3B085C9AB24}">
+                <p16:designElem xmlns:p16="http://schemas.microsoft.com/office/powerpoint/2015/main" val="1"/>
+              </p:ext>
+            </p:extLst>
+          </p:nvPr>
+        </p:nvSpPr>
+        <p:spPr>
+          <a:xfrm>
+            <a:off x="0" y="0"/>
+            <a:ext cx="12192000" cy="6858000"/>
+          </a:xfrm>
+          <a:prstGeom prst="rect">
+            <a:avLst/>
+          </a:prstGeom>
+          <a:solidFill>
+            <a:schemeClr val="bg2"/>
+          </a:solidFill>
+          <a:ln>
+            <a:noFill/>
+          </a:ln>
+        </p:spPr>
+        <p:style>
+          <a:lnRef idx="2">
+            <a:schemeClr val="accent1">
+              <a:shade val="50000"/>
+            </a:schemeClr>
+          </a:lnRef>
+          <a:fillRef idx="1">
+            <a:schemeClr val="accent1"/>
+          </a:fillRef>
+          <a:effectRef idx="0">
+            <a:schemeClr val="accent1"/>
+          </a:effectRef>
+          <a:fontRef idx="minor">
+            <a:schemeClr val="lt1"/>
+          </a:fontRef>
+        </p:style>
+        <p:txBody>
+          <a:bodyPr rtlCol="0" anchor="ctr"/>
+          <a:lstStyle/>
+          <a:p>
+            <a:pPr algn="ctr"/>
+            <a:endParaRPr lang="en-US" dirty="0"/>
+          </a:p>
+        </p:txBody>
+      </p:sp>
+      <p:sp>
+        <p:nvSpPr>
+          <p:cNvPr id="12" name="Rectangle 11">
+            <a:extLst>
+              <a:ext uri="{FF2B5EF4-FFF2-40B4-BE49-F238E27FC236}">
+                <a16:creationId xmlns:a16="http://schemas.microsoft.com/office/drawing/2014/main" id="{C98594B0-DC7B-4BAF-B0F2-8557CBDE6BE6}"/>
+              </a:ext>
+              <a:ext uri="{C183D7F6-B498-43B3-948B-1728B52AA6E4}">
+                <adec:decorative xmlns:adec="http://schemas.microsoft.com/office/drawing/2017/decorative" val="1"/>
+              </a:ext>
+            </a:extLst>
+          </p:cNvPr>
+          <p:cNvSpPr>
+            <a:spLocks noGrp="1" noRot="1" noChangeAspect="1" noMove="1" noResize="1" noEditPoints="1" noAdjustHandles="1" noChangeArrowheads="1" noChangeShapeType="1" noTextEdit="1"/>
+          </p:cNvSpPr>
+          <p:nvPr>
+            <p:extLst>
+              <p:ext uri="{386F3935-93C4-4BCD-93E2-E3B085C9AB24}">
+                <p16:designElem xmlns:p16="http://schemas.microsoft.com/office/powerpoint/2015/main" val="1"/>
+              </p:ext>
+            </p:extLst>
+          </p:nvPr>
+        </p:nvSpPr>
+        <p:spPr>
+          <a:xfrm>
+            <a:off x="477012" y="480060"/>
+            <a:ext cx="4661461" cy="5897880"/>
+          </a:xfrm>
+          <a:prstGeom prst="rect">
+            <a:avLst/>
+          </a:prstGeom>
+          <a:solidFill>
+            <a:srgbClr val="FFFFFF"/>
+          </a:solidFill>
+          <a:ln w="22225">
+            <a:solidFill>
+              <a:schemeClr val="tx1">
+                <a:lumMod val="50000"/>
+                <a:lumOff val="50000"/>
+              </a:schemeClr>
+            </a:solidFill>
+          </a:ln>
+        </p:spPr>
+        <p:style>
+          <a:lnRef idx="2">
+            <a:schemeClr val="accent1">
+              <a:shade val="50000"/>
+            </a:schemeClr>
+          </a:lnRef>
+          <a:fillRef idx="1">
+            <a:schemeClr val="accent1"/>
+          </a:fillRef>
+          <a:effectRef idx="0">
+            <a:schemeClr val="accent1"/>
+          </a:effectRef>
+          <a:fontRef idx="minor">
+            <a:schemeClr val="lt1"/>
+          </a:fontRef>
+        </p:style>
+        <p:txBody>
+          <a:bodyPr rtlCol="0" anchor="ctr"/>
+          <a:lstStyle/>
+          <a:p>
+            <a:pPr algn="ctr"/>
+            <a:endParaRPr lang="en-US"/>
+          </a:p>
+        </p:txBody>
+      </p:sp>
+      <p:pic>
+        <p:nvPicPr>
+          <p:cNvPr id="5" name="Picture 4">
+            <a:extLst>
+              <a:ext uri="{FF2B5EF4-FFF2-40B4-BE49-F238E27FC236}">
+                <a16:creationId xmlns:a16="http://schemas.microsoft.com/office/drawing/2014/main" id="{26A7B165-AE8B-C648-A761-18AAEE1CECAC}"/>
+              </a:ext>
+            </a:extLst>
+          </p:cNvPr>
+          <p:cNvPicPr>
+            <a:picLocks noChangeAspect="1"/>
+          </p:cNvPicPr>
+          <p:nvPr/>
+        </p:nvPicPr>
+        <p:blipFill>
+          <a:blip r:embed="rId3"/>
+          <a:stretch>
+            <a:fillRect/>
+          </a:stretch>
+        </p:blipFill>
+        <p:spPr>
+          <a:xfrm>
+            <a:off x="643466" y="1383320"/>
+            <a:ext cx="4329482" cy="4091359"/>
+          </a:xfrm>
+          <a:prstGeom prst="rect">
+            <a:avLst/>
+          </a:prstGeom>
+        </p:spPr>
+      </p:pic>
+      <p:sp>
+        <p:nvSpPr>
+          <p:cNvPr id="14" name="Rectangle 13">
+            <a:extLst>
+              <a:ext uri="{FF2B5EF4-FFF2-40B4-BE49-F238E27FC236}">
+                <a16:creationId xmlns:a16="http://schemas.microsoft.com/office/drawing/2014/main" id="{27A76E6C-02DD-4FDA-9F96-21BD3F4E45B7}"/>
+              </a:ext>
+              <a:ext uri="{C183D7F6-B498-43B3-948B-1728B52AA6E4}">
+                <adec:decorative xmlns:adec="http://schemas.microsoft.com/office/drawing/2017/decorative" val="1"/>
+              </a:ext>
+            </a:extLst>
+          </p:cNvPr>
+          <p:cNvSpPr>
+            <a:spLocks noGrp="1" noRot="1" noChangeAspect="1" noMove="1" noResize="1" noEditPoints="1" noAdjustHandles="1" noChangeArrowheads="1" noChangeShapeType="1" noTextEdit="1"/>
+          </p:cNvSpPr>
+          <p:nvPr>
+            <p:extLst>
+              <p:ext uri="{386F3935-93C4-4BCD-93E2-E3B085C9AB24}">
+                <p16:designElem xmlns:p16="http://schemas.microsoft.com/office/powerpoint/2015/main" val="1"/>
+              </p:ext>
+            </p:extLst>
+          </p:nvPr>
+        </p:nvSpPr>
+        <p:spPr>
+          <a:xfrm>
+            <a:off x="5299341" y="480060"/>
+            <a:ext cx="4661460" cy="5897880"/>
+          </a:xfrm>
+          <a:prstGeom prst="rect">
+            <a:avLst/>
+          </a:prstGeom>
+          <a:solidFill>
+            <a:srgbClr val="FFFFFF"/>
+          </a:solidFill>
+          <a:ln w="22225">
+            <a:solidFill>
+              <a:schemeClr val="tx1">
+                <a:lumMod val="50000"/>
+                <a:lumOff val="50000"/>
+              </a:schemeClr>
+            </a:solidFill>
+          </a:ln>
+        </p:spPr>
+        <p:style>
+          <a:lnRef idx="2">
+            <a:schemeClr val="accent1">
+              <a:shade val="50000"/>
+            </a:schemeClr>
+          </a:lnRef>
+          <a:fillRef idx="1">
+            <a:schemeClr val="accent1"/>
+          </a:fillRef>
+          <a:effectRef idx="0">
+            <a:schemeClr val="accent1"/>
+          </a:effectRef>
+          <a:fontRef idx="minor">
+            <a:schemeClr val="lt1"/>
+          </a:fontRef>
+        </p:style>
+        <p:txBody>
+          <a:bodyPr rtlCol="0" anchor="ctr"/>
+          <a:lstStyle/>
+          <a:p>
+            <a:pPr algn="ctr"/>
+            <a:endParaRPr lang="en-US"/>
+          </a:p>
+        </p:txBody>
+      </p:sp>
+      <p:sp>
+        <p:nvSpPr>
+          <p:cNvPr id="16" name="Rectangle 15">
+            <a:extLst>
+              <a:ext uri="{FF2B5EF4-FFF2-40B4-BE49-F238E27FC236}">
+                <a16:creationId xmlns:a16="http://schemas.microsoft.com/office/drawing/2014/main" id="{D4D9AAD4-B929-4AE3-A27C-651AF2069ED0}"/>
+              </a:ext>
+              <a:ext uri="{C183D7F6-B498-43B3-948B-1728B52AA6E4}">
+                <adec:decorative xmlns:adec="http://schemas.microsoft.com/office/drawing/2017/decorative" val="1"/>
+              </a:ext>
+            </a:extLst>
+          </p:cNvPr>
+          <p:cNvSpPr>
+            <a:spLocks noGrp="1" noRot="1" noChangeAspect="1" noMove="1" noResize="1" noEditPoints="1" noAdjustHandles="1" noChangeArrowheads="1" noChangeShapeType="1" noTextEdit="1"/>
+          </p:cNvSpPr>
+          <p:nvPr>
+            <p:extLst>
+              <p:ext uri="{386F3935-93C4-4BCD-93E2-E3B085C9AB24}">
+                <p16:designElem xmlns:p16="http://schemas.microsoft.com/office/powerpoint/2015/main" val="1"/>
+              </p:ext>
+            </p:extLst>
+          </p:nvPr>
+        </p:nvSpPr>
+        <p:spPr>
+          <a:xfrm>
+            <a:off x="10437812" y="0"/>
+            <a:ext cx="685800" cy="1143000"/>
+          </a:xfrm>
+          <a:prstGeom prst="rect">
+            <a:avLst/>
+          </a:prstGeom>
+          <a:solidFill>
+            <a:schemeClr val="accent1"/>
+          </a:solidFill>
+          <a:ln>
+            <a:noFill/>
+          </a:ln>
+        </p:spPr>
+        <p:style>
+          <a:lnRef idx="1">
+            <a:schemeClr val="accent1"/>
+          </a:lnRef>
+          <a:fillRef idx="3">
+            <a:schemeClr val="accent1"/>
+          </a:fillRef>
+          <a:effectRef idx="2">
+            <a:schemeClr val="accent1"/>
+          </a:effectRef>
+          <a:fontRef idx="minor">
+            <a:schemeClr val="lt1"/>
+          </a:fontRef>
+        </p:style>
+      </p:sp>
+      <p:pic>
+        <p:nvPicPr>
+          <p:cNvPr id="7" name="Picture 6">
+            <a:extLst>
+              <a:ext uri="{FF2B5EF4-FFF2-40B4-BE49-F238E27FC236}">
+                <a16:creationId xmlns:a16="http://schemas.microsoft.com/office/drawing/2014/main" id="{BCABF4E1-EDCB-5740-877E-1D284C0792FB}"/>
+              </a:ext>
+            </a:extLst>
+          </p:cNvPr>
+          <p:cNvPicPr>
+            <a:picLocks noChangeAspect="1"/>
+          </p:cNvPicPr>
+          <p:nvPr/>
+        </p:nvPicPr>
+        <p:blipFill>
+          <a:blip r:embed="rId4"/>
+          <a:stretch>
+            <a:fillRect/>
+          </a:stretch>
+        </p:blipFill>
+        <p:spPr>
+          <a:xfrm>
+            <a:off x="5636171" y="2546349"/>
+            <a:ext cx="3987800" cy="1765300"/>
+          </a:xfrm>
+          <a:prstGeom prst="rect">
+            <a:avLst/>
+          </a:prstGeom>
+        </p:spPr>
+      </p:pic>
+    </p:spTree>
+    <p:extLst>
+      <p:ext uri="{BB962C8B-B14F-4D97-AF65-F5344CB8AC3E}">
+        <p14:creationId xmlns:p14="http://schemas.microsoft.com/office/powerpoint/2010/main" val="3356885585"/>
+      </p:ext>
+    </p:extLst>
+  </p:cSld>
+  <p:clrMapOvr>
+    <a:masterClrMapping/>
+  </p:clrMapOvr>
+</p:sld>
+</file>
+
+<file path=ppt/slides/slide12.xml><?xml version="1.0" encoding="utf-8"?>
+<p:sld xmlns:a="http://schemas.openxmlformats.org/drawingml/2006/main" xmlns:r="http://schemas.openxmlformats.org/officeDocument/2006/relationships" xmlns:p="http://schemas.openxmlformats.org/presentationml/2006/main">
+  <p:cSld>
+    <p:bg>
+      <p:bgPr>
+        <a:solidFill>
+          <a:schemeClr val="bg1"/>
+        </a:solidFill>
+        <a:effectLst/>
+      </p:bgPr>
+    </p:bg>
+    <p:spTree>
+      <p:nvGrpSpPr>
+        <p:cNvPr id="1" name=""/>
+        <p:cNvGrpSpPr/>
+        <p:nvPr/>
+      </p:nvGrpSpPr>
+      <p:grpSpPr>
+        <a:xfrm>
+          <a:off x="0" y="0"/>
+          <a:ext cx="0" cy="0"/>
+          <a:chOff x="0" y="0"/>
+          <a:chExt cx="0" cy="0"/>
+        </a:xfrm>
+      </p:grpSpPr>
+      <p:sp>
+        <p:nvSpPr>
+          <p:cNvPr id="12" name="Rectangle 11">
+            <a:extLst>
+              <a:ext uri="{FF2B5EF4-FFF2-40B4-BE49-F238E27FC236}">
+                <a16:creationId xmlns:a16="http://schemas.microsoft.com/office/drawing/2014/main" id="{56827C3C-D52F-46CE-A441-3CD6A1A6A0A2}"/>
+              </a:ext>
+              <a:ext uri="{C183D7F6-B498-43B3-948B-1728B52AA6E4}">
+                <adec:decorative xmlns:adec="http://schemas.microsoft.com/office/drawing/2017/decorative" val="1"/>
+              </a:ext>
+            </a:extLst>
+          </p:cNvPr>
+          <p:cNvSpPr>
+            <a:spLocks noGrp="1" noRot="1" noChangeAspect="1" noMove="1" noResize="1" noEditPoints="1" noAdjustHandles="1" noChangeArrowheads="1" noChangeShapeType="1" noTextEdit="1"/>
+          </p:cNvSpPr>
+          <p:nvPr>
+            <p:extLst>
+              <p:ext uri="{386F3935-93C4-4BCD-93E2-E3B085C9AB24}">
+                <p16:designElem xmlns:p16="http://schemas.microsoft.com/office/powerpoint/2015/main" val="1"/>
+              </p:ext>
+            </p:extLst>
+          </p:nvPr>
+        </p:nvSpPr>
+        <p:spPr>
+          <a:xfrm>
+            <a:off x="3137" y="0"/>
+            <a:ext cx="12192000" cy="6858000"/>
+          </a:xfrm>
+          <a:prstGeom prst="rect">
+            <a:avLst/>
+          </a:prstGeom>
+          <a:solidFill>
+            <a:schemeClr val="bg1">
+              <a:lumMod val="85000"/>
+              <a:alpha val="90000"/>
+            </a:schemeClr>
+          </a:solidFill>
+          <a:ln>
+            <a:noFill/>
+          </a:ln>
+        </p:spPr>
+        <p:style>
+          <a:lnRef idx="2">
+            <a:schemeClr val="accent1">
+              <a:shade val="50000"/>
+            </a:schemeClr>
+          </a:lnRef>
+          <a:fillRef idx="1">
+            <a:schemeClr val="accent1"/>
+          </a:fillRef>
+          <a:effectRef idx="0">
+            <a:schemeClr val="accent1"/>
+          </a:effectRef>
+          <a:fontRef idx="minor">
+            <a:schemeClr val="lt1"/>
+          </a:fontRef>
+        </p:style>
+        <p:txBody>
+          <a:bodyPr rtlCol="0" anchor="ctr"/>
+          <a:lstStyle/>
+          <a:p>
+            <a:pPr algn="ctr"/>
+            <a:endParaRPr lang="en-US"/>
+          </a:p>
+        </p:txBody>
+      </p:sp>
+      <p:sp>
+        <p:nvSpPr>
+          <p:cNvPr id="14" name="Rectangle 13">
+            <a:extLst>
+              <a:ext uri="{FF2B5EF4-FFF2-40B4-BE49-F238E27FC236}">
+                <a16:creationId xmlns:a16="http://schemas.microsoft.com/office/drawing/2014/main" id="{F52A8B51-0A89-497B-B882-6658E029A3F9}"/>
+              </a:ext>
+              <a:ext uri="{C183D7F6-B498-43B3-948B-1728B52AA6E4}">
+                <adec:decorative xmlns:adec="http://schemas.microsoft.com/office/drawing/2017/decorative" val="1"/>
+              </a:ext>
+            </a:extLst>
+          </p:cNvPr>
+          <p:cNvSpPr>
+            <a:spLocks noGrp="1" noRot="1" noChangeAspect="1" noMove="1" noResize="1" noEditPoints="1" noAdjustHandles="1" noChangeArrowheads="1" noChangeShapeType="1" noTextEdit="1"/>
+          </p:cNvSpPr>
+          <p:nvPr>
+            <p:extLst>
+              <p:ext uri="{386F3935-93C4-4BCD-93E2-E3B085C9AB24}">
+                <p16:designElem xmlns:p16="http://schemas.microsoft.com/office/powerpoint/2015/main" val="1"/>
+              </p:ext>
+            </p:extLst>
+          </p:nvPr>
+        </p:nvSpPr>
+        <p:spPr>
+          <a:xfrm>
+            <a:off x="643467" y="643466"/>
+            <a:ext cx="3522548" cy="5571067"/>
+          </a:xfrm>
+          <a:prstGeom prst="rect">
+            <a:avLst/>
+          </a:prstGeom>
+          <a:solidFill>
+            <a:srgbClr val="FFFFFF"/>
+          </a:solidFill>
+          <a:ln w="9525">
+            <a:noFill/>
+          </a:ln>
+          <a:effectLst>
+            <a:outerShdw blurRad="63500" dist="17780" dir="5400000" algn="t" rotWithShape="0">
+              <a:prstClr val="black">
+                <a:alpha val="43000"/>
+              </a:prstClr>
+            </a:outerShdw>
+          </a:effectLst>
+        </p:spPr>
+        <p:style>
+          <a:lnRef idx="2">
+            <a:schemeClr val="accent1">
+              <a:shade val="50000"/>
+            </a:schemeClr>
+          </a:lnRef>
+          <a:fillRef idx="1">
+            <a:schemeClr val="accent1"/>
+          </a:fillRef>
+          <a:effectRef idx="0">
+            <a:schemeClr val="accent1"/>
+          </a:effectRef>
+          <a:fontRef idx="minor">
+            <a:schemeClr val="lt1"/>
+          </a:fontRef>
+        </p:style>
+        <p:txBody>
+          <a:bodyPr rtlCol="0" anchor="ctr"/>
+          <a:lstStyle/>
+          <a:p>
+            <a:pPr algn="ctr"/>
+            <a:endParaRPr lang="en-US"/>
+          </a:p>
+        </p:txBody>
+      </p:sp>
+      <p:pic>
+        <p:nvPicPr>
+          <p:cNvPr id="5" name="Picture 4">
+            <a:extLst>
+              <a:ext uri="{FF2B5EF4-FFF2-40B4-BE49-F238E27FC236}">
+                <a16:creationId xmlns:a16="http://schemas.microsoft.com/office/drawing/2014/main" id="{977F0328-E5EB-1347-B79A-77F3D8807D8B}"/>
+              </a:ext>
+            </a:extLst>
+          </p:cNvPr>
+          <p:cNvPicPr>
+            <a:picLocks noChangeAspect="1"/>
+          </p:cNvPicPr>
+          <p:nvPr/>
+        </p:nvPicPr>
+        <p:blipFill>
+          <a:blip r:embed="rId2"/>
+          <a:stretch>
+            <a:fillRect/>
+          </a:stretch>
+        </p:blipFill>
+        <p:spPr>
+          <a:xfrm>
+            <a:off x="965200" y="1490223"/>
+            <a:ext cx="2879083" cy="3877553"/>
+          </a:xfrm>
+          <a:prstGeom prst="rect">
+            <a:avLst/>
+          </a:prstGeom>
+        </p:spPr>
+      </p:pic>
+      <p:sp>
+        <p:nvSpPr>
+          <p:cNvPr id="19" name="Rectangle 15">
+            <a:extLst>
+              <a:ext uri="{FF2B5EF4-FFF2-40B4-BE49-F238E27FC236}">
+                <a16:creationId xmlns:a16="http://schemas.microsoft.com/office/drawing/2014/main" id="{EB1CEFBF-6F09-4052-862B-E219DA15757E}"/>
+              </a:ext>
+              <a:ext uri="{C183D7F6-B498-43B3-948B-1728B52AA6E4}">
+                <adec:decorative xmlns:adec="http://schemas.microsoft.com/office/drawing/2017/decorative" val="1"/>
+              </a:ext>
+            </a:extLst>
+          </p:cNvPr>
+          <p:cNvSpPr>
+            <a:spLocks noGrp="1" noRot="1" noChangeAspect="1" noMove="1" noResize="1" noEditPoints="1" noAdjustHandles="1" noChangeArrowheads="1" noChangeShapeType="1" noTextEdit="1"/>
+          </p:cNvSpPr>
+          <p:nvPr>
+            <p:extLst>
+              <p:ext uri="{386F3935-93C4-4BCD-93E2-E3B085C9AB24}">
+                <p16:designElem xmlns:p16="http://schemas.microsoft.com/office/powerpoint/2015/main" val="1"/>
+              </p:ext>
+            </p:extLst>
+          </p:nvPr>
+        </p:nvSpPr>
+        <p:spPr>
+          <a:xfrm>
+            <a:off x="4326882" y="643466"/>
+            <a:ext cx="3522548" cy="5571067"/>
+          </a:xfrm>
+          <a:prstGeom prst="rect">
+            <a:avLst/>
+          </a:prstGeom>
+          <a:solidFill>
+            <a:srgbClr val="FFFFFF"/>
+          </a:solidFill>
+          <a:ln w="9525">
+            <a:noFill/>
+          </a:ln>
+          <a:effectLst>
+            <a:outerShdw blurRad="63500" dist="17780" dir="5400000" algn="t" rotWithShape="0">
+              <a:prstClr val="black">
+                <a:alpha val="43000"/>
+              </a:prstClr>
+            </a:outerShdw>
+          </a:effectLst>
+        </p:spPr>
+        <p:style>
+          <a:lnRef idx="2">
+            <a:schemeClr val="accent1">
+              <a:shade val="50000"/>
+            </a:schemeClr>
+          </a:lnRef>
+          <a:fillRef idx="1">
+            <a:schemeClr val="accent1"/>
+          </a:fillRef>
+          <a:effectRef idx="0">
+            <a:schemeClr val="accent1"/>
+          </a:effectRef>
+          <a:fontRef idx="minor">
+            <a:schemeClr val="lt1"/>
+          </a:fontRef>
+        </p:style>
+        <p:txBody>
+          <a:bodyPr rtlCol="0" anchor="ctr"/>
+          <a:lstStyle/>
+          <a:p>
+            <a:pPr algn="ctr"/>
+            <a:endParaRPr lang="en-US"/>
+          </a:p>
+        </p:txBody>
+      </p:sp>
+      <p:pic>
+        <p:nvPicPr>
+          <p:cNvPr id="7" name="Picture 6">
+            <a:extLst>
+              <a:ext uri="{FF2B5EF4-FFF2-40B4-BE49-F238E27FC236}">
+                <a16:creationId xmlns:a16="http://schemas.microsoft.com/office/drawing/2014/main" id="{4C58CFCD-2911-A04A-8088-822167566963}"/>
+              </a:ext>
+            </a:extLst>
+          </p:cNvPr>
+          <p:cNvPicPr>
+            <a:picLocks noChangeAspect="1"/>
+          </p:cNvPicPr>
+          <p:nvPr/>
+        </p:nvPicPr>
+        <p:blipFill>
+          <a:blip r:embed="rId3"/>
+          <a:stretch>
+            <a:fillRect/>
+          </a:stretch>
+        </p:blipFill>
+        <p:spPr>
+          <a:xfrm>
+            <a:off x="4647976" y="1929319"/>
+            <a:ext cx="2880360" cy="3000375"/>
+          </a:xfrm>
+          <a:prstGeom prst="rect">
+            <a:avLst/>
+          </a:prstGeom>
+        </p:spPr>
+      </p:pic>
+      <p:sp>
+        <p:nvSpPr>
+          <p:cNvPr id="18" name="Rectangle 17">
+            <a:extLst>
+              <a:ext uri="{FF2B5EF4-FFF2-40B4-BE49-F238E27FC236}">
+                <a16:creationId xmlns:a16="http://schemas.microsoft.com/office/drawing/2014/main" id="{BCB5D417-2A71-445D-B4C7-9E814D633D33}"/>
+              </a:ext>
+              <a:ext uri="{C183D7F6-B498-43B3-948B-1728B52AA6E4}">
+                <adec:decorative xmlns:adec="http://schemas.microsoft.com/office/drawing/2017/decorative" val="1"/>
+              </a:ext>
+            </a:extLst>
+          </p:cNvPr>
+          <p:cNvSpPr>
+            <a:spLocks noGrp="1" noRot="1" noChangeAspect="1" noMove="1" noResize="1" noEditPoints="1" noAdjustHandles="1" noChangeArrowheads="1" noChangeShapeType="1" noTextEdit="1"/>
+          </p:cNvSpPr>
+          <p:nvPr>
+            <p:extLst>
+              <p:ext uri="{386F3935-93C4-4BCD-93E2-E3B085C9AB24}">
+                <p16:designElem xmlns:p16="http://schemas.microsoft.com/office/powerpoint/2015/main" val="1"/>
+              </p:ext>
+            </p:extLst>
+          </p:nvPr>
+        </p:nvSpPr>
+        <p:spPr>
+          <a:xfrm>
+            <a:off x="8022847" y="643466"/>
+            <a:ext cx="3522548" cy="5571067"/>
+          </a:xfrm>
+          <a:prstGeom prst="rect">
+            <a:avLst/>
+          </a:prstGeom>
+          <a:solidFill>
+            <a:srgbClr val="FFFFFF"/>
+          </a:solidFill>
+          <a:ln w="9525">
+            <a:noFill/>
+          </a:ln>
+          <a:effectLst>
+            <a:outerShdw blurRad="63500" dist="17780" dir="5400000" algn="t" rotWithShape="0">
+              <a:prstClr val="black">
+                <a:alpha val="43000"/>
+              </a:prstClr>
+            </a:outerShdw>
+          </a:effectLst>
+        </p:spPr>
+        <p:style>
+          <a:lnRef idx="2">
+            <a:schemeClr val="accent1">
+              <a:shade val="50000"/>
+            </a:schemeClr>
+          </a:lnRef>
+          <a:fillRef idx="1">
+            <a:schemeClr val="accent1"/>
+          </a:fillRef>
+          <a:effectRef idx="0">
+            <a:schemeClr val="accent1"/>
+          </a:effectRef>
+          <a:fontRef idx="minor">
+            <a:schemeClr val="lt1"/>
+          </a:fontRef>
+        </p:style>
+        <p:txBody>
+          <a:bodyPr rtlCol="0" anchor="ctr"/>
+          <a:lstStyle/>
+          <a:p>
+            <a:pPr algn="ctr"/>
+            <a:endParaRPr lang="en-US"/>
+          </a:p>
+        </p:txBody>
+      </p:sp>
+      <p:pic>
+        <p:nvPicPr>
+          <p:cNvPr id="3" name="Picture 2">
+            <a:extLst>
+              <a:ext uri="{FF2B5EF4-FFF2-40B4-BE49-F238E27FC236}">
+                <a16:creationId xmlns:a16="http://schemas.microsoft.com/office/drawing/2014/main" id="{459528B3-736C-F940-B655-28A33429B942}"/>
+              </a:ext>
+            </a:extLst>
+          </p:cNvPr>
+          <p:cNvPicPr>
+            <a:picLocks noChangeAspect="1"/>
+          </p:cNvPicPr>
+          <p:nvPr/>
+        </p:nvPicPr>
+        <p:blipFill>
+          <a:blip r:embed="rId4"/>
+          <a:stretch>
+            <a:fillRect/>
+          </a:stretch>
+        </p:blipFill>
+        <p:spPr>
+          <a:xfrm>
+            <a:off x="8343941" y="2280456"/>
+            <a:ext cx="2880360" cy="2297086"/>
+          </a:xfrm>
+          <a:prstGeom prst="rect">
+            <a:avLst/>
+          </a:prstGeom>
+        </p:spPr>
+      </p:pic>
+    </p:spTree>
+    <p:extLst>
+      <p:ext uri="{BB962C8B-B14F-4D97-AF65-F5344CB8AC3E}">
+        <p14:creationId xmlns:p14="http://schemas.microsoft.com/office/powerpoint/2010/main" val="3701080197"/>
+      </p:ext>
+    </p:extLst>
+  </p:cSld>
+  <p:clrMapOvr>
+    <a:masterClrMapping/>
+  </p:clrMapOvr>
+</p:sld>
+</file>
+
+<file path=ppt/slides/slide13.xml><?xml version="1.0" encoding="utf-8"?>
+<p:sld xmlns:a="http://schemas.openxmlformats.org/drawingml/2006/main" xmlns:r="http://schemas.openxmlformats.org/officeDocument/2006/relationships" xmlns:p="http://schemas.openxmlformats.org/presentationml/2006/main">
+  <p:cSld>
+    <p:bg>
+      <p:bgPr>
+        <a:blipFill rotWithShape="1">
+          <a:blip r:embed="rId2">
+            <a:duotone>
+              <a:schemeClr val="bg2">
+                <a:shade val="69000"/>
+                <a:hueMod val="108000"/>
+                <a:satMod val="164000"/>
+                <a:lumMod val="74000"/>
+              </a:schemeClr>
+              <a:schemeClr val="bg2">
+                <a:tint val="96000"/>
+                <a:hueMod val="88000"/>
+                <a:satMod val="140000"/>
+                <a:lumMod val="132000"/>
+              </a:schemeClr>
+            </a:duotone>
+            <a:extLst/>
+          </a:blip>
+          <a:stretch/>
+        </a:blipFill>
+        <a:effectLst/>
+      </p:bgPr>
+    </p:bg>
+    <p:spTree>
+      <p:nvGrpSpPr>
+        <p:cNvPr id="1" name=""/>
+        <p:cNvGrpSpPr/>
+        <p:nvPr/>
+      </p:nvGrpSpPr>
+      <p:grpSpPr>
+        <a:xfrm>
+          <a:off x="0" y="0"/>
+          <a:ext cx="0" cy="0"/>
+          <a:chOff x="0" y="0"/>
+          <a:chExt cx="0" cy="0"/>
+        </a:xfrm>
+      </p:grpSpPr>
+      <p:sp>
+        <p:nvSpPr>
+          <p:cNvPr id="10" name="Rectangle 9">
+            <a:extLst>
+              <a:ext uri="{FF2B5EF4-FFF2-40B4-BE49-F238E27FC236}">
+                <a16:creationId xmlns:a16="http://schemas.microsoft.com/office/drawing/2014/main" id="{B77F70CF-51B7-4A07-A16B-70DFA49427F9}"/>
+              </a:ext>
+              <a:ext uri="{C183D7F6-B498-43B3-948B-1728B52AA6E4}">
+                <adec:decorative xmlns:adec="http://schemas.microsoft.com/office/drawing/2017/decorative" val="1"/>
+              </a:ext>
+            </a:extLst>
+          </p:cNvPr>
+          <p:cNvSpPr>
+            <a:spLocks noGrp="1" noRot="1" noChangeAspect="1" noMove="1" noResize="1" noEditPoints="1" noAdjustHandles="1" noChangeArrowheads="1" noChangeShapeType="1" noTextEdit="1"/>
+          </p:cNvSpPr>
+          <p:nvPr>
+            <p:extLst>
+              <p:ext uri="{386F3935-93C4-4BCD-93E2-E3B085C9AB24}">
+                <p16:designElem xmlns:p16="http://schemas.microsoft.com/office/powerpoint/2015/main" val="1"/>
+              </p:ext>
+            </p:extLst>
+          </p:nvPr>
+        </p:nvSpPr>
+        <p:spPr>
+          <a:xfrm>
+            <a:off x="0" y="0"/>
+            <a:ext cx="12192000" cy="6858000"/>
+          </a:xfrm>
+          <a:prstGeom prst="rect">
+            <a:avLst/>
+          </a:prstGeom>
+          <a:solidFill>
+            <a:schemeClr val="bg2"/>
+          </a:solidFill>
+          <a:ln>
+            <a:noFill/>
+          </a:ln>
+        </p:spPr>
+        <p:style>
+          <a:lnRef idx="2">
+            <a:schemeClr val="accent1">
+              <a:shade val="50000"/>
+            </a:schemeClr>
+          </a:lnRef>
+          <a:fillRef idx="1">
+            <a:schemeClr val="accent1"/>
+          </a:fillRef>
+          <a:effectRef idx="0">
+            <a:schemeClr val="accent1"/>
+          </a:effectRef>
+          <a:fontRef idx="minor">
+            <a:schemeClr val="lt1"/>
+          </a:fontRef>
+        </p:style>
+        <p:txBody>
+          <a:bodyPr rtlCol="0" anchor="ctr"/>
+          <a:lstStyle/>
+          <a:p>
+            <a:pPr algn="ctr"/>
+            <a:endParaRPr lang="en-US" dirty="0"/>
+          </a:p>
+        </p:txBody>
+      </p:sp>
+      <p:sp>
+        <p:nvSpPr>
+          <p:cNvPr id="12" name="Rectangle 11">
+            <a:extLst>
+              <a:ext uri="{FF2B5EF4-FFF2-40B4-BE49-F238E27FC236}">
+                <a16:creationId xmlns:a16="http://schemas.microsoft.com/office/drawing/2014/main" id="{C98594B0-DC7B-4BAF-B0F2-8557CBDE6BE6}"/>
+              </a:ext>
+              <a:ext uri="{C183D7F6-B498-43B3-948B-1728B52AA6E4}">
+                <adec:decorative xmlns:adec="http://schemas.microsoft.com/office/drawing/2017/decorative" val="1"/>
+              </a:ext>
+            </a:extLst>
+          </p:cNvPr>
+          <p:cNvSpPr>
+            <a:spLocks noGrp="1" noRot="1" noChangeAspect="1" noMove="1" noResize="1" noEditPoints="1" noAdjustHandles="1" noChangeArrowheads="1" noChangeShapeType="1" noTextEdit="1"/>
+          </p:cNvSpPr>
+          <p:nvPr>
+            <p:extLst>
+              <p:ext uri="{386F3935-93C4-4BCD-93E2-E3B085C9AB24}">
+                <p16:designElem xmlns:p16="http://schemas.microsoft.com/office/powerpoint/2015/main" val="1"/>
+              </p:ext>
+            </p:extLst>
+          </p:nvPr>
+        </p:nvSpPr>
+        <p:spPr>
+          <a:xfrm>
+            <a:off x="477012" y="480060"/>
+            <a:ext cx="4661461" cy="5897880"/>
+          </a:xfrm>
+          <a:prstGeom prst="rect">
+            <a:avLst/>
+          </a:prstGeom>
+          <a:solidFill>
+            <a:srgbClr val="FFFFFF"/>
+          </a:solidFill>
+          <a:ln w="22225">
+            <a:solidFill>
+              <a:schemeClr val="tx1">
+                <a:lumMod val="50000"/>
+                <a:lumOff val="50000"/>
+              </a:schemeClr>
+            </a:solidFill>
+          </a:ln>
+        </p:spPr>
+        <p:style>
+          <a:lnRef idx="2">
+            <a:schemeClr val="accent1">
+              <a:shade val="50000"/>
+            </a:schemeClr>
+          </a:lnRef>
+          <a:fillRef idx="1">
+            <a:schemeClr val="accent1"/>
+          </a:fillRef>
+          <a:effectRef idx="0">
+            <a:schemeClr val="accent1"/>
+          </a:effectRef>
+          <a:fontRef idx="minor">
+            <a:schemeClr val="lt1"/>
+          </a:fontRef>
+        </p:style>
+        <p:txBody>
+          <a:bodyPr rtlCol="0" anchor="ctr"/>
+          <a:lstStyle/>
+          <a:p>
+            <a:pPr algn="ctr"/>
+            <a:endParaRPr lang="en-US"/>
+          </a:p>
+        </p:txBody>
+      </p:sp>
+      <p:pic>
+        <p:nvPicPr>
+          <p:cNvPr id="3" name="Picture 2">
+            <a:extLst>
+              <a:ext uri="{FF2B5EF4-FFF2-40B4-BE49-F238E27FC236}">
+                <a16:creationId xmlns:a16="http://schemas.microsoft.com/office/drawing/2014/main" id="{F3F2A0D2-DB07-B94F-AD26-95EF8223F732}"/>
+              </a:ext>
+            </a:extLst>
+          </p:cNvPr>
+          <p:cNvPicPr>
+            <a:picLocks noChangeAspect="1"/>
+          </p:cNvPicPr>
+          <p:nvPr/>
+        </p:nvPicPr>
+        <p:blipFill>
+          <a:blip r:embed="rId3"/>
+          <a:stretch>
+            <a:fillRect/>
+          </a:stretch>
+        </p:blipFill>
+        <p:spPr>
+          <a:xfrm>
+            <a:off x="643466" y="882245"/>
+            <a:ext cx="4329482" cy="5093509"/>
+          </a:xfrm>
+          <a:prstGeom prst="rect">
+            <a:avLst/>
+          </a:prstGeom>
+        </p:spPr>
+      </p:pic>
+      <p:sp>
+        <p:nvSpPr>
+          <p:cNvPr id="14" name="Rectangle 13">
+            <a:extLst>
+              <a:ext uri="{FF2B5EF4-FFF2-40B4-BE49-F238E27FC236}">
+                <a16:creationId xmlns:a16="http://schemas.microsoft.com/office/drawing/2014/main" id="{27A76E6C-02DD-4FDA-9F96-21BD3F4E45B7}"/>
+              </a:ext>
+              <a:ext uri="{C183D7F6-B498-43B3-948B-1728B52AA6E4}">
+                <adec:decorative xmlns:adec="http://schemas.microsoft.com/office/drawing/2017/decorative" val="1"/>
+              </a:ext>
+            </a:extLst>
+          </p:cNvPr>
+          <p:cNvSpPr>
+            <a:spLocks noGrp="1" noRot="1" noChangeAspect="1" noMove="1" noResize="1" noEditPoints="1" noAdjustHandles="1" noChangeArrowheads="1" noChangeShapeType="1" noTextEdit="1"/>
+          </p:cNvSpPr>
+          <p:nvPr>
+            <p:extLst>
+              <p:ext uri="{386F3935-93C4-4BCD-93E2-E3B085C9AB24}">
+                <p16:designElem xmlns:p16="http://schemas.microsoft.com/office/powerpoint/2015/main" val="1"/>
+              </p:ext>
+            </p:extLst>
+          </p:nvPr>
+        </p:nvSpPr>
+        <p:spPr>
+          <a:xfrm>
+            <a:off x="5299341" y="480060"/>
+            <a:ext cx="4661460" cy="5897880"/>
+          </a:xfrm>
+          <a:prstGeom prst="rect">
+            <a:avLst/>
+          </a:prstGeom>
+          <a:solidFill>
+            <a:srgbClr val="FFFFFF"/>
+          </a:solidFill>
+          <a:ln w="22225">
+            <a:solidFill>
+              <a:schemeClr val="tx1">
+                <a:lumMod val="50000"/>
+                <a:lumOff val="50000"/>
+              </a:schemeClr>
+            </a:solidFill>
+          </a:ln>
+        </p:spPr>
+        <p:style>
+          <a:lnRef idx="2">
+            <a:schemeClr val="accent1">
+              <a:shade val="50000"/>
+            </a:schemeClr>
+          </a:lnRef>
+          <a:fillRef idx="1">
+            <a:schemeClr val="accent1"/>
+          </a:fillRef>
+          <a:effectRef idx="0">
+            <a:schemeClr val="accent1"/>
+          </a:effectRef>
+          <a:fontRef idx="minor">
+            <a:schemeClr val="lt1"/>
+          </a:fontRef>
+        </p:style>
+        <p:txBody>
+          <a:bodyPr rtlCol="0" anchor="ctr"/>
+          <a:lstStyle/>
+          <a:p>
+            <a:pPr algn="ctr"/>
+            <a:endParaRPr lang="en-US"/>
+          </a:p>
+        </p:txBody>
+      </p:sp>
+      <p:pic>
+        <p:nvPicPr>
+          <p:cNvPr id="5" name="Picture 4">
+            <a:extLst>
+              <a:ext uri="{FF2B5EF4-FFF2-40B4-BE49-F238E27FC236}">
+                <a16:creationId xmlns:a16="http://schemas.microsoft.com/office/drawing/2014/main" id="{005CC769-809A-B54C-B62C-C29F181A0BF3}"/>
+              </a:ext>
+            </a:extLst>
+          </p:cNvPr>
+          <p:cNvPicPr>
+            <a:picLocks noChangeAspect="1"/>
+          </p:cNvPicPr>
+          <p:nvPr/>
+        </p:nvPicPr>
+        <p:blipFill>
+          <a:blip r:embed="rId4"/>
+          <a:stretch>
+            <a:fillRect/>
+          </a:stretch>
+        </p:blipFill>
+        <p:spPr>
+          <a:xfrm>
+            <a:off x="5462369" y="2665745"/>
+            <a:ext cx="4330526" cy="1526510"/>
+          </a:xfrm>
+          <a:prstGeom prst="rect">
+            <a:avLst/>
+          </a:prstGeom>
+        </p:spPr>
+      </p:pic>
+      <p:sp>
+        <p:nvSpPr>
+          <p:cNvPr id="16" name="Rectangle 15">
+            <a:extLst>
+              <a:ext uri="{FF2B5EF4-FFF2-40B4-BE49-F238E27FC236}">
+                <a16:creationId xmlns:a16="http://schemas.microsoft.com/office/drawing/2014/main" id="{D4D9AAD4-B929-4AE3-A27C-651AF2069ED0}"/>
+              </a:ext>
+              <a:ext uri="{C183D7F6-B498-43B3-948B-1728B52AA6E4}">
+                <adec:decorative xmlns:adec="http://schemas.microsoft.com/office/drawing/2017/decorative" val="1"/>
+              </a:ext>
+            </a:extLst>
+          </p:cNvPr>
+          <p:cNvSpPr>
+            <a:spLocks noGrp="1" noRot="1" noChangeAspect="1" noMove="1" noResize="1" noEditPoints="1" noAdjustHandles="1" noChangeArrowheads="1" noChangeShapeType="1" noTextEdit="1"/>
+          </p:cNvSpPr>
+          <p:nvPr>
+            <p:extLst>
+              <p:ext uri="{386F3935-93C4-4BCD-93E2-E3B085C9AB24}">
+                <p16:designElem xmlns:p16="http://schemas.microsoft.com/office/powerpoint/2015/main" val="1"/>
+              </p:ext>
+            </p:extLst>
+          </p:nvPr>
+        </p:nvSpPr>
+        <p:spPr>
+          <a:xfrm>
+            <a:off x="10437812" y="0"/>
+            <a:ext cx="685800" cy="1143000"/>
+          </a:xfrm>
+          <a:prstGeom prst="rect">
+            <a:avLst/>
+          </a:prstGeom>
+          <a:solidFill>
+            <a:schemeClr val="accent1"/>
+          </a:solidFill>
+          <a:ln>
+            <a:noFill/>
+          </a:ln>
+        </p:spPr>
+        <p:style>
+          <a:lnRef idx="1">
+            <a:schemeClr val="accent1"/>
+          </a:lnRef>
+          <a:fillRef idx="3">
+            <a:schemeClr val="accent1"/>
+          </a:fillRef>
+          <a:effectRef idx="2">
+            <a:schemeClr val="accent1"/>
+          </a:effectRef>
+          <a:fontRef idx="minor">
+            <a:schemeClr val="lt1"/>
+          </a:fontRef>
+        </p:style>
+      </p:sp>
+    </p:spTree>
+    <p:extLst>
+      <p:ext uri="{BB962C8B-B14F-4D97-AF65-F5344CB8AC3E}">
+        <p14:creationId xmlns:p14="http://schemas.microsoft.com/office/powerpoint/2010/main" val="1643430516"/>
+      </p:ext>
+    </p:extLst>
+  </p:cSld>
+  <p:clrMapOvr>
+    <a:masterClrMapping/>
+  </p:clrMapOvr>
+</p:sld>
+</file>
+
+<file path=ppt/slides/slide14.xml><?xml version="1.0" encoding="utf-8"?>
+<p:sld xmlns:a="http://schemas.openxmlformats.org/drawingml/2006/main" xmlns:r="http://schemas.openxmlformats.org/officeDocument/2006/relationships" xmlns:p="http://schemas.openxmlformats.org/presentationml/2006/main">
+  <p:cSld>
+    <p:bg>
+      <p:bgPr>
+        <a:blipFill rotWithShape="1">
+          <a:blip r:embed="rId2">
+            <a:duotone>
+              <a:schemeClr val="bg2">
+                <a:shade val="69000"/>
+                <a:hueMod val="108000"/>
+                <a:satMod val="164000"/>
+                <a:lumMod val="74000"/>
+              </a:schemeClr>
+              <a:schemeClr val="bg2">
+                <a:tint val="96000"/>
+                <a:hueMod val="88000"/>
+                <a:satMod val="140000"/>
+                <a:lumMod val="132000"/>
+              </a:schemeClr>
+            </a:duotone>
+            <a:extLst/>
+          </a:blip>
+          <a:stretch/>
+        </a:blipFill>
+        <a:effectLst/>
+      </p:bgPr>
+    </p:bg>
+    <p:spTree>
+      <p:nvGrpSpPr>
+        <p:cNvPr id="1" name=""/>
+        <p:cNvGrpSpPr/>
+        <p:nvPr/>
+      </p:nvGrpSpPr>
+      <p:grpSpPr>
+        <a:xfrm>
+          <a:off x="0" y="0"/>
+          <a:ext cx="0" cy="0"/>
+          <a:chOff x="0" y="0"/>
+          <a:chExt cx="0" cy="0"/>
+        </a:xfrm>
+      </p:grpSpPr>
+      <p:sp>
+        <p:nvSpPr>
+          <p:cNvPr id="10" name="Rectangle 9">
+            <a:extLst>
+              <a:ext uri="{FF2B5EF4-FFF2-40B4-BE49-F238E27FC236}">
+                <a16:creationId xmlns:a16="http://schemas.microsoft.com/office/drawing/2014/main" id="{B77F70CF-51B7-4A07-A16B-70DFA49427F9}"/>
+              </a:ext>
+              <a:ext uri="{C183D7F6-B498-43B3-948B-1728B52AA6E4}">
+                <adec:decorative xmlns:adec="http://schemas.microsoft.com/office/drawing/2017/decorative" val="1"/>
+              </a:ext>
+            </a:extLst>
+          </p:cNvPr>
+          <p:cNvSpPr>
+            <a:spLocks noGrp="1" noRot="1" noChangeAspect="1" noMove="1" noResize="1" noEditPoints="1" noAdjustHandles="1" noChangeArrowheads="1" noChangeShapeType="1" noTextEdit="1"/>
+          </p:cNvSpPr>
+          <p:nvPr>
+            <p:extLst>
+              <p:ext uri="{386F3935-93C4-4BCD-93E2-E3B085C9AB24}">
+                <p16:designElem xmlns:p16="http://schemas.microsoft.com/office/powerpoint/2015/main" val="1"/>
+              </p:ext>
+            </p:extLst>
+          </p:nvPr>
+        </p:nvSpPr>
+        <p:spPr>
+          <a:xfrm>
+            <a:off x="0" y="0"/>
+            <a:ext cx="12192000" cy="6858000"/>
+          </a:xfrm>
+          <a:prstGeom prst="rect">
+            <a:avLst/>
+          </a:prstGeom>
+          <a:solidFill>
+            <a:schemeClr val="bg2"/>
+          </a:solidFill>
+          <a:ln>
+            <a:noFill/>
+          </a:ln>
+        </p:spPr>
+        <p:style>
+          <a:lnRef idx="2">
+            <a:schemeClr val="accent1">
+              <a:shade val="50000"/>
+            </a:schemeClr>
+          </a:lnRef>
+          <a:fillRef idx="1">
+            <a:schemeClr val="accent1"/>
+          </a:fillRef>
+          <a:effectRef idx="0">
+            <a:schemeClr val="accent1"/>
+          </a:effectRef>
+          <a:fontRef idx="minor">
+            <a:schemeClr val="lt1"/>
+          </a:fontRef>
+        </p:style>
+        <p:txBody>
+          <a:bodyPr rtlCol="0" anchor="ctr"/>
+          <a:lstStyle/>
+          <a:p>
+            <a:pPr algn="ctr"/>
+            <a:endParaRPr lang="en-US" dirty="0"/>
+          </a:p>
+        </p:txBody>
+      </p:sp>
+      <p:sp>
+        <p:nvSpPr>
+          <p:cNvPr id="12" name="Rectangle 11">
+            <a:extLst>
+              <a:ext uri="{FF2B5EF4-FFF2-40B4-BE49-F238E27FC236}">
+                <a16:creationId xmlns:a16="http://schemas.microsoft.com/office/drawing/2014/main" id="{C98594B0-DC7B-4BAF-B0F2-8557CBDE6BE6}"/>
+              </a:ext>
+              <a:ext uri="{C183D7F6-B498-43B3-948B-1728B52AA6E4}">
+                <adec:decorative xmlns:adec="http://schemas.microsoft.com/office/drawing/2017/decorative" val="1"/>
+              </a:ext>
+            </a:extLst>
+          </p:cNvPr>
+          <p:cNvSpPr>
+            <a:spLocks noGrp="1" noRot="1" noChangeAspect="1" noMove="1" noResize="1" noEditPoints="1" noAdjustHandles="1" noChangeArrowheads="1" noChangeShapeType="1" noTextEdit="1"/>
+          </p:cNvSpPr>
+          <p:nvPr>
+            <p:extLst>
+              <p:ext uri="{386F3935-93C4-4BCD-93E2-E3B085C9AB24}">
+                <p16:designElem xmlns:p16="http://schemas.microsoft.com/office/powerpoint/2015/main" val="1"/>
+              </p:ext>
+            </p:extLst>
+          </p:nvPr>
+        </p:nvSpPr>
+        <p:spPr>
+          <a:xfrm>
+            <a:off x="477012" y="480060"/>
+            <a:ext cx="4661461" cy="5897880"/>
+          </a:xfrm>
+          <a:prstGeom prst="rect">
+            <a:avLst/>
+          </a:prstGeom>
+          <a:solidFill>
+            <a:srgbClr val="FFFFFF"/>
+          </a:solidFill>
+          <a:ln w="22225">
+            <a:solidFill>
+              <a:schemeClr val="tx1">
+                <a:lumMod val="50000"/>
+                <a:lumOff val="50000"/>
+              </a:schemeClr>
+            </a:solidFill>
+          </a:ln>
+        </p:spPr>
+        <p:style>
+          <a:lnRef idx="2">
+            <a:schemeClr val="accent1">
+              <a:shade val="50000"/>
+            </a:schemeClr>
+          </a:lnRef>
+          <a:fillRef idx="1">
+            <a:schemeClr val="accent1"/>
+          </a:fillRef>
+          <a:effectRef idx="0">
+            <a:schemeClr val="accent1"/>
+          </a:effectRef>
+          <a:fontRef idx="minor">
+            <a:schemeClr val="lt1"/>
+          </a:fontRef>
+        </p:style>
+        <p:txBody>
+          <a:bodyPr rtlCol="0" anchor="ctr"/>
+          <a:lstStyle/>
+          <a:p>
+            <a:pPr algn="ctr"/>
+            <a:endParaRPr lang="en-US"/>
+          </a:p>
+        </p:txBody>
+      </p:sp>
+      <p:pic>
+        <p:nvPicPr>
+          <p:cNvPr id="5" name="Picture 4">
+            <a:extLst>
+              <a:ext uri="{FF2B5EF4-FFF2-40B4-BE49-F238E27FC236}">
+                <a16:creationId xmlns:a16="http://schemas.microsoft.com/office/drawing/2014/main" id="{D3E30E6B-3333-094A-904F-4B10966C53F7}"/>
+              </a:ext>
+            </a:extLst>
+          </p:cNvPr>
+          <p:cNvPicPr>
+            <a:picLocks noChangeAspect="1"/>
+          </p:cNvPicPr>
+          <p:nvPr/>
+        </p:nvPicPr>
+        <p:blipFill>
+          <a:blip r:embed="rId3"/>
+          <a:stretch>
+            <a:fillRect/>
+          </a:stretch>
+        </p:blipFill>
+        <p:spPr>
+          <a:xfrm>
+            <a:off x="844407" y="643467"/>
+            <a:ext cx="3927600" cy="5571066"/>
+          </a:xfrm>
+          <a:prstGeom prst="rect">
+            <a:avLst/>
+          </a:prstGeom>
+        </p:spPr>
+      </p:pic>
+      <p:sp>
+        <p:nvSpPr>
+          <p:cNvPr id="14" name="Rectangle 13">
+            <a:extLst>
+              <a:ext uri="{FF2B5EF4-FFF2-40B4-BE49-F238E27FC236}">
+                <a16:creationId xmlns:a16="http://schemas.microsoft.com/office/drawing/2014/main" id="{27A76E6C-02DD-4FDA-9F96-21BD3F4E45B7}"/>
+              </a:ext>
+              <a:ext uri="{C183D7F6-B498-43B3-948B-1728B52AA6E4}">
+                <adec:decorative xmlns:adec="http://schemas.microsoft.com/office/drawing/2017/decorative" val="1"/>
+              </a:ext>
+            </a:extLst>
+          </p:cNvPr>
+          <p:cNvSpPr>
+            <a:spLocks noGrp="1" noRot="1" noChangeAspect="1" noMove="1" noResize="1" noEditPoints="1" noAdjustHandles="1" noChangeArrowheads="1" noChangeShapeType="1" noTextEdit="1"/>
+          </p:cNvSpPr>
+          <p:nvPr>
+            <p:extLst>
+              <p:ext uri="{386F3935-93C4-4BCD-93E2-E3B085C9AB24}">
+                <p16:designElem xmlns:p16="http://schemas.microsoft.com/office/powerpoint/2015/main" val="1"/>
+              </p:ext>
+            </p:extLst>
+          </p:nvPr>
+        </p:nvSpPr>
+        <p:spPr>
+          <a:xfrm>
+            <a:off x="5299341" y="480060"/>
+            <a:ext cx="4661460" cy="5897880"/>
+          </a:xfrm>
+          <a:prstGeom prst="rect">
+            <a:avLst/>
+          </a:prstGeom>
+          <a:solidFill>
+            <a:srgbClr val="FFFFFF"/>
+          </a:solidFill>
+          <a:ln w="22225">
+            <a:solidFill>
+              <a:schemeClr val="tx1">
+                <a:lumMod val="50000"/>
+                <a:lumOff val="50000"/>
+              </a:schemeClr>
+            </a:solidFill>
+          </a:ln>
+        </p:spPr>
+        <p:style>
+          <a:lnRef idx="2">
+            <a:schemeClr val="accent1">
+              <a:shade val="50000"/>
+            </a:schemeClr>
+          </a:lnRef>
+          <a:fillRef idx="1">
+            <a:schemeClr val="accent1"/>
+          </a:fillRef>
+          <a:effectRef idx="0">
+            <a:schemeClr val="accent1"/>
+          </a:effectRef>
+          <a:fontRef idx="minor">
+            <a:schemeClr val="lt1"/>
+          </a:fontRef>
+        </p:style>
+        <p:txBody>
+          <a:bodyPr rtlCol="0" anchor="ctr"/>
+          <a:lstStyle/>
+          <a:p>
+            <a:pPr algn="ctr"/>
+            <a:endParaRPr lang="en-US"/>
+          </a:p>
+        </p:txBody>
+      </p:sp>
+      <p:pic>
+        <p:nvPicPr>
+          <p:cNvPr id="3" name="Picture 2">
+            <a:extLst>
+              <a:ext uri="{FF2B5EF4-FFF2-40B4-BE49-F238E27FC236}">
+                <a16:creationId xmlns:a16="http://schemas.microsoft.com/office/drawing/2014/main" id="{A731726A-3567-DC46-AF53-5EF5EAE86350}"/>
+              </a:ext>
+            </a:extLst>
+          </p:cNvPr>
+          <p:cNvPicPr>
+            <a:picLocks noChangeAspect="1"/>
+          </p:cNvPicPr>
+          <p:nvPr/>
+        </p:nvPicPr>
+        <p:blipFill>
+          <a:blip r:embed="rId4"/>
+          <a:stretch>
+            <a:fillRect/>
+          </a:stretch>
+        </p:blipFill>
+        <p:spPr>
+          <a:xfrm>
+            <a:off x="5462369" y="2568308"/>
+            <a:ext cx="4330526" cy="1721383"/>
+          </a:xfrm>
+          <a:prstGeom prst="rect">
+            <a:avLst/>
+          </a:prstGeom>
+        </p:spPr>
+      </p:pic>
+      <p:sp>
+        <p:nvSpPr>
+          <p:cNvPr id="16" name="Rectangle 15">
+            <a:extLst>
+              <a:ext uri="{FF2B5EF4-FFF2-40B4-BE49-F238E27FC236}">
+                <a16:creationId xmlns:a16="http://schemas.microsoft.com/office/drawing/2014/main" id="{D4D9AAD4-B929-4AE3-A27C-651AF2069ED0}"/>
+              </a:ext>
+              <a:ext uri="{C183D7F6-B498-43B3-948B-1728B52AA6E4}">
+                <adec:decorative xmlns:adec="http://schemas.microsoft.com/office/drawing/2017/decorative" val="1"/>
+              </a:ext>
+            </a:extLst>
+          </p:cNvPr>
+          <p:cNvSpPr>
+            <a:spLocks noGrp="1" noRot="1" noChangeAspect="1" noMove="1" noResize="1" noEditPoints="1" noAdjustHandles="1" noChangeArrowheads="1" noChangeShapeType="1" noTextEdit="1"/>
+          </p:cNvSpPr>
+          <p:nvPr>
+            <p:extLst>
+              <p:ext uri="{386F3935-93C4-4BCD-93E2-E3B085C9AB24}">
+                <p16:designElem xmlns:p16="http://schemas.microsoft.com/office/powerpoint/2015/main" val="1"/>
+              </p:ext>
+            </p:extLst>
+          </p:nvPr>
+        </p:nvSpPr>
+        <p:spPr>
+          <a:xfrm>
+            <a:off x="10437812" y="0"/>
+            <a:ext cx="685800" cy="1143000"/>
+          </a:xfrm>
+          <a:prstGeom prst="rect">
+            <a:avLst/>
+          </a:prstGeom>
+          <a:solidFill>
+            <a:schemeClr val="accent1"/>
+          </a:solidFill>
+          <a:ln>
+            <a:noFill/>
+          </a:ln>
+        </p:spPr>
+        <p:style>
+          <a:lnRef idx="1">
+            <a:schemeClr val="accent1"/>
+          </a:lnRef>
+          <a:fillRef idx="3">
+            <a:schemeClr val="accent1"/>
+          </a:fillRef>
+          <a:effectRef idx="2">
+            <a:schemeClr val="accent1"/>
+          </a:effectRef>
+          <a:fontRef idx="minor">
+            <a:schemeClr val="lt1"/>
+          </a:fontRef>
+        </p:style>
+      </p:sp>
+    </p:spTree>
+    <p:extLst>
+      <p:ext uri="{BB962C8B-B14F-4D97-AF65-F5344CB8AC3E}">
+        <p14:creationId xmlns:p14="http://schemas.microsoft.com/office/powerpoint/2010/main" val="2894944350"/>
+      </p:ext>
+    </p:extLst>
+  </p:cSld>
+  <p:clrMapOvr>
+    <a:masterClrMapping/>
+  </p:clrMapOvr>
+</p:sld>
+</file>
+
+<file path=ppt/slides/slide15.xml><?xml version="1.0" encoding="utf-8"?>
+<p:sld xmlns:a="http://schemas.openxmlformats.org/drawingml/2006/main" xmlns:r="http://schemas.openxmlformats.org/officeDocument/2006/relationships" xmlns:p="http://schemas.openxmlformats.org/presentationml/2006/main">
+  <p:cSld>
+    <p:spTree>
+      <p:nvGrpSpPr>
+        <p:cNvPr id="1" name=""/>
+        <p:cNvGrpSpPr/>
+        <p:nvPr/>
+      </p:nvGrpSpPr>
+      <p:grpSpPr>
+        <a:xfrm>
+          <a:off x="0" y="0"/>
+          <a:ext cx="0" cy="0"/>
+          <a:chOff x="0" y="0"/>
+          <a:chExt cx="0" cy="0"/>
+        </a:xfrm>
+      </p:grpSpPr>
+    </p:spTree>
+    <p:extLst>
+      <p:ext uri="{BB962C8B-B14F-4D97-AF65-F5344CB8AC3E}">
+        <p14:creationId xmlns:p14="http://schemas.microsoft.com/office/powerpoint/2010/main" val="4002620861"/>
+      </p:ext>
+    </p:extLst>
+  </p:cSld>
+  <p:clrMapOvr>
+    <a:masterClrMapping/>
+  </p:clrMapOvr>
+</p:sld>
+</file>
+
+<file path=ppt/slides/slide16.xml><?xml version="1.0" encoding="utf-8"?>
 <p:sld xmlns:a="http://schemas.openxmlformats.org/drawingml/2006/main" xmlns:r="http://schemas.openxmlformats.org/officeDocument/2006/relationships" xmlns:p="http://schemas.openxmlformats.org/presentationml/2006/main">
   <p:cSld>
     <p:bg>
@@ -10713,36 +12601,6 @@
           <a:chExt cx="0" cy="0"/>
         </a:xfrm>
       </p:grpSpPr>
-    </p:spTree>
-    <p:extLst>
-      <p:ext uri="{BB962C8B-B14F-4D97-AF65-F5344CB8AC3E}">
-        <p14:creationId xmlns:p14="http://schemas.microsoft.com/office/powerpoint/2010/main" val="4244630367"/>
-      </p:ext>
-    </p:extLst>
-  </p:cSld>
-  <p:clrMapOvr>
-    <a:masterClrMapping/>
-  </p:clrMapOvr>
-</p:sld>
-</file>
-
-<file path=ppt/slides/slide8.xml><?xml version="1.0" encoding="utf-8"?>
-<p:sld xmlns:a="http://schemas.openxmlformats.org/drawingml/2006/main" xmlns:r="http://schemas.openxmlformats.org/officeDocument/2006/relationships" xmlns:p="http://schemas.openxmlformats.org/presentationml/2006/main">
-  <p:cSld>
-    <p:spTree>
-      <p:nvGrpSpPr>
-        <p:cNvPr id="1" name=""/>
-        <p:cNvGrpSpPr/>
-        <p:nvPr/>
-      </p:nvGrpSpPr>
-      <p:grpSpPr>
-        <a:xfrm>
-          <a:off x="0" y="0"/>
-          <a:ext cx="0" cy="0"/>
-          <a:chOff x="0" y="0"/>
-          <a:chExt cx="0" cy="0"/>
-        </a:xfrm>
-      </p:grpSpPr>
       <p:sp>
         <p:nvSpPr>
           <p:cNvPr id="2" name="타원 1"/>
@@ -10751,7 +12609,7 @@
         </p:nvSpPr>
         <p:spPr>
           <a:xfrm>
-            <a:off x="7402881" y="-816429"/>
+            <a:off x="7276421" y="-1244446"/>
             <a:ext cx="6998919" cy="8870665"/>
           </a:xfrm>
           <a:prstGeom prst="ellipse">
@@ -10815,7 +12673,7 @@
         </p:blipFill>
         <p:spPr>
           <a:xfrm>
-            <a:off x="820698" y="1583872"/>
+            <a:off x="6019234" y="2128621"/>
             <a:ext cx="4163006" cy="1848108"/>
           </a:xfrm>
           <a:prstGeom prst="rect">
@@ -10845,7 +12703,7 @@
         </p:blipFill>
         <p:spPr>
           <a:xfrm>
-            <a:off x="5509909" y="1583872"/>
+            <a:off x="316281" y="1078034"/>
             <a:ext cx="5257800" cy="4546600"/>
           </a:xfrm>
           <a:prstGeom prst="rect">
@@ -10866,9 +12724,34 @@
 </p:sld>
 </file>
 
-<file path=ppt/slides/slide9.xml><?xml version="1.0" encoding="utf-8"?>
+<file path=ppt/slides/slide8.xml><?xml version="1.0" encoding="utf-8"?>
 <p:sld xmlns:a="http://schemas.openxmlformats.org/drawingml/2006/main" xmlns:r="http://schemas.openxmlformats.org/officeDocument/2006/relationships" xmlns:p="http://schemas.openxmlformats.org/presentationml/2006/main">
   <p:cSld>
+    <p:bg>
+      <p:bgPr>
+        <a:blipFill rotWithShape="1">
+          <a:blip r:embed="rId2">
+            <a:duotone>
+              <a:schemeClr val="bg2">
+                <a:shade val="69000"/>
+                <a:hueMod val="108000"/>
+                <a:satMod val="164000"/>
+                <a:lumMod val="74000"/>
+              </a:schemeClr>
+              <a:schemeClr val="bg2">
+                <a:tint val="96000"/>
+                <a:hueMod val="88000"/>
+                <a:satMod val="140000"/>
+                <a:lumMod val="132000"/>
+              </a:schemeClr>
+            </a:duotone>
+            <a:extLst/>
+          </a:blip>
+          <a:stretch/>
+        </a:blipFill>
+        <a:effectLst/>
+      </p:bgPr>
+    </p:bg>
     <p:spTree>
       <p:nvGrpSpPr>
         <p:cNvPr id="1" name=""/>
@@ -10883,10 +12766,749 @@
           <a:chExt cx="0" cy="0"/>
         </a:xfrm>
       </p:grpSpPr>
+      <p:sp>
+        <p:nvSpPr>
+          <p:cNvPr id="22" name="Rectangle 9">
+            <a:extLst>
+              <a:ext uri="{FF2B5EF4-FFF2-40B4-BE49-F238E27FC236}">
+                <a16:creationId xmlns:a16="http://schemas.microsoft.com/office/drawing/2014/main" id="{B77F70CF-51B7-4A07-A16B-70DFA49427F9}"/>
+              </a:ext>
+              <a:ext uri="{C183D7F6-B498-43B3-948B-1728B52AA6E4}">
+                <adec:decorative xmlns:adec="http://schemas.microsoft.com/office/drawing/2017/decorative" val="1"/>
+              </a:ext>
+            </a:extLst>
+          </p:cNvPr>
+          <p:cNvSpPr>
+            <a:spLocks noGrp="1" noRot="1" noChangeAspect="1" noMove="1" noResize="1" noEditPoints="1" noAdjustHandles="1" noChangeArrowheads="1" noChangeShapeType="1" noTextEdit="1"/>
+          </p:cNvSpPr>
+          <p:nvPr>
+            <p:extLst>
+              <p:ext uri="{386F3935-93C4-4BCD-93E2-E3B085C9AB24}">
+                <p16:designElem xmlns:p16="http://schemas.microsoft.com/office/powerpoint/2015/main" val="1"/>
+              </p:ext>
+            </p:extLst>
+          </p:nvPr>
+        </p:nvSpPr>
+        <p:spPr>
+          <a:xfrm>
+            <a:off x="0" y="0"/>
+            <a:ext cx="12192000" cy="6858000"/>
+          </a:xfrm>
+          <a:prstGeom prst="rect">
+            <a:avLst/>
+          </a:prstGeom>
+          <a:solidFill>
+            <a:schemeClr val="bg2"/>
+          </a:solidFill>
+          <a:ln>
+            <a:noFill/>
+          </a:ln>
+        </p:spPr>
+        <p:style>
+          <a:lnRef idx="2">
+            <a:schemeClr val="accent1">
+              <a:shade val="50000"/>
+            </a:schemeClr>
+          </a:lnRef>
+          <a:fillRef idx="1">
+            <a:schemeClr val="accent1"/>
+          </a:fillRef>
+          <a:effectRef idx="0">
+            <a:schemeClr val="accent1"/>
+          </a:effectRef>
+          <a:fontRef idx="minor">
+            <a:schemeClr val="lt1"/>
+          </a:fontRef>
+        </p:style>
+        <p:txBody>
+          <a:bodyPr rtlCol="0" anchor="ctr"/>
+          <a:lstStyle/>
+          <a:p>
+            <a:pPr algn="ctr"/>
+            <a:endParaRPr lang="en-US" dirty="0"/>
+          </a:p>
+        </p:txBody>
+      </p:sp>
+      <p:sp>
+        <p:nvSpPr>
+          <p:cNvPr id="23" name="Rectangle 11">
+            <a:extLst>
+              <a:ext uri="{FF2B5EF4-FFF2-40B4-BE49-F238E27FC236}">
+                <a16:creationId xmlns:a16="http://schemas.microsoft.com/office/drawing/2014/main" id="{C98594B0-DC7B-4BAF-B0F2-8557CBDE6BE6}"/>
+              </a:ext>
+              <a:ext uri="{C183D7F6-B498-43B3-948B-1728B52AA6E4}">
+                <adec:decorative xmlns:adec="http://schemas.microsoft.com/office/drawing/2017/decorative" val="1"/>
+              </a:ext>
+            </a:extLst>
+          </p:cNvPr>
+          <p:cNvSpPr>
+            <a:spLocks noGrp="1" noRot="1" noChangeAspect="1" noMove="1" noResize="1" noEditPoints="1" noAdjustHandles="1" noChangeArrowheads="1" noChangeShapeType="1" noTextEdit="1"/>
+          </p:cNvSpPr>
+          <p:nvPr>
+            <p:extLst>
+              <p:ext uri="{386F3935-93C4-4BCD-93E2-E3B085C9AB24}">
+                <p16:designElem xmlns:p16="http://schemas.microsoft.com/office/powerpoint/2015/main" val="1"/>
+              </p:ext>
+            </p:extLst>
+          </p:nvPr>
+        </p:nvSpPr>
+        <p:spPr>
+          <a:xfrm>
+            <a:off x="477012" y="480060"/>
+            <a:ext cx="4661461" cy="5897880"/>
+          </a:xfrm>
+          <a:prstGeom prst="rect">
+            <a:avLst/>
+          </a:prstGeom>
+          <a:solidFill>
+            <a:srgbClr val="FFFFFF"/>
+          </a:solidFill>
+          <a:ln w="22225">
+            <a:solidFill>
+              <a:schemeClr val="tx1">
+                <a:lumMod val="50000"/>
+                <a:lumOff val="50000"/>
+              </a:schemeClr>
+            </a:solidFill>
+          </a:ln>
+        </p:spPr>
+        <p:style>
+          <a:lnRef idx="2">
+            <a:schemeClr val="accent1">
+              <a:shade val="50000"/>
+            </a:schemeClr>
+          </a:lnRef>
+          <a:fillRef idx="1">
+            <a:schemeClr val="accent1"/>
+          </a:fillRef>
+          <a:effectRef idx="0">
+            <a:schemeClr val="accent1"/>
+          </a:effectRef>
+          <a:fontRef idx="minor">
+            <a:schemeClr val="lt1"/>
+          </a:fontRef>
+        </p:style>
+        <p:txBody>
+          <a:bodyPr rtlCol="0" anchor="ctr"/>
+          <a:lstStyle/>
+          <a:p>
+            <a:pPr algn="ctr"/>
+            <a:endParaRPr lang="en-US"/>
+          </a:p>
+        </p:txBody>
+      </p:sp>
+      <p:pic>
+        <p:nvPicPr>
+          <p:cNvPr id="5" name="Picture 4">
+            <a:extLst>
+              <a:ext uri="{FF2B5EF4-FFF2-40B4-BE49-F238E27FC236}">
+                <a16:creationId xmlns:a16="http://schemas.microsoft.com/office/drawing/2014/main" id="{BD9A3DBB-F945-4144-AFFE-879057D3DFC8}"/>
+              </a:ext>
+            </a:extLst>
+          </p:cNvPr>
+          <p:cNvPicPr>
+            <a:picLocks noChangeAspect="1"/>
+          </p:cNvPicPr>
+          <p:nvPr/>
+        </p:nvPicPr>
+        <p:blipFill>
+          <a:blip r:embed="rId3"/>
+          <a:stretch>
+            <a:fillRect/>
+          </a:stretch>
+        </p:blipFill>
+        <p:spPr>
+          <a:xfrm>
+            <a:off x="1310983" y="643467"/>
+            <a:ext cx="2994447" cy="5571066"/>
+          </a:xfrm>
+          <a:prstGeom prst="rect">
+            <a:avLst/>
+          </a:prstGeom>
+        </p:spPr>
+      </p:pic>
+      <p:sp>
+        <p:nvSpPr>
+          <p:cNvPr id="24" name="Rectangle 13">
+            <a:extLst>
+              <a:ext uri="{FF2B5EF4-FFF2-40B4-BE49-F238E27FC236}">
+                <a16:creationId xmlns:a16="http://schemas.microsoft.com/office/drawing/2014/main" id="{27A76E6C-02DD-4FDA-9F96-21BD3F4E45B7}"/>
+              </a:ext>
+              <a:ext uri="{C183D7F6-B498-43B3-948B-1728B52AA6E4}">
+                <adec:decorative xmlns:adec="http://schemas.microsoft.com/office/drawing/2017/decorative" val="1"/>
+              </a:ext>
+            </a:extLst>
+          </p:cNvPr>
+          <p:cNvSpPr>
+            <a:spLocks noGrp="1" noRot="1" noChangeAspect="1" noMove="1" noResize="1" noEditPoints="1" noAdjustHandles="1" noChangeArrowheads="1" noChangeShapeType="1" noTextEdit="1"/>
+          </p:cNvSpPr>
+          <p:nvPr>
+            <p:extLst>
+              <p:ext uri="{386F3935-93C4-4BCD-93E2-E3B085C9AB24}">
+                <p16:designElem xmlns:p16="http://schemas.microsoft.com/office/powerpoint/2015/main" val="1"/>
+              </p:ext>
+            </p:extLst>
+          </p:nvPr>
+        </p:nvSpPr>
+        <p:spPr>
+          <a:xfrm>
+            <a:off x="5299341" y="480060"/>
+            <a:ext cx="4661460" cy="5897880"/>
+          </a:xfrm>
+          <a:prstGeom prst="rect">
+            <a:avLst/>
+          </a:prstGeom>
+          <a:solidFill>
+            <a:srgbClr val="FFFFFF"/>
+          </a:solidFill>
+          <a:ln w="22225">
+            <a:solidFill>
+              <a:schemeClr val="tx1">
+                <a:lumMod val="50000"/>
+                <a:lumOff val="50000"/>
+              </a:schemeClr>
+            </a:solidFill>
+          </a:ln>
+        </p:spPr>
+        <p:style>
+          <a:lnRef idx="2">
+            <a:schemeClr val="accent1">
+              <a:shade val="50000"/>
+            </a:schemeClr>
+          </a:lnRef>
+          <a:fillRef idx="1">
+            <a:schemeClr val="accent1"/>
+          </a:fillRef>
+          <a:effectRef idx="0">
+            <a:schemeClr val="accent1"/>
+          </a:effectRef>
+          <a:fontRef idx="minor">
+            <a:schemeClr val="lt1"/>
+          </a:fontRef>
+        </p:style>
+        <p:txBody>
+          <a:bodyPr rtlCol="0" anchor="ctr"/>
+          <a:lstStyle/>
+          <a:p>
+            <a:pPr algn="ctr"/>
+            <a:endParaRPr lang="en-US"/>
+          </a:p>
+        </p:txBody>
+      </p:sp>
+      <p:pic>
+        <p:nvPicPr>
+          <p:cNvPr id="3" name="Picture 2">
+            <a:extLst>
+              <a:ext uri="{FF2B5EF4-FFF2-40B4-BE49-F238E27FC236}">
+                <a16:creationId xmlns:a16="http://schemas.microsoft.com/office/drawing/2014/main" id="{7AEEC757-1BBD-514B-9632-F13D49F05C9E}"/>
+              </a:ext>
+            </a:extLst>
+          </p:cNvPr>
+          <p:cNvPicPr>
+            <a:picLocks noChangeAspect="1"/>
+          </p:cNvPicPr>
+          <p:nvPr/>
+        </p:nvPicPr>
+        <p:blipFill>
+          <a:blip r:embed="rId4"/>
+          <a:stretch>
+            <a:fillRect/>
+          </a:stretch>
+        </p:blipFill>
+        <p:spPr>
+          <a:xfrm>
+            <a:off x="5462369" y="2617026"/>
+            <a:ext cx="4330526" cy="1623947"/>
+          </a:xfrm>
+          <a:prstGeom prst="rect">
+            <a:avLst/>
+          </a:prstGeom>
+        </p:spPr>
+      </p:pic>
+      <p:sp>
+        <p:nvSpPr>
+          <p:cNvPr id="25" name="Rectangle 15">
+            <a:extLst>
+              <a:ext uri="{FF2B5EF4-FFF2-40B4-BE49-F238E27FC236}">
+                <a16:creationId xmlns:a16="http://schemas.microsoft.com/office/drawing/2014/main" id="{D4D9AAD4-B929-4AE3-A27C-651AF2069ED0}"/>
+              </a:ext>
+              <a:ext uri="{C183D7F6-B498-43B3-948B-1728B52AA6E4}">
+                <adec:decorative xmlns:adec="http://schemas.microsoft.com/office/drawing/2017/decorative" val="1"/>
+              </a:ext>
+            </a:extLst>
+          </p:cNvPr>
+          <p:cNvSpPr>
+            <a:spLocks noGrp="1" noRot="1" noChangeAspect="1" noMove="1" noResize="1" noEditPoints="1" noAdjustHandles="1" noChangeArrowheads="1" noChangeShapeType="1" noTextEdit="1"/>
+          </p:cNvSpPr>
+          <p:nvPr>
+            <p:extLst>
+              <p:ext uri="{386F3935-93C4-4BCD-93E2-E3B085C9AB24}">
+                <p16:designElem xmlns:p16="http://schemas.microsoft.com/office/powerpoint/2015/main" val="1"/>
+              </p:ext>
+            </p:extLst>
+          </p:nvPr>
+        </p:nvSpPr>
+        <p:spPr>
+          <a:xfrm>
+            <a:off x="10437812" y="0"/>
+            <a:ext cx="685800" cy="1143000"/>
+          </a:xfrm>
+          <a:prstGeom prst="rect">
+            <a:avLst/>
+          </a:prstGeom>
+          <a:solidFill>
+            <a:schemeClr val="accent1"/>
+          </a:solidFill>
+          <a:ln>
+            <a:noFill/>
+          </a:ln>
+        </p:spPr>
+        <p:style>
+          <a:lnRef idx="1">
+            <a:schemeClr val="accent1"/>
+          </a:lnRef>
+          <a:fillRef idx="3">
+            <a:schemeClr val="accent1"/>
+          </a:fillRef>
+          <a:effectRef idx="2">
+            <a:schemeClr val="accent1"/>
+          </a:effectRef>
+          <a:fontRef idx="minor">
+            <a:schemeClr val="lt1"/>
+          </a:fontRef>
+        </p:style>
+      </p:sp>
     </p:spTree>
     <p:extLst>
       <p:ext uri="{BB962C8B-B14F-4D97-AF65-F5344CB8AC3E}">
         <p14:creationId xmlns:p14="http://schemas.microsoft.com/office/powerpoint/2010/main" val="1176609989"/>
+      </p:ext>
+    </p:extLst>
+  </p:cSld>
+  <p:clrMapOvr>
+    <a:masterClrMapping/>
+  </p:clrMapOvr>
+</p:sld>
+</file>
+
+<file path=ppt/slides/slide9.xml><?xml version="1.0" encoding="utf-8"?>
+<p:sld xmlns:a="http://schemas.openxmlformats.org/drawingml/2006/main" xmlns:r="http://schemas.openxmlformats.org/officeDocument/2006/relationships" xmlns:p="http://schemas.openxmlformats.org/presentationml/2006/main">
+  <p:cSld>
+    <p:bg>
+      <p:bgPr>
+        <a:blipFill rotWithShape="1">
+          <a:blip r:embed="rId2">
+            <a:duotone>
+              <a:schemeClr val="bg2">
+                <a:shade val="69000"/>
+                <a:hueMod val="108000"/>
+                <a:satMod val="164000"/>
+                <a:lumMod val="74000"/>
+              </a:schemeClr>
+              <a:schemeClr val="bg2">
+                <a:tint val="96000"/>
+                <a:hueMod val="88000"/>
+                <a:satMod val="140000"/>
+                <a:lumMod val="132000"/>
+              </a:schemeClr>
+            </a:duotone>
+            <a:extLst/>
+          </a:blip>
+          <a:stretch/>
+        </a:blipFill>
+        <a:effectLst/>
+      </p:bgPr>
+    </p:bg>
+    <p:spTree>
+      <p:nvGrpSpPr>
+        <p:cNvPr id="1" name=""/>
+        <p:cNvGrpSpPr/>
+        <p:nvPr/>
+      </p:nvGrpSpPr>
+      <p:grpSpPr>
+        <a:xfrm>
+          <a:off x="0" y="0"/>
+          <a:ext cx="0" cy="0"/>
+          <a:chOff x="0" y="0"/>
+          <a:chExt cx="0" cy="0"/>
+        </a:xfrm>
+      </p:grpSpPr>
+      <p:sp>
+        <p:nvSpPr>
+          <p:cNvPr id="10" name="Rectangle 9">
+            <a:extLst>
+              <a:ext uri="{FF2B5EF4-FFF2-40B4-BE49-F238E27FC236}">
+                <a16:creationId xmlns:a16="http://schemas.microsoft.com/office/drawing/2014/main" id="{B77F70CF-51B7-4A07-A16B-70DFA49427F9}"/>
+              </a:ext>
+              <a:ext uri="{C183D7F6-B498-43B3-948B-1728B52AA6E4}">
+                <adec:decorative xmlns:adec="http://schemas.microsoft.com/office/drawing/2017/decorative" val="1"/>
+              </a:ext>
+            </a:extLst>
+          </p:cNvPr>
+          <p:cNvSpPr>
+            <a:spLocks noGrp="1" noRot="1" noChangeAspect="1" noMove="1" noResize="1" noEditPoints="1" noAdjustHandles="1" noChangeArrowheads="1" noChangeShapeType="1" noTextEdit="1"/>
+          </p:cNvSpPr>
+          <p:nvPr>
+            <p:extLst>
+              <p:ext uri="{386F3935-93C4-4BCD-93E2-E3B085C9AB24}">
+                <p16:designElem xmlns:p16="http://schemas.microsoft.com/office/powerpoint/2015/main" val="1"/>
+              </p:ext>
+            </p:extLst>
+          </p:nvPr>
+        </p:nvSpPr>
+        <p:spPr>
+          <a:xfrm>
+            <a:off x="0" y="0"/>
+            <a:ext cx="12192000" cy="6858000"/>
+          </a:xfrm>
+          <a:prstGeom prst="rect">
+            <a:avLst/>
+          </a:prstGeom>
+          <a:solidFill>
+            <a:schemeClr val="bg2"/>
+          </a:solidFill>
+          <a:ln>
+            <a:noFill/>
+          </a:ln>
+        </p:spPr>
+        <p:style>
+          <a:lnRef idx="2">
+            <a:schemeClr val="accent1">
+              <a:shade val="50000"/>
+            </a:schemeClr>
+          </a:lnRef>
+          <a:fillRef idx="1">
+            <a:schemeClr val="accent1"/>
+          </a:fillRef>
+          <a:effectRef idx="0">
+            <a:schemeClr val="accent1"/>
+          </a:effectRef>
+          <a:fontRef idx="minor">
+            <a:schemeClr val="lt1"/>
+          </a:fontRef>
+        </p:style>
+        <p:txBody>
+          <a:bodyPr rtlCol="0" anchor="ctr"/>
+          <a:lstStyle/>
+          <a:p>
+            <a:pPr algn="ctr"/>
+            <a:endParaRPr lang="en-US" dirty="0"/>
+          </a:p>
+        </p:txBody>
+      </p:sp>
+      <p:sp>
+        <p:nvSpPr>
+          <p:cNvPr id="12" name="Rectangle 11">
+            <a:extLst>
+              <a:ext uri="{FF2B5EF4-FFF2-40B4-BE49-F238E27FC236}">
+                <a16:creationId xmlns:a16="http://schemas.microsoft.com/office/drawing/2014/main" id="{C98594B0-DC7B-4BAF-B0F2-8557CBDE6BE6}"/>
+              </a:ext>
+              <a:ext uri="{C183D7F6-B498-43B3-948B-1728B52AA6E4}">
+                <adec:decorative xmlns:adec="http://schemas.microsoft.com/office/drawing/2017/decorative" val="1"/>
+              </a:ext>
+            </a:extLst>
+          </p:cNvPr>
+          <p:cNvSpPr>
+            <a:spLocks noGrp="1" noRot="1" noChangeAspect="1" noMove="1" noResize="1" noEditPoints="1" noAdjustHandles="1" noChangeArrowheads="1" noChangeShapeType="1" noTextEdit="1"/>
+          </p:cNvSpPr>
+          <p:nvPr>
+            <p:extLst>
+              <p:ext uri="{386F3935-93C4-4BCD-93E2-E3B085C9AB24}">
+                <p16:designElem xmlns:p16="http://schemas.microsoft.com/office/powerpoint/2015/main" val="1"/>
+              </p:ext>
+            </p:extLst>
+          </p:nvPr>
+        </p:nvSpPr>
+        <p:spPr>
+          <a:xfrm>
+            <a:off x="477012" y="480060"/>
+            <a:ext cx="4661461" cy="5897880"/>
+          </a:xfrm>
+          <a:prstGeom prst="rect">
+            <a:avLst/>
+          </a:prstGeom>
+          <a:solidFill>
+            <a:srgbClr val="FFFFFF"/>
+          </a:solidFill>
+          <a:ln w="22225">
+            <a:solidFill>
+              <a:schemeClr val="tx1">
+                <a:lumMod val="50000"/>
+                <a:lumOff val="50000"/>
+              </a:schemeClr>
+            </a:solidFill>
+          </a:ln>
+        </p:spPr>
+        <p:style>
+          <a:lnRef idx="2">
+            <a:schemeClr val="accent1">
+              <a:shade val="50000"/>
+            </a:schemeClr>
+          </a:lnRef>
+          <a:fillRef idx="1">
+            <a:schemeClr val="accent1"/>
+          </a:fillRef>
+          <a:effectRef idx="0">
+            <a:schemeClr val="accent1"/>
+          </a:effectRef>
+          <a:fontRef idx="minor">
+            <a:schemeClr val="lt1"/>
+          </a:fontRef>
+        </p:style>
+        <p:txBody>
+          <a:bodyPr rtlCol="0" anchor="ctr"/>
+          <a:lstStyle/>
+          <a:p>
+            <a:pPr algn="ctr"/>
+            <a:endParaRPr lang="en-US"/>
+          </a:p>
+        </p:txBody>
+      </p:sp>
+      <p:pic>
+        <p:nvPicPr>
+          <p:cNvPr id="3" name="Picture 2">
+            <a:extLst>
+              <a:ext uri="{FF2B5EF4-FFF2-40B4-BE49-F238E27FC236}">
+                <a16:creationId xmlns:a16="http://schemas.microsoft.com/office/drawing/2014/main" id="{87CCD4F9-0A03-A847-9DA2-C11F475367D9}"/>
+              </a:ext>
+            </a:extLst>
+          </p:cNvPr>
+          <p:cNvPicPr>
+            <a:picLocks noChangeAspect="1"/>
+          </p:cNvPicPr>
+          <p:nvPr/>
+        </p:nvPicPr>
+        <p:blipFill>
+          <a:blip r:embed="rId3"/>
+          <a:stretch>
+            <a:fillRect/>
+          </a:stretch>
+        </p:blipFill>
+        <p:spPr>
+          <a:xfrm>
+            <a:off x="643001" y="865764"/>
+            <a:ext cx="4329482" cy="1969913"/>
+          </a:xfrm>
+          <a:prstGeom prst="rect">
+            <a:avLst/>
+          </a:prstGeom>
+        </p:spPr>
+      </p:pic>
+      <p:sp>
+        <p:nvSpPr>
+          <p:cNvPr id="14" name="Rectangle 13">
+            <a:extLst>
+              <a:ext uri="{FF2B5EF4-FFF2-40B4-BE49-F238E27FC236}">
+                <a16:creationId xmlns:a16="http://schemas.microsoft.com/office/drawing/2014/main" id="{27A76E6C-02DD-4FDA-9F96-21BD3F4E45B7}"/>
+              </a:ext>
+              <a:ext uri="{C183D7F6-B498-43B3-948B-1728B52AA6E4}">
+                <adec:decorative xmlns:adec="http://schemas.microsoft.com/office/drawing/2017/decorative" val="1"/>
+              </a:ext>
+            </a:extLst>
+          </p:cNvPr>
+          <p:cNvSpPr>
+            <a:spLocks noGrp="1" noRot="1" noChangeAspect="1" noMove="1" noResize="1" noEditPoints="1" noAdjustHandles="1" noChangeArrowheads="1" noChangeShapeType="1" noTextEdit="1"/>
+          </p:cNvSpPr>
+          <p:nvPr>
+            <p:extLst>
+              <p:ext uri="{386F3935-93C4-4BCD-93E2-E3B085C9AB24}">
+                <p16:designElem xmlns:p16="http://schemas.microsoft.com/office/powerpoint/2015/main" val="1"/>
+              </p:ext>
+            </p:extLst>
+          </p:nvPr>
+        </p:nvSpPr>
+        <p:spPr>
+          <a:xfrm>
+            <a:off x="5299341" y="480060"/>
+            <a:ext cx="4661460" cy="5897880"/>
+          </a:xfrm>
+          <a:prstGeom prst="rect">
+            <a:avLst/>
+          </a:prstGeom>
+          <a:solidFill>
+            <a:srgbClr val="FFFFFF"/>
+          </a:solidFill>
+          <a:ln w="22225">
+            <a:solidFill>
+              <a:schemeClr val="tx1">
+                <a:lumMod val="50000"/>
+                <a:lumOff val="50000"/>
+              </a:schemeClr>
+            </a:solidFill>
+          </a:ln>
+        </p:spPr>
+        <p:style>
+          <a:lnRef idx="2">
+            <a:schemeClr val="accent1">
+              <a:shade val="50000"/>
+            </a:schemeClr>
+          </a:lnRef>
+          <a:fillRef idx="1">
+            <a:schemeClr val="accent1"/>
+          </a:fillRef>
+          <a:effectRef idx="0">
+            <a:schemeClr val="accent1"/>
+          </a:effectRef>
+          <a:fontRef idx="minor">
+            <a:schemeClr val="lt1"/>
+          </a:fontRef>
+        </p:style>
+        <p:txBody>
+          <a:bodyPr rtlCol="0" anchor="ctr"/>
+          <a:lstStyle/>
+          <a:p>
+            <a:pPr algn="ctr"/>
+            <a:endParaRPr lang="en-US"/>
+          </a:p>
+        </p:txBody>
+      </p:sp>
+      <p:pic>
+        <p:nvPicPr>
+          <p:cNvPr id="5" name="Picture 4">
+            <a:extLst>
+              <a:ext uri="{FF2B5EF4-FFF2-40B4-BE49-F238E27FC236}">
+                <a16:creationId xmlns:a16="http://schemas.microsoft.com/office/drawing/2014/main" id="{16DA6DCE-28FF-AC46-9D4E-29BE281321C7}"/>
+              </a:ext>
+            </a:extLst>
+          </p:cNvPr>
+          <p:cNvPicPr>
+            <a:picLocks noChangeAspect="1"/>
+          </p:cNvPicPr>
+          <p:nvPr/>
+        </p:nvPicPr>
+        <p:blipFill>
+          <a:blip r:embed="rId4"/>
+          <a:stretch>
+            <a:fillRect/>
+          </a:stretch>
+        </p:blipFill>
+        <p:spPr>
+          <a:xfrm>
+            <a:off x="5464808" y="865764"/>
+            <a:ext cx="4330526" cy="1775516"/>
+          </a:xfrm>
+          <a:prstGeom prst="rect">
+            <a:avLst/>
+          </a:prstGeom>
+        </p:spPr>
+      </p:pic>
+      <p:sp>
+        <p:nvSpPr>
+          <p:cNvPr id="16" name="Rectangle 15">
+            <a:extLst>
+              <a:ext uri="{FF2B5EF4-FFF2-40B4-BE49-F238E27FC236}">
+                <a16:creationId xmlns:a16="http://schemas.microsoft.com/office/drawing/2014/main" id="{D4D9AAD4-B929-4AE3-A27C-651AF2069ED0}"/>
+              </a:ext>
+              <a:ext uri="{C183D7F6-B498-43B3-948B-1728B52AA6E4}">
+                <adec:decorative xmlns:adec="http://schemas.microsoft.com/office/drawing/2017/decorative" val="1"/>
+              </a:ext>
+            </a:extLst>
+          </p:cNvPr>
+          <p:cNvSpPr>
+            <a:spLocks noGrp="1" noRot="1" noChangeAspect="1" noMove="1" noResize="1" noEditPoints="1" noAdjustHandles="1" noChangeArrowheads="1" noChangeShapeType="1" noTextEdit="1"/>
+          </p:cNvSpPr>
+          <p:nvPr>
+            <p:extLst>
+              <p:ext uri="{386F3935-93C4-4BCD-93E2-E3B085C9AB24}">
+                <p16:designElem xmlns:p16="http://schemas.microsoft.com/office/powerpoint/2015/main" val="1"/>
+              </p:ext>
+            </p:extLst>
+          </p:nvPr>
+        </p:nvSpPr>
+        <p:spPr>
+          <a:xfrm>
+            <a:off x="10437812" y="0"/>
+            <a:ext cx="685800" cy="1143000"/>
+          </a:xfrm>
+          <a:prstGeom prst="rect">
+            <a:avLst/>
+          </a:prstGeom>
+          <a:solidFill>
+            <a:schemeClr val="accent1"/>
+          </a:solidFill>
+          <a:ln>
+            <a:noFill/>
+          </a:ln>
+        </p:spPr>
+        <p:style>
+          <a:lnRef idx="1">
+            <a:schemeClr val="accent1"/>
+          </a:lnRef>
+          <a:fillRef idx="3">
+            <a:schemeClr val="accent1"/>
+          </a:fillRef>
+          <a:effectRef idx="2">
+            <a:schemeClr val="accent1"/>
+          </a:effectRef>
+          <a:fontRef idx="minor">
+            <a:schemeClr val="lt1"/>
+          </a:fontRef>
+        </p:style>
+      </p:sp>
+      <p:pic>
+        <p:nvPicPr>
+          <p:cNvPr id="7" name="Picture 6">
+            <a:extLst>
+              <a:ext uri="{FF2B5EF4-FFF2-40B4-BE49-F238E27FC236}">
+                <a16:creationId xmlns:a16="http://schemas.microsoft.com/office/drawing/2014/main" id="{212433B0-630E-3E47-B3FE-D56A24E1552C}"/>
+              </a:ext>
+            </a:extLst>
+          </p:cNvPr>
+          <p:cNvPicPr>
+            <a:picLocks noChangeAspect="1"/>
+          </p:cNvPicPr>
+          <p:nvPr/>
+        </p:nvPicPr>
+        <p:blipFill>
+          <a:blip r:embed="rId5"/>
+          <a:stretch>
+            <a:fillRect/>
+          </a:stretch>
+        </p:blipFill>
+        <p:spPr>
+          <a:xfrm>
+            <a:off x="643001" y="3046438"/>
+            <a:ext cx="4329482" cy="2943194"/>
+          </a:xfrm>
+          <a:prstGeom prst="rect">
+            <a:avLst/>
+          </a:prstGeom>
+        </p:spPr>
+      </p:pic>
+      <p:pic>
+        <p:nvPicPr>
+          <p:cNvPr id="9" name="Picture 8">
+            <a:extLst>
+              <a:ext uri="{FF2B5EF4-FFF2-40B4-BE49-F238E27FC236}">
+                <a16:creationId xmlns:a16="http://schemas.microsoft.com/office/drawing/2014/main" id="{8E5D8F71-0BFD-8B4E-9532-8903ADC89ADE}"/>
+              </a:ext>
+            </a:extLst>
+          </p:cNvPr>
+          <p:cNvPicPr>
+            <a:picLocks noChangeAspect="1"/>
+          </p:cNvPicPr>
+          <p:nvPr/>
+        </p:nvPicPr>
+        <p:blipFill>
+          <a:blip r:embed="rId6"/>
+          <a:stretch>
+            <a:fillRect/>
+          </a:stretch>
+        </p:blipFill>
+        <p:spPr>
+          <a:xfrm>
+            <a:off x="5464808" y="3644206"/>
+            <a:ext cx="4330526" cy="1600682"/>
+          </a:xfrm>
+          <a:prstGeom prst="rect">
+            <a:avLst/>
+          </a:prstGeom>
+        </p:spPr>
+      </p:pic>
+    </p:spTree>
+    <p:extLst>
+      <p:ext uri="{BB962C8B-B14F-4D97-AF65-F5344CB8AC3E}">
+        <p14:creationId xmlns:p14="http://schemas.microsoft.com/office/powerpoint/2010/main" val="769308155"/>
       </p:ext>
     </p:extLst>
   </p:cSld>
